--- a/lecture-slides/part-1-intro-unix.pptx
+++ b/lecture-slides/part-1-intro-unix.pptx
@@ -5,7 +5,7 @@
     <p:sldMasterId id="2147483696" r:id="rId4"/>
   </p:sldMasterIdLst>
   <p:notesMasterIdLst>
-    <p:notesMasterId r:id="rId11"/>
+    <p:notesMasterId r:id="rId15"/>
   </p:notesMasterIdLst>
   <p:sldIdLst>
     <p:sldId id="306" r:id="rId5"/>
@@ -14,6 +14,10 @@
     <p:sldId id="311" r:id="rId8"/>
     <p:sldId id="310" r:id="rId9"/>
     <p:sldId id="312" r:id="rId10"/>
+    <p:sldId id="313" r:id="rId11"/>
+    <p:sldId id="314" r:id="rId12"/>
+    <p:sldId id="315" r:id="rId13"/>
+    <p:sldId id="316" r:id="rId14"/>
   </p:sldIdLst>
   <p:sldSz cx="12192000" cy="6858000"/>
   <p:notesSz cx="6858000" cy="9144000"/>
@@ -224,7 +228,7 @@
           <a:p>
             <a:fld id="{5EA28068-AFBD-4979-B752-9EB6F90B1386}" type="datetimeFigureOut">
               <a:rPr lang="en-US" smtClean="0"/>
-              <a:t>1/25/2023</a:t>
+              <a:t>1/27/2023</a:t>
             </a:fld>
             <a:endParaRPr lang="en-US" dirty="0"/>
           </a:p>
@@ -11327,7 +11331,7 @@
 </p:sld>
 </file>
 
-<file path=ppt/slides/slide2.xml><?xml version="1.0" encoding="utf-8"?>
+<file path=ppt/slides/slide10.xml><?xml version="1.0" encoding="utf-8"?>
 <p:sld xmlns:a="http://schemas.openxmlformats.org/drawingml/2006/main" xmlns:r="http://schemas.openxmlformats.org/officeDocument/2006/relationships" xmlns:p="http://schemas.openxmlformats.org/presentationml/2006/main">
   <p:cSld>
     <p:bg>
@@ -11492,18 +11496,18 @@
         </p:nvSpPr>
         <p:spPr>
           <a:xfrm>
-            <a:off x="264180" y="363828"/>
-            <a:ext cx="5831820" cy="1140721"/>
+            <a:off x="498767" y="250372"/>
+            <a:ext cx="10593775" cy="692923"/>
           </a:xfrm>
         </p:spPr>
         <p:txBody>
           <a:bodyPr vert="horz" lIns="91440" tIns="45720" rIns="91440" bIns="45720" rtlCol="0" anchor="b">
-            <a:normAutofit/>
+            <a:normAutofit fontScale="90000"/>
           </a:bodyPr>
           <a:lstStyle/>
           <a:p>
             <a:r>
-              <a:rPr lang="en-US" sz="3600" kern="1200" dirty="0">
+              <a:rPr lang="en-US" sz="4000" kern="1200" dirty="0">
                 <a:solidFill>
                   <a:schemeClr val="tx1"/>
                 </a:solidFill>
@@ -11511,8 +11515,20 @@
                 <a:ea typeface="+mj-ea"/>
                 <a:cs typeface="+mj-cs"/>
               </a:rPr>
-              <a:t>Version Control with Git (Chapter 2)</a:t>
-            </a:r>
+              <a:t>UNIX Advanced: “</a:t>
+            </a:r>
+            <a:r>
+              <a:rPr lang="en-US" sz="4000" dirty="0"/>
+              <a:t>for” loops &amp; BASH scripting</a:t>
+            </a:r>
+            <a:endParaRPr lang="en-US" sz="4000" kern="1200" dirty="0">
+              <a:solidFill>
+                <a:schemeClr val="tx1"/>
+              </a:solidFill>
+              <a:latin typeface="+mj-lt"/>
+              <a:ea typeface="+mj-ea"/>
+              <a:cs typeface="+mj-cs"/>
+            </a:endParaRPr>
           </a:p>
         </p:txBody>
       </p:sp>
@@ -11989,6 +12005,1684 @@
           </a:p>
         </p:txBody>
       </p:sp>
+      <p:sp>
+        <p:nvSpPr>
+          <p:cNvPr id="11" name="Slide Number Placeholder 10">
+            <a:extLst>
+              <a:ext uri="{FF2B5EF4-FFF2-40B4-BE49-F238E27FC236}">
+                <a16:creationId xmlns:a16="http://schemas.microsoft.com/office/drawing/2014/main" id="{56AE2454-CE9A-4A6B-AB5A-349E0D967654}"/>
+              </a:ext>
+            </a:extLst>
+          </p:cNvPr>
+          <p:cNvSpPr>
+            <a:spLocks noGrp="1"/>
+          </p:cNvSpPr>
+          <p:nvPr>
+            <p:ph type="sldNum" sz="quarter" idx="12"/>
+          </p:nvPr>
+        </p:nvSpPr>
+        <p:spPr>
+          <a:xfrm>
+            <a:off x="8610600" y="6356350"/>
+            <a:ext cx="2743200" cy="365125"/>
+          </a:xfrm>
+        </p:spPr>
+        <p:txBody>
+          <a:bodyPr vert="horz" lIns="91440" tIns="45720" rIns="91440" bIns="45720" rtlCol="0" anchor="ctr">
+            <a:normAutofit/>
+          </a:bodyPr>
+          <a:lstStyle/>
+          <a:p>
+            <a:pPr>
+              <a:spcAft>
+                <a:spcPts val="600"/>
+              </a:spcAft>
+            </a:pPr>
+            <a:fld id="{D8DA9DAA-006C-4F4B-980E-E3DF019B24E2}" type="slidenum">
+              <a:rPr lang="en-US" smtClean="0"/>
+              <a:pPr>
+                <a:spcAft>
+                  <a:spcPts val="600"/>
+                </a:spcAft>
+              </a:pPr>
+              <a:t>10</a:t>
+            </a:fld>
+            <a:endParaRPr lang="en-US"/>
+          </a:p>
+        </p:txBody>
+      </p:sp>
+      <p:cxnSp>
+        <p:nvCxnSpPr>
+          <p:cNvPr id="1067" name="Straight Connector 1066">
+            <a:extLst>
+              <a:ext uri="{FF2B5EF4-FFF2-40B4-BE49-F238E27FC236}">
+                <a16:creationId xmlns:a16="http://schemas.microsoft.com/office/drawing/2014/main" id="{C49DA8F6-BCC1-4447-B54C-57856834B94B}"/>
+              </a:ext>
+              <a:ext uri="{C183D7F6-B498-43B3-948B-1728B52AA6E4}">
+                <adec:decorative xmlns:adec="http://schemas.microsoft.com/office/drawing/2017/decorative" val="1"/>
+              </a:ext>
+            </a:extLst>
+          </p:cNvPr>
+          <p:cNvCxnSpPr>
+            <a:cxnSpLocks noGrp="1" noRot="1" noChangeAspect="1" noMove="1" noResize="1" noEditPoints="1" noAdjustHandles="1" noChangeArrowheads="1" noChangeShapeType="1"/>
+          </p:cNvCxnSpPr>
+          <p:nvPr>
+            <p:extLst>
+              <p:ext uri="{386F3935-93C4-4BCD-93E2-E3B085C9AB24}">
+                <p16:designElem xmlns:p16="http://schemas.microsoft.com/office/powerpoint/2015/main" val="1"/>
+              </p:ext>
+            </p:extLst>
+          </p:nvPr>
+        </p:nvCxnSpPr>
+        <p:spPr>
+          <a:xfrm>
+            <a:off x="11580162" y="3610394"/>
+            <a:ext cx="0" cy="3238728"/>
+          </a:xfrm>
+          <a:prstGeom prst="line">
+            <a:avLst/>
+          </a:prstGeom>
+          <a:ln w="25400" cap="sq">
+            <a:gradFill flip="none" rotWithShape="1">
+              <a:gsLst>
+                <a:gs pos="0">
+                  <a:schemeClr val="accent2"/>
+                </a:gs>
+                <a:gs pos="100000">
+                  <a:schemeClr val="accent4"/>
+                </a:gs>
+              </a:gsLst>
+              <a:lin ang="16200000" scaled="1"/>
+              <a:tileRect/>
+            </a:gradFill>
+            <a:bevel/>
+          </a:ln>
+        </p:spPr>
+        <p:style>
+          <a:lnRef idx="1">
+            <a:schemeClr val="accent1"/>
+          </a:lnRef>
+          <a:fillRef idx="0">
+            <a:schemeClr val="accent1"/>
+          </a:fillRef>
+          <a:effectRef idx="0">
+            <a:schemeClr val="accent1"/>
+          </a:effectRef>
+          <a:fontRef idx="minor">
+            <a:schemeClr val="tx1"/>
+          </a:fontRef>
+        </p:style>
+      </p:cxnSp>
+      <p:sp>
+        <p:nvSpPr>
+          <p:cNvPr id="14" name="TextBox 13">
+            <a:extLst>
+              <a:ext uri="{FF2B5EF4-FFF2-40B4-BE49-F238E27FC236}">
+                <a16:creationId xmlns:a16="http://schemas.microsoft.com/office/drawing/2014/main" id="{59520ECF-C58C-6F4A-188C-FEB0DAA27EA7}"/>
+              </a:ext>
+            </a:extLst>
+          </p:cNvPr>
+          <p:cNvSpPr txBox="1"/>
+          <p:nvPr/>
+        </p:nvSpPr>
+        <p:spPr>
+          <a:xfrm>
+            <a:off x="305920" y="1088168"/>
+            <a:ext cx="11274242" cy="5232202"/>
+          </a:xfrm>
+          <a:prstGeom prst="rect">
+            <a:avLst/>
+          </a:prstGeom>
+          <a:solidFill>
+            <a:schemeClr val="accent4">
+              <a:lumMod val="20000"/>
+              <a:lumOff val="80000"/>
+            </a:schemeClr>
+          </a:solidFill>
+        </p:spPr>
+        <p:txBody>
+          <a:bodyPr wrap="square">
+            <a:spAutoFit/>
+          </a:bodyPr>
+          <a:lstStyle/>
+          <a:p>
+            <a:pPr marL="342900" indent="-342900">
+              <a:buFont typeface="+mj-lt"/>
+              <a:buAutoNum type="arabicPeriod"/>
+            </a:pPr>
+            <a:r>
+              <a:rPr lang="en-US" sz="1600" b="1" dirty="0">
+                <a:latin typeface="Courier New" panose="02070309020205020404" pitchFamily="49" charset="0"/>
+                <a:cs typeface="Courier New" panose="02070309020205020404" pitchFamily="49" charset="0"/>
+              </a:rPr>
+              <a:t>Loop through files, strings, and numbers</a:t>
+            </a:r>
+          </a:p>
+          <a:p>
+            <a:pPr lvl="1"/>
+            <a:r>
+              <a:rPr lang="en-US" sz="1600" dirty="0">
+                <a:latin typeface="Courier New" panose="02070309020205020404" pitchFamily="49" charset="0"/>
+                <a:cs typeface="Courier New" panose="02070309020205020404" pitchFamily="49" charset="0"/>
+              </a:rPr>
+              <a:t>cd ~/CSB-BIOL425/</a:t>
+            </a:r>
+            <a:r>
+              <a:rPr lang="en-US" sz="1600" dirty="0" err="1">
+                <a:latin typeface="Courier New" panose="02070309020205020404" pitchFamily="49" charset="0"/>
+                <a:cs typeface="Courier New" panose="02070309020205020404" pitchFamily="49" charset="0"/>
+              </a:rPr>
+              <a:t>unix</a:t>
+            </a:r>
+            <a:r>
+              <a:rPr lang="en-US" sz="1600" dirty="0">
+                <a:latin typeface="Courier New" panose="02070309020205020404" pitchFamily="49" charset="0"/>
+                <a:cs typeface="Courier New" panose="02070309020205020404" pitchFamily="49" charset="0"/>
+              </a:rPr>
+              <a:t>/data/miRNA			# microRNA data</a:t>
+            </a:r>
+          </a:p>
+          <a:p>
+            <a:pPr lvl="1"/>
+            <a:r>
+              <a:rPr lang="en-US" sz="1600" dirty="0">
+                <a:solidFill>
+                  <a:srgbClr val="FF0000"/>
+                </a:solidFill>
+                <a:latin typeface="Courier New" panose="02070309020205020404" pitchFamily="49" charset="0"/>
+                <a:cs typeface="Courier New" panose="02070309020205020404" pitchFamily="49" charset="0"/>
+              </a:rPr>
+              <a:t>for</a:t>
+            </a:r>
+            <a:r>
+              <a:rPr lang="en-US" sz="1600" dirty="0">
+                <a:latin typeface="Courier New" panose="02070309020205020404" pitchFamily="49" charset="0"/>
+                <a:cs typeface="Courier New" panose="02070309020205020404" pitchFamily="49" charset="0"/>
+              </a:rPr>
+              <a:t> file </a:t>
+            </a:r>
+            <a:r>
+              <a:rPr lang="en-US" sz="1600" dirty="0">
+                <a:solidFill>
+                  <a:srgbClr val="FF0000"/>
+                </a:solidFill>
+                <a:latin typeface="Courier New" panose="02070309020205020404" pitchFamily="49" charset="0"/>
+                <a:cs typeface="Courier New" panose="02070309020205020404" pitchFamily="49" charset="0"/>
+              </a:rPr>
+              <a:t>in</a:t>
+            </a:r>
+            <a:r>
+              <a:rPr lang="en-US" sz="1600" dirty="0">
+                <a:latin typeface="Courier New" panose="02070309020205020404" pitchFamily="49" charset="0"/>
+                <a:cs typeface="Courier New" panose="02070309020205020404" pitchFamily="49" charset="0"/>
+              </a:rPr>
+              <a:t> *.</a:t>
+            </a:r>
+            <a:r>
+              <a:rPr lang="en-US" sz="1600" dirty="0" err="1">
+                <a:latin typeface="Courier New" panose="02070309020205020404" pitchFamily="49" charset="0"/>
+                <a:cs typeface="Courier New" panose="02070309020205020404" pitchFamily="49" charset="0"/>
+              </a:rPr>
+              <a:t>fasta</a:t>
+            </a:r>
+            <a:r>
+              <a:rPr lang="en-US" sz="1600" dirty="0">
+                <a:latin typeface="Courier New" panose="02070309020205020404" pitchFamily="49" charset="0"/>
+                <a:cs typeface="Courier New" panose="02070309020205020404" pitchFamily="49" charset="0"/>
+              </a:rPr>
+              <a:t>; </a:t>
+            </a:r>
+            <a:r>
+              <a:rPr lang="en-US" sz="1600" dirty="0">
+                <a:solidFill>
+                  <a:srgbClr val="FF0000"/>
+                </a:solidFill>
+                <a:latin typeface="Courier New" panose="02070309020205020404" pitchFamily="49" charset="0"/>
+                <a:cs typeface="Courier New" panose="02070309020205020404" pitchFamily="49" charset="0"/>
+              </a:rPr>
+              <a:t>do</a:t>
+            </a:r>
+            <a:r>
+              <a:rPr lang="en-US" sz="1600" dirty="0">
+                <a:latin typeface="Courier New" panose="02070309020205020404" pitchFamily="49" charset="0"/>
+                <a:cs typeface="Courier New" panose="02070309020205020404" pitchFamily="49" charset="0"/>
+              </a:rPr>
+              <a:t> head –n 2 </a:t>
+            </a:r>
+            <a:r>
+              <a:rPr lang="en-US" sz="1600" dirty="0">
+                <a:solidFill>
+                  <a:srgbClr val="FF0000"/>
+                </a:solidFill>
+                <a:latin typeface="Courier New" panose="02070309020205020404" pitchFamily="49" charset="0"/>
+                <a:cs typeface="Courier New" panose="02070309020205020404" pitchFamily="49" charset="0"/>
+              </a:rPr>
+              <a:t>$</a:t>
+            </a:r>
+            <a:r>
+              <a:rPr lang="en-US" sz="1600" dirty="0">
+                <a:latin typeface="Courier New" panose="02070309020205020404" pitchFamily="49" charset="0"/>
+                <a:cs typeface="Courier New" panose="02070309020205020404" pitchFamily="49" charset="0"/>
+              </a:rPr>
+              <a:t>file; </a:t>
+            </a:r>
+            <a:r>
+              <a:rPr lang="en-US" sz="1600" dirty="0">
+                <a:solidFill>
+                  <a:srgbClr val="FF0000"/>
+                </a:solidFill>
+                <a:latin typeface="Courier New" panose="02070309020205020404" pitchFamily="49" charset="0"/>
+                <a:cs typeface="Courier New" panose="02070309020205020404" pitchFamily="49" charset="0"/>
+              </a:rPr>
+              <a:t>done</a:t>
+            </a:r>
+            <a:r>
+              <a:rPr lang="en-US" sz="1600" dirty="0">
+                <a:latin typeface="Courier New" panose="02070309020205020404" pitchFamily="49" charset="0"/>
+                <a:cs typeface="Courier New" panose="02070309020205020404" pitchFamily="49" charset="0"/>
+              </a:rPr>
+              <a:t>	# show top 2 lines for each </a:t>
+            </a:r>
+            <a:r>
+              <a:rPr lang="en-US" sz="1600" dirty="0" err="1">
+                <a:latin typeface="Courier New" panose="02070309020205020404" pitchFamily="49" charset="0"/>
+                <a:cs typeface="Courier New" panose="02070309020205020404" pitchFamily="49" charset="0"/>
+              </a:rPr>
+              <a:t>fasta</a:t>
+            </a:r>
+            <a:r>
+              <a:rPr lang="en-US" sz="1600" dirty="0">
+                <a:latin typeface="Courier New" panose="02070309020205020404" pitchFamily="49" charset="0"/>
+                <a:cs typeface="Courier New" panose="02070309020205020404" pitchFamily="49" charset="0"/>
+              </a:rPr>
+              <a:t> file</a:t>
+            </a:r>
+          </a:p>
+          <a:p>
+            <a:pPr lvl="1"/>
+            <a:r>
+              <a:rPr lang="en-US" sz="1600" dirty="0">
+                <a:latin typeface="Courier New" panose="02070309020205020404" pitchFamily="49" charset="0"/>
+                <a:cs typeface="Courier New" panose="02070309020205020404" pitchFamily="49" charset="0"/>
+              </a:rPr>
+              <a:t># find three miRNA across </a:t>
+            </a:r>
+            <a:r>
+              <a:rPr lang="en-US" sz="1600" dirty="0" err="1">
+                <a:latin typeface="Courier New" panose="02070309020205020404" pitchFamily="49" charset="0"/>
+                <a:cs typeface="Courier New" panose="02070309020205020404" pitchFamily="49" charset="0"/>
+              </a:rPr>
+              <a:t>fasta</a:t>
+            </a:r>
+            <a:r>
+              <a:rPr lang="en-US" sz="1600" dirty="0">
+                <a:latin typeface="Courier New" panose="02070309020205020404" pitchFamily="49" charset="0"/>
+                <a:cs typeface="Courier New" panose="02070309020205020404" pitchFamily="49" charset="0"/>
+              </a:rPr>
+              <a:t> files and save each to a new </a:t>
+            </a:r>
+            <a:r>
+              <a:rPr lang="en-US" sz="1600" dirty="0" err="1">
+                <a:latin typeface="Courier New" panose="02070309020205020404" pitchFamily="49" charset="0"/>
+                <a:cs typeface="Courier New" panose="02070309020205020404" pitchFamily="49" charset="0"/>
+              </a:rPr>
+              <a:t>fasta</a:t>
+            </a:r>
+            <a:r>
+              <a:rPr lang="en-US" sz="1600" dirty="0">
+                <a:latin typeface="Courier New" panose="02070309020205020404" pitchFamily="49" charset="0"/>
+                <a:cs typeface="Courier New" panose="02070309020205020404" pitchFamily="49" charset="0"/>
+              </a:rPr>
+              <a:t> file:</a:t>
+            </a:r>
+          </a:p>
+          <a:p>
+            <a:pPr lvl="1"/>
+            <a:r>
+              <a:rPr lang="en-US" sz="1600" dirty="0">
+                <a:solidFill>
+                  <a:srgbClr val="FF0000"/>
+                </a:solidFill>
+                <a:latin typeface="Courier New" panose="02070309020205020404" pitchFamily="49" charset="0"/>
+                <a:cs typeface="Courier New" panose="02070309020205020404" pitchFamily="49" charset="0"/>
+              </a:rPr>
+              <a:t>for</a:t>
+            </a:r>
+            <a:r>
+              <a:rPr lang="en-US" sz="1600" dirty="0">
+                <a:latin typeface="Courier New" panose="02070309020205020404" pitchFamily="49" charset="0"/>
+                <a:cs typeface="Courier New" panose="02070309020205020404" pitchFamily="49" charset="0"/>
+              </a:rPr>
+              <a:t> </a:t>
+            </a:r>
+            <a:r>
+              <a:rPr lang="en-US" sz="1600" dirty="0" err="1">
+                <a:latin typeface="Courier New" panose="02070309020205020404" pitchFamily="49" charset="0"/>
+                <a:cs typeface="Courier New" panose="02070309020205020404" pitchFamily="49" charset="0"/>
+              </a:rPr>
+              <a:t>miR</a:t>
+            </a:r>
+            <a:r>
+              <a:rPr lang="en-US" sz="1600" dirty="0">
+                <a:latin typeface="Courier New" panose="02070309020205020404" pitchFamily="49" charset="0"/>
+                <a:cs typeface="Courier New" panose="02070309020205020404" pitchFamily="49" charset="0"/>
+              </a:rPr>
+              <a:t> </a:t>
+            </a:r>
+            <a:r>
+              <a:rPr lang="en-US" sz="1600" dirty="0">
+                <a:solidFill>
+                  <a:srgbClr val="FF0000"/>
+                </a:solidFill>
+                <a:latin typeface="Courier New" panose="02070309020205020404" pitchFamily="49" charset="0"/>
+                <a:cs typeface="Courier New" panose="02070309020205020404" pitchFamily="49" charset="0"/>
+              </a:rPr>
+              <a:t>in</a:t>
+            </a:r>
+            <a:r>
+              <a:rPr lang="en-US" sz="1600" dirty="0">
+                <a:latin typeface="Courier New" panose="02070309020205020404" pitchFamily="49" charset="0"/>
+                <a:cs typeface="Courier New" panose="02070309020205020404" pitchFamily="49" charset="0"/>
+              </a:rPr>
+              <a:t> 	miR-208a miR-564 miR-3170; </a:t>
+            </a:r>
+            <a:r>
+              <a:rPr lang="en-US" sz="1600" dirty="0">
+                <a:solidFill>
+                  <a:srgbClr val="FF0000"/>
+                </a:solidFill>
+                <a:latin typeface="Courier New" panose="02070309020205020404" pitchFamily="49" charset="0"/>
+                <a:cs typeface="Courier New" panose="02070309020205020404" pitchFamily="49" charset="0"/>
+              </a:rPr>
+              <a:t>do</a:t>
+            </a:r>
+            <a:r>
+              <a:rPr lang="en-US" sz="1600" dirty="0">
+                <a:latin typeface="Courier New" panose="02070309020205020404" pitchFamily="49" charset="0"/>
+                <a:cs typeface="Courier New" panose="02070309020205020404" pitchFamily="49" charset="0"/>
+              </a:rPr>
+              <a:t> grep </a:t>
+            </a:r>
+            <a:r>
+              <a:rPr lang="en-US" sz="1600" dirty="0">
+                <a:solidFill>
+                  <a:srgbClr val="FF0000"/>
+                </a:solidFill>
+                <a:latin typeface="Courier New" panose="02070309020205020404" pitchFamily="49" charset="0"/>
+                <a:cs typeface="Courier New" panose="02070309020205020404" pitchFamily="49" charset="0"/>
+              </a:rPr>
+              <a:t>$</a:t>
+            </a:r>
+            <a:r>
+              <a:rPr lang="en-US" sz="1600" dirty="0" err="1">
+                <a:latin typeface="Courier New" panose="02070309020205020404" pitchFamily="49" charset="0"/>
+                <a:cs typeface="Courier New" panose="02070309020205020404" pitchFamily="49" charset="0"/>
+              </a:rPr>
+              <a:t>miR</a:t>
+            </a:r>
+            <a:r>
+              <a:rPr lang="en-US" sz="1600" dirty="0">
+                <a:latin typeface="Courier New" panose="02070309020205020404" pitchFamily="49" charset="0"/>
+                <a:cs typeface="Courier New" panose="02070309020205020404" pitchFamily="49" charset="0"/>
+              </a:rPr>
+              <a:t> –A1 *.</a:t>
+            </a:r>
+            <a:r>
+              <a:rPr lang="en-US" sz="1600" dirty="0" err="1">
+                <a:latin typeface="Courier New" panose="02070309020205020404" pitchFamily="49" charset="0"/>
+                <a:cs typeface="Courier New" panose="02070309020205020404" pitchFamily="49" charset="0"/>
+              </a:rPr>
+              <a:t>fasta</a:t>
+            </a:r>
+            <a:r>
+              <a:rPr lang="en-US" sz="1600" dirty="0">
+                <a:latin typeface="Courier New" panose="02070309020205020404" pitchFamily="49" charset="0"/>
+                <a:cs typeface="Courier New" panose="02070309020205020404" pitchFamily="49" charset="0"/>
+              </a:rPr>
+              <a:t> &gt; $</a:t>
+            </a:r>
+            <a:r>
+              <a:rPr lang="en-US" sz="1600" dirty="0" err="1">
+                <a:latin typeface="Courier New" panose="02070309020205020404" pitchFamily="49" charset="0"/>
+                <a:cs typeface="Courier New" panose="02070309020205020404" pitchFamily="49" charset="0"/>
+              </a:rPr>
+              <a:t>miR.fasta</a:t>
+            </a:r>
+            <a:r>
+              <a:rPr lang="en-US" sz="1600" dirty="0">
+                <a:latin typeface="Courier New" panose="02070309020205020404" pitchFamily="49" charset="0"/>
+                <a:cs typeface="Courier New" panose="02070309020205020404" pitchFamily="49" charset="0"/>
+              </a:rPr>
+              <a:t>; </a:t>
+            </a:r>
+            <a:r>
+              <a:rPr lang="en-US" sz="1600" dirty="0">
+                <a:solidFill>
+                  <a:srgbClr val="FF0000"/>
+                </a:solidFill>
+                <a:latin typeface="Courier New" panose="02070309020205020404" pitchFamily="49" charset="0"/>
+                <a:cs typeface="Courier New" panose="02070309020205020404" pitchFamily="49" charset="0"/>
+              </a:rPr>
+              <a:t>done</a:t>
+            </a:r>
+          </a:p>
+          <a:p>
+            <a:pPr lvl="1"/>
+            <a:r>
+              <a:rPr lang="en-US" sz="1600" dirty="0">
+                <a:latin typeface="Courier New" panose="02070309020205020404" pitchFamily="49" charset="0"/>
+                <a:cs typeface="Courier New" panose="02070309020205020404" pitchFamily="49" charset="0"/>
+              </a:rPr>
+              <a:t># increment an index:					</a:t>
+            </a:r>
+          </a:p>
+          <a:p>
+            <a:pPr lvl="1"/>
+            <a:r>
+              <a:rPr lang="en-US" sz="1600" dirty="0">
+                <a:solidFill>
+                  <a:srgbClr val="FF0000"/>
+                </a:solidFill>
+                <a:latin typeface="Courier New" panose="02070309020205020404" pitchFamily="49" charset="0"/>
+                <a:cs typeface="Courier New" panose="02070309020205020404" pitchFamily="49" charset="0"/>
+              </a:rPr>
+              <a:t>for</a:t>
+            </a:r>
+            <a:r>
+              <a:rPr lang="en-US" sz="1600" dirty="0">
+                <a:latin typeface="Courier New" panose="02070309020205020404" pitchFamily="49" charset="0"/>
+                <a:cs typeface="Courier New" panose="02070309020205020404" pitchFamily="49" charset="0"/>
+              </a:rPr>
+              <a:t> </a:t>
+            </a:r>
+            <a:r>
+              <a:rPr lang="en-US" sz="1600" dirty="0" err="1">
+                <a:latin typeface="Courier New" panose="02070309020205020404" pitchFamily="49" charset="0"/>
+                <a:cs typeface="Courier New" panose="02070309020205020404" pitchFamily="49" charset="0"/>
+              </a:rPr>
+              <a:t>i</a:t>
+            </a:r>
+            <a:r>
+              <a:rPr lang="en-US" sz="1600" dirty="0">
+                <a:latin typeface="Courier New" panose="02070309020205020404" pitchFamily="49" charset="0"/>
+                <a:cs typeface="Courier New" panose="02070309020205020404" pitchFamily="49" charset="0"/>
+              </a:rPr>
+              <a:t> </a:t>
+            </a:r>
+            <a:r>
+              <a:rPr lang="en-US" sz="1600" dirty="0">
+                <a:solidFill>
+                  <a:srgbClr val="FF0000"/>
+                </a:solidFill>
+                <a:latin typeface="Courier New" panose="02070309020205020404" pitchFamily="49" charset="0"/>
+                <a:cs typeface="Courier New" panose="02070309020205020404" pitchFamily="49" charset="0"/>
+              </a:rPr>
+              <a:t>in</a:t>
+            </a:r>
+            <a:r>
+              <a:rPr lang="en-US" sz="1600" dirty="0">
+                <a:latin typeface="Courier New" panose="02070309020205020404" pitchFamily="49" charset="0"/>
+                <a:cs typeface="Courier New" panose="02070309020205020404" pitchFamily="49" charset="0"/>
+              </a:rPr>
+              <a:t> {1..10}; </a:t>
+            </a:r>
+            <a:r>
+              <a:rPr lang="en-US" sz="1600" dirty="0">
+                <a:solidFill>
+                  <a:srgbClr val="FF0000"/>
+                </a:solidFill>
+                <a:latin typeface="Courier New" panose="02070309020205020404" pitchFamily="49" charset="0"/>
+                <a:cs typeface="Courier New" panose="02070309020205020404" pitchFamily="49" charset="0"/>
+              </a:rPr>
+              <a:t>do</a:t>
+            </a:r>
+            <a:r>
+              <a:rPr lang="en-US" sz="1600" dirty="0">
+                <a:latin typeface="Courier New" panose="02070309020205020404" pitchFamily="49" charset="0"/>
+                <a:cs typeface="Courier New" panose="02070309020205020404" pitchFamily="49" charset="0"/>
+              </a:rPr>
+              <a:t> echo </a:t>
+            </a:r>
+            <a:r>
+              <a:rPr lang="en-US" sz="1600" dirty="0">
+                <a:solidFill>
+                  <a:srgbClr val="FF0000"/>
+                </a:solidFill>
+                <a:latin typeface="Courier New" panose="02070309020205020404" pitchFamily="49" charset="0"/>
+                <a:cs typeface="Courier New" panose="02070309020205020404" pitchFamily="49" charset="0"/>
+              </a:rPr>
+              <a:t>$</a:t>
+            </a:r>
+            <a:r>
+              <a:rPr lang="en-US" sz="1600" dirty="0" err="1">
+                <a:latin typeface="Courier New" panose="02070309020205020404" pitchFamily="49" charset="0"/>
+                <a:cs typeface="Courier New" panose="02070309020205020404" pitchFamily="49" charset="0"/>
+              </a:rPr>
+              <a:t>i</a:t>
+            </a:r>
+            <a:r>
+              <a:rPr lang="en-US" sz="1600" dirty="0">
+                <a:latin typeface="Courier New" panose="02070309020205020404" pitchFamily="49" charset="0"/>
+                <a:cs typeface="Courier New" panose="02070309020205020404" pitchFamily="49" charset="0"/>
+              </a:rPr>
+              <a:t>; </a:t>
+            </a:r>
+            <a:r>
+              <a:rPr lang="en-US" sz="1600" dirty="0">
+                <a:solidFill>
+                  <a:srgbClr val="FF0000"/>
+                </a:solidFill>
+                <a:latin typeface="Courier New" panose="02070309020205020404" pitchFamily="49" charset="0"/>
+                <a:cs typeface="Courier New" panose="02070309020205020404" pitchFamily="49" charset="0"/>
+              </a:rPr>
+              <a:t>done</a:t>
+            </a:r>
+            <a:r>
+              <a:rPr lang="en-US" sz="1600" dirty="0">
+                <a:latin typeface="Courier New" panose="02070309020205020404" pitchFamily="49" charset="0"/>
+                <a:cs typeface="Courier New" panose="02070309020205020404" pitchFamily="49" charset="0"/>
+              </a:rPr>
+              <a:t>		# increment by 1</a:t>
+            </a:r>
+          </a:p>
+          <a:p>
+            <a:pPr lvl="1"/>
+            <a:r>
+              <a:rPr lang="en-US" sz="1600" dirty="0">
+                <a:solidFill>
+                  <a:srgbClr val="FF0000"/>
+                </a:solidFill>
+                <a:latin typeface="Courier New" panose="02070309020205020404" pitchFamily="49" charset="0"/>
+                <a:cs typeface="Courier New" panose="02070309020205020404" pitchFamily="49" charset="0"/>
+              </a:rPr>
+              <a:t>for</a:t>
+            </a:r>
+            <a:r>
+              <a:rPr lang="en-US" sz="1600" dirty="0">
+                <a:latin typeface="Courier New" panose="02070309020205020404" pitchFamily="49" charset="0"/>
+                <a:cs typeface="Courier New" panose="02070309020205020404" pitchFamily="49" charset="0"/>
+              </a:rPr>
+              <a:t> </a:t>
+            </a:r>
+            <a:r>
+              <a:rPr lang="en-US" sz="1600" dirty="0" err="1">
+                <a:latin typeface="Courier New" panose="02070309020205020404" pitchFamily="49" charset="0"/>
+                <a:cs typeface="Courier New" panose="02070309020205020404" pitchFamily="49" charset="0"/>
+              </a:rPr>
+              <a:t>i</a:t>
+            </a:r>
+            <a:r>
+              <a:rPr lang="en-US" sz="1600" dirty="0">
+                <a:latin typeface="Courier New" panose="02070309020205020404" pitchFamily="49" charset="0"/>
+                <a:cs typeface="Courier New" panose="02070309020205020404" pitchFamily="49" charset="0"/>
+              </a:rPr>
+              <a:t> </a:t>
+            </a:r>
+            <a:r>
+              <a:rPr lang="en-US" sz="1600" dirty="0">
+                <a:solidFill>
+                  <a:srgbClr val="FF0000"/>
+                </a:solidFill>
+                <a:latin typeface="Courier New" panose="02070309020205020404" pitchFamily="49" charset="0"/>
+                <a:cs typeface="Courier New" panose="02070309020205020404" pitchFamily="49" charset="0"/>
+              </a:rPr>
+              <a:t>in</a:t>
+            </a:r>
+            <a:r>
+              <a:rPr lang="en-US" sz="1600" dirty="0">
+                <a:latin typeface="Courier New" panose="02070309020205020404" pitchFamily="49" charset="0"/>
+                <a:cs typeface="Courier New" panose="02070309020205020404" pitchFamily="49" charset="0"/>
+              </a:rPr>
+              <a:t> {1..10..2}; </a:t>
+            </a:r>
+            <a:r>
+              <a:rPr lang="en-US" sz="1600" dirty="0">
+                <a:solidFill>
+                  <a:srgbClr val="FF0000"/>
+                </a:solidFill>
+                <a:latin typeface="Courier New" panose="02070309020205020404" pitchFamily="49" charset="0"/>
+                <a:cs typeface="Courier New" panose="02070309020205020404" pitchFamily="49" charset="0"/>
+              </a:rPr>
+              <a:t>do</a:t>
+            </a:r>
+            <a:r>
+              <a:rPr lang="en-US" sz="1600" dirty="0">
+                <a:latin typeface="Courier New" panose="02070309020205020404" pitchFamily="49" charset="0"/>
+                <a:cs typeface="Courier New" panose="02070309020205020404" pitchFamily="49" charset="0"/>
+              </a:rPr>
+              <a:t> echo </a:t>
+            </a:r>
+            <a:r>
+              <a:rPr lang="en-US" sz="1600" dirty="0">
+                <a:solidFill>
+                  <a:srgbClr val="FF0000"/>
+                </a:solidFill>
+                <a:latin typeface="Courier New" panose="02070309020205020404" pitchFamily="49" charset="0"/>
+                <a:cs typeface="Courier New" panose="02070309020205020404" pitchFamily="49" charset="0"/>
+              </a:rPr>
+              <a:t>$</a:t>
+            </a:r>
+            <a:r>
+              <a:rPr lang="en-US" sz="1600" dirty="0" err="1">
+                <a:latin typeface="Courier New" panose="02070309020205020404" pitchFamily="49" charset="0"/>
+                <a:cs typeface="Courier New" panose="02070309020205020404" pitchFamily="49" charset="0"/>
+              </a:rPr>
+              <a:t>i</a:t>
+            </a:r>
+            <a:r>
+              <a:rPr lang="en-US" sz="1600" dirty="0">
+                <a:latin typeface="Courier New" panose="02070309020205020404" pitchFamily="49" charset="0"/>
+                <a:cs typeface="Courier New" panose="02070309020205020404" pitchFamily="49" charset="0"/>
+              </a:rPr>
+              <a:t>; </a:t>
+            </a:r>
+            <a:r>
+              <a:rPr lang="en-US" sz="1600" dirty="0">
+                <a:solidFill>
+                  <a:srgbClr val="FF0000"/>
+                </a:solidFill>
+                <a:latin typeface="Courier New" panose="02070309020205020404" pitchFamily="49" charset="0"/>
+                <a:cs typeface="Courier New" panose="02070309020205020404" pitchFamily="49" charset="0"/>
+              </a:rPr>
+              <a:t>done</a:t>
+            </a:r>
+            <a:r>
+              <a:rPr lang="en-US" sz="1600" dirty="0">
+                <a:latin typeface="Courier New" panose="02070309020205020404" pitchFamily="49" charset="0"/>
+                <a:cs typeface="Courier New" panose="02070309020205020404" pitchFamily="49" charset="0"/>
+              </a:rPr>
+              <a:t> 		# increment by 2</a:t>
+            </a:r>
+          </a:p>
+          <a:p>
+            <a:pPr marL="342900" indent="-342900">
+              <a:buFont typeface="+mj-lt"/>
+              <a:buAutoNum type="arabicPeriod"/>
+            </a:pPr>
+            <a:r>
+              <a:rPr lang="en-US" sz="1600" b="1" dirty="0">
+                <a:latin typeface="Courier New" panose="02070309020205020404" pitchFamily="49" charset="0"/>
+                <a:cs typeface="Courier New" panose="02070309020205020404" pitchFamily="49" charset="0"/>
+              </a:rPr>
+              <a:t>BASH scripting</a:t>
+            </a:r>
+          </a:p>
+          <a:p>
+            <a:pPr marL="800100" lvl="1" indent="-342900">
+              <a:buFont typeface="+mj-lt"/>
+              <a:buAutoNum type="arabicPeriod"/>
+            </a:pPr>
+            <a:r>
+              <a:rPr lang="en-US" sz="1600" dirty="0">
+                <a:latin typeface="Courier New" panose="02070309020205020404" pitchFamily="49" charset="0"/>
+                <a:cs typeface="Courier New" panose="02070309020205020404" pitchFamily="49" charset="0"/>
+              </a:rPr>
+              <a:t>Download, install &amp; start </a:t>
+            </a:r>
+            <a:r>
+              <a:rPr lang="en-US" sz="1600" dirty="0">
+                <a:highlight>
+                  <a:srgbClr val="FFFF00"/>
+                </a:highlight>
+                <a:latin typeface="Courier New" panose="02070309020205020404" pitchFamily="49" charset="0"/>
+                <a:cs typeface="Courier New" panose="02070309020205020404" pitchFamily="49" charset="0"/>
+              </a:rPr>
+              <a:t>an editor </a:t>
+            </a:r>
+            <a:r>
+              <a:rPr lang="en-US" sz="1600" dirty="0">
+                <a:latin typeface="Courier New" panose="02070309020205020404" pitchFamily="49" charset="0"/>
+                <a:cs typeface="Courier New" panose="02070309020205020404" pitchFamily="49" charset="0"/>
+              </a:rPr>
+              <a:t>(vi, emacs, </a:t>
+            </a:r>
+            <a:r>
+              <a:rPr lang="en-US" sz="1600" dirty="0" err="1">
+                <a:latin typeface="Courier New" panose="02070309020205020404" pitchFamily="49" charset="0"/>
+                <a:cs typeface="Courier New" panose="02070309020205020404" pitchFamily="49" charset="0"/>
+              </a:rPr>
+              <a:t>gedit</a:t>
+            </a:r>
+            <a:r>
+              <a:rPr lang="en-US" sz="1600" dirty="0">
+                <a:latin typeface="Courier New" panose="02070309020205020404" pitchFamily="49" charset="0"/>
+                <a:cs typeface="Courier New" panose="02070309020205020404" pitchFamily="49" charset="0"/>
+              </a:rPr>
+              <a:t>, </a:t>
+            </a:r>
+            <a:r>
+              <a:rPr lang="en-US" sz="1600" dirty="0" err="1">
+                <a:latin typeface="Courier New" panose="02070309020205020404" pitchFamily="49" charset="0"/>
+                <a:cs typeface="Courier New" panose="02070309020205020404" pitchFamily="49" charset="0"/>
+              </a:rPr>
+              <a:t>NotePad</a:t>
+            </a:r>
+            <a:r>
+              <a:rPr lang="en-US" sz="1600" dirty="0">
+                <a:latin typeface="Courier New" panose="02070309020205020404" pitchFamily="49" charset="0"/>
+                <a:cs typeface="Courier New" panose="02070309020205020404" pitchFamily="49" charset="0"/>
+              </a:rPr>
+              <a:t>++)</a:t>
+            </a:r>
+          </a:p>
+          <a:p>
+            <a:pPr marL="800100" lvl="1" indent="-342900">
+              <a:buFont typeface="+mj-lt"/>
+              <a:buAutoNum type="arabicPeriod"/>
+            </a:pPr>
+            <a:r>
+              <a:rPr lang="en-US" sz="1600" dirty="0">
+                <a:latin typeface="Courier New" panose="02070309020205020404" pitchFamily="49" charset="0"/>
+                <a:cs typeface="Courier New" panose="02070309020205020404" pitchFamily="49" charset="0"/>
+              </a:rPr>
+              <a:t>cd ~/CSB-BIOL425/</a:t>
+            </a:r>
+            <a:r>
+              <a:rPr lang="en-US" sz="1600" dirty="0" err="1">
+                <a:latin typeface="Courier New" panose="02070309020205020404" pitchFamily="49" charset="0"/>
+                <a:cs typeface="Courier New" panose="02070309020205020404" pitchFamily="49" charset="0"/>
+              </a:rPr>
+              <a:t>unix</a:t>
+            </a:r>
+            <a:r>
+              <a:rPr lang="en-US" sz="1600" dirty="0">
+                <a:latin typeface="Courier New" panose="02070309020205020404" pitchFamily="49" charset="0"/>
+                <a:cs typeface="Courier New" panose="02070309020205020404" pitchFamily="49" charset="0"/>
+              </a:rPr>
+              <a:t>/sandbox				</a:t>
+            </a:r>
+          </a:p>
+          <a:p>
+            <a:pPr marL="800100" lvl="1" indent="-342900">
+              <a:buFont typeface="+mj-lt"/>
+              <a:buAutoNum type="arabicPeriod"/>
+            </a:pPr>
+            <a:r>
+              <a:rPr lang="en-US" sz="1600" dirty="0">
+                <a:latin typeface="Courier New" panose="02070309020205020404" pitchFamily="49" charset="0"/>
+                <a:cs typeface="Courier New" panose="02070309020205020404" pitchFamily="49" charset="0"/>
+              </a:rPr>
+              <a:t>Paste the following &amp; save as “</a:t>
+            </a:r>
+            <a:r>
+              <a:rPr lang="en-US" sz="1600" b="1" dirty="0" err="1">
+                <a:latin typeface="Courier New" panose="02070309020205020404" pitchFamily="49" charset="0"/>
+                <a:cs typeface="Courier New" panose="02070309020205020404" pitchFamily="49" charset="0"/>
+              </a:rPr>
+              <a:t>extract_body_mass.bash</a:t>
+            </a:r>
+            <a:r>
+              <a:rPr lang="en-US" sz="1600" dirty="0">
+                <a:latin typeface="Courier New" panose="02070309020205020404" pitchFamily="49" charset="0"/>
+                <a:cs typeface="Courier New" panose="02070309020205020404" pitchFamily="49" charset="0"/>
+              </a:rPr>
+              <a:t>”: tail -n +2 ../data/Pacifici2013_data.csv | cut -d ";“ -f 2-6 | </a:t>
+            </a:r>
+            <a:r>
+              <a:rPr lang="en-US" sz="1600">
+                <a:latin typeface="Courier New" panose="02070309020205020404" pitchFamily="49" charset="0"/>
+                <a:cs typeface="Courier New" panose="02070309020205020404" pitchFamily="49" charset="0"/>
+              </a:rPr>
+              <a:t>tr “;” “\t" </a:t>
+            </a:r>
+            <a:r>
+              <a:rPr lang="en-US" sz="1600" dirty="0">
+                <a:latin typeface="Courier New" panose="02070309020205020404" pitchFamily="49" charset="0"/>
+                <a:cs typeface="Courier New" panose="02070309020205020404" pitchFamily="49" charset="0"/>
+              </a:rPr>
+              <a:t>| sort -r -n -k 6 &gt; </a:t>
+            </a:r>
+            <a:r>
+              <a:rPr lang="en-US" sz="1600" dirty="0" err="1">
+                <a:latin typeface="Courier New" panose="02070309020205020404" pitchFamily="49" charset="0"/>
+                <a:cs typeface="Courier New" panose="02070309020205020404" pitchFamily="49" charset="0"/>
+              </a:rPr>
+              <a:t>BodyM.tsv</a:t>
+            </a:r>
+            <a:endParaRPr lang="en-US" sz="1600" dirty="0">
+              <a:latin typeface="Courier New" panose="02070309020205020404" pitchFamily="49" charset="0"/>
+              <a:cs typeface="Courier New" panose="02070309020205020404" pitchFamily="49" charset="0"/>
+            </a:endParaRPr>
+          </a:p>
+          <a:p>
+            <a:pPr marL="800100" lvl="1" indent="-342900">
+              <a:buFont typeface="+mj-lt"/>
+              <a:buAutoNum type="arabicPeriod"/>
+            </a:pPr>
+            <a:r>
+              <a:rPr lang="en-US" sz="1600" dirty="0">
+                <a:latin typeface="Courier New" panose="02070309020205020404" pitchFamily="49" charset="0"/>
+                <a:cs typeface="Courier New" panose="02070309020205020404" pitchFamily="49" charset="0"/>
+              </a:rPr>
+              <a:t>bash </a:t>
+            </a:r>
+            <a:r>
+              <a:rPr lang="en-US" sz="1600" dirty="0" err="1">
+                <a:latin typeface="Courier New" panose="02070309020205020404" pitchFamily="49" charset="0"/>
+                <a:cs typeface="Courier New" panose="02070309020205020404" pitchFamily="49" charset="0"/>
+              </a:rPr>
+              <a:t>extract_body_mass.bash</a:t>
+            </a:r>
+            <a:r>
+              <a:rPr lang="en-US" sz="1600" dirty="0">
+                <a:latin typeface="Courier New" panose="02070309020205020404" pitchFamily="49" charset="0"/>
+                <a:cs typeface="Courier New" panose="02070309020205020404" pitchFamily="49" charset="0"/>
+              </a:rPr>
+              <a:t>		# Run script</a:t>
+            </a:r>
+          </a:p>
+          <a:p>
+            <a:pPr marL="800100" lvl="1" indent="-342900">
+              <a:buFont typeface="+mj-lt"/>
+              <a:buAutoNum type="arabicPeriod"/>
+            </a:pPr>
+            <a:r>
+              <a:rPr lang="en-US" sz="1600" dirty="0">
+                <a:latin typeface="Courier New" panose="02070309020205020404" pitchFamily="49" charset="0"/>
+                <a:cs typeface="Courier New" panose="02070309020205020404" pitchFamily="49" charset="0"/>
+              </a:rPr>
+              <a:t>Add the line bash path to the beginning &amp; save: #!/usr/bin/env bash </a:t>
+            </a:r>
+          </a:p>
+          <a:p>
+            <a:pPr marL="800100" lvl="1" indent="-342900">
+              <a:buFont typeface="+mj-lt"/>
+              <a:buAutoNum type="arabicPeriod"/>
+            </a:pPr>
+            <a:r>
+              <a:rPr lang="en-US" sz="1600" dirty="0" err="1">
+                <a:latin typeface="Courier New" panose="02070309020205020404" pitchFamily="49" charset="0"/>
+                <a:cs typeface="Courier New" panose="02070309020205020404" pitchFamily="49" charset="0"/>
+              </a:rPr>
+              <a:t>chmod</a:t>
+            </a:r>
+            <a:r>
+              <a:rPr lang="en-US" sz="1600" dirty="0">
+                <a:latin typeface="Courier New" panose="02070309020205020404" pitchFamily="49" charset="0"/>
+                <a:cs typeface="Courier New" panose="02070309020205020404" pitchFamily="49" charset="0"/>
+              </a:rPr>
+              <a:t> +x </a:t>
+            </a:r>
+            <a:r>
+              <a:rPr lang="en-US" sz="1600" dirty="0" err="1">
+                <a:latin typeface="Courier New" panose="02070309020205020404" pitchFamily="49" charset="0"/>
+                <a:cs typeface="Courier New" panose="02070309020205020404" pitchFamily="49" charset="0"/>
+              </a:rPr>
+              <a:t>extract_body_mass.bash</a:t>
+            </a:r>
+            <a:r>
+              <a:rPr lang="en-US" sz="1600" dirty="0">
+                <a:latin typeface="Courier New" panose="02070309020205020404" pitchFamily="49" charset="0"/>
+                <a:cs typeface="Courier New" panose="02070309020205020404" pitchFamily="49" charset="0"/>
+              </a:rPr>
+              <a:t>	# change permission to make executable</a:t>
+            </a:r>
+          </a:p>
+          <a:p>
+            <a:pPr marL="800100" lvl="1" indent="-342900">
+              <a:buFont typeface="+mj-lt"/>
+              <a:buAutoNum type="arabicPeriod"/>
+            </a:pPr>
+            <a:r>
+              <a:rPr lang="en-US" sz="1600" dirty="0">
+                <a:latin typeface="Courier New" panose="02070309020205020404" pitchFamily="49" charset="0"/>
+                <a:cs typeface="Courier New" panose="02070309020205020404" pitchFamily="49" charset="0"/>
+              </a:rPr>
+              <a:t>./</a:t>
+            </a:r>
+            <a:r>
+              <a:rPr lang="en-US" sz="1600" dirty="0" err="1">
+                <a:latin typeface="Courier New" panose="02070309020205020404" pitchFamily="49" charset="0"/>
+                <a:cs typeface="Courier New" panose="02070309020205020404" pitchFamily="49" charset="0"/>
+              </a:rPr>
+              <a:t>extract_body_mass.bash</a:t>
+            </a:r>
+            <a:r>
+              <a:rPr lang="en-US" sz="1600" dirty="0">
+                <a:latin typeface="Courier New" panose="02070309020205020404" pitchFamily="49" charset="0"/>
+                <a:cs typeface="Courier New" panose="02070309020205020404" pitchFamily="49" charset="0"/>
+              </a:rPr>
+              <a:t>		# Run script again</a:t>
+            </a:r>
+          </a:p>
+          <a:p>
+            <a:pPr marL="800100" lvl="1" indent="-342900">
+              <a:buFont typeface="+mj-lt"/>
+              <a:buAutoNum type="arabicPeriod"/>
+            </a:pPr>
+            <a:r>
+              <a:rPr lang="en-US" sz="1600" dirty="0">
+                <a:latin typeface="Courier New" panose="02070309020205020404" pitchFamily="49" charset="0"/>
+                <a:cs typeface="Courier New" panose="02070309020205020404" pitchFamily="49" charset="0"/>
+              </a:rPr>
+              <a:t>Make input and output filenames as arguments; Add comments</a:t>
+            </a:r>
+          </a:p>
+          <a:p>
+            <a:pPr marL="800100" lvl="1" indent="-342900">
+              <a:buFont typeface="+mj-lt"/>
+              <a:buAutoNum type="arabicPeriod"/>
+            </a:pPr>
+            <a:r>
+              <a:rPr lang="en-US" sz="1600" dirty="0">
+                <a:latin typeface="Courier New" panose="02070309020205020404" pitchFamily="49" charset="0"/>
+                <a:cs typeface="Courier New" panose="02070309020205020404" pitchFamily="49" charset="0"/>
+              </a:rPr>
+              <a:t>./</a:t>
+            </a:r>
+            <a:r>
+              <a:rPr lang="en-US" sz="1600" dirty="0" err="1">
+                <a:latin typeface="Courier New" panose="02070309020205020404" pitchFamily="49" charset="0"/>
+                <a:cs typeface="Courier New" panose="02070309020205020404" pitchFamily="49" charset="0"/>
+              </a:rPr>
+              <a:t>extract_body_mass.bash</a:t>
+            </a:r>
+            <a:r>
+              <a:rPr lang="en-US" sz="1600" dirty="0">
+                <a:latin typeface="Courier New" panose="02070309020205020404" pitchFamily="49" charset="0"/>
+                <a:cs typeface="Courier New" panose="02070309020205020404" pitchFamily="49" charset="0"/>
+              </a:rPr>
+              <a:t> ../data/Pacifici2013_data.csv </a:t>
+            </a:r>
+            <a:r>
+              <a:rPr lang="en-US" sz="1600" dirty="0" err="1">
+                <a:latin typeface="Courier New" panose="02070309020205020404" pitchFamily="49" charset="0"/>
+                <a:cs typeface="Courier New" panose="02070309020205020404" pitchFamily="49" charset="0"/>
+              </a:rPr>
+              <a:t>BodyM.tsv</a:t>
+            </a:r>
+            <a:endParaRPr lang="en-US" sz="1600" dirty="0">
+              <a:latin typeface="Courier New" panose="02070309020205020404" pitchFamily="49" charset="0"/>
+              <a:cs typeface="Courier New" panose="02070309020205020404" pitchFamily="49" charset="0"/>
+            </a:endParaRPr>
+          </a:p>
+          <a:p>
+            <a:pPr marL="800100" lvl="1" indent="-342900">
+              <a:buFont typeface="+mj-lt"/>
+              <a:buAutoNum type="arabicPeriod"/>
+            </a:pPr>
+            <a:endParaRPr lang="en-US" sz="1400" dirty="0">
+              <a:latin typeface="Courier New" panose="02070309020205020404" pitchFamily="49" charset="0"/>
+              <a:cs typeface="Courier New" panose="02070309020205020404" pitchFamily="49" charset="0"/>
+            </a:endParaRPr>
+          </a:p>
+        </p:txBody>
+      </p:sp>
+    </p:spTree>
+    <p:extLst>
+      <p:ext uri="{BB962C8B-B14F-4D97-AF65-F5344CB8AC3E}">
+        <p14:creationId xmlns:p14="http://schemas.microsoft.com/office/powerpoint/2010/main" val="2507136849"/>
+      </p:ext>
+    </p:extLst>
+  </p:cSld>
+  <p:clrMapOvr>
+    <a:masterClrMapping/>
+  </p:clrMapOvr>
+</p:sld>
+</file>
+
+<file path=ppt/slides/slide2.xml><?xml version="1.0" encoding="utf-8"?>
+<p:sld xmlns:a="http://schemas.openxmlformats.org/drawingml/2006/main" xmlns:r="http://schemas.openxmlformats.org/officeDocument/2006/relationships" xmlns:p="http://schemas.openxmlformats.org/presentationml/2006/main">
+  <p:cSld>
+    <p:bg>
+      <p:bgPr>
+        <a:solidFill>
+          <a:schemeClr val="bg1"/>
+        </a:solidFill>
+        <a:effectLst/>
+      </p:bgPr>
+    </p:bg>
+    <p:spTree>
+      <p:nvGrpSpPr>
+        <p:cNvPr id="1" name=""/>
+        <p:cNvGrpSpPr/>
+        <p:nvPr/>
+      </p:nvGrpSpPr>
+      <p:grpSpPr>
+        <a:xfrm>
+          <a:off x="0" y="0"/>
+          <a:ext cx="0" cy="0"/>
+          <a:chOff x="0" y="0"/>
+          <a:chExt cx="0" cy="0"/>
+        </a:xfrm>
+      </p:grpSpPr>
+      <p:cxnSp>
+        <p:nvCxnSpPr>
+          <p:cNvPr id="1057" name="Straight Connector 1056">
+            <a:extLst>
+              <a:ext uri="{FF2B5EF4-FFF2-40B4-BE49-F238E27FC236}">
+                <a16:creationId xmlns:a16="http://schemas.microsoft.com/office/drawing/2014/main" id="{5C05CAAB-DBA2-4548-AD5F-01BB97FBB207}"/>
+              </a:ext>
+              <a:ext uri="{C183D7F6-B498-43B3-948B-1728B52AA6E4}">
+                <adec:decorative xmlns:adec="http://schemas.microsoft.com/office/drawing/2017/decorative" val="1"/>
+              </a:ext>
+            </a:extLst>
+          </p:cNvPr>
+          <p:cNvCxnSpPr>
+            <a:cxnSpLocks noGrp="1" noRot="1" noChangeAspect="1" noMove="1" noResize="1" noEditPoints="1" noAdjustHandles="1" noChangeArrowheads="1" noChangeShapeType="1"/>
+          </p:cNvCxnSpPr>
+          <p:nvPr>
+            <p:extLst>
+              <p:ext uri="{386F3935-93C4-4BCD-93E2-E3B085C9AB24}">
+                <p16:designElem xmlns:p16="http://schemas.microsoft.com/office/powerpoint/2015/main" val="1"/>
+              </p:ext>
+            </p:extLst>
+          </p:nvPr>
+        </p:nvCxnSpPr>
+        <p:spPr>
+          <a:xfrm>
+            <a:off x="715890" y="356812"/>
+            <a:ext cx="0" cy="6492875"/>
+          </a:xfrm>
+          <a:prstGeom prst="line">
+            <a:avLst/>
+          </a:prstGeom>
+          <a:ln w="25400" cap="sq">
+            <a:gradFill flip="none" rotWithShape="1">
+              <a:gsLst>
+                <a:gs pos="0">
+                  <a:schemeClr val="accent2"/>
+                </a:gs>
+                <a:gs pos="100000">
+                  <a:schemeClr val="accent4"/>
+                </a:gs>
+              </a:gsLst>
+              <a:lin ang="16200000" scaled="1"/>
+              <a:tileRect/>
+            </a:gradFill>
+            <a:bevel/>
+          </a:ln>
+        </p:spPr>
+        <p:style>
+          <a:lnRef idx="1">
+            <a:schemeClr val="accent1"/>
+          </a:lnRef>
+          <a:fillRef idx="0">
+            <a:schemeClr val="accent1"/>
+          </a:fillRef>
+          <a:effectRef idx="0">
+            <a:schemeClr val="accent1"/>
+          </a:effectRef>
+          <a:fontRef idx="minor">
+            <a:schemeClr val="tx1"/>
+          </a:fontRef>
+        </p:style>
+      </p:cxnSp>
+      <p:sp useBgFill="1">
+        <p:nvSpPr>
+          <p:cNvPr id="1059" name="Rectangle 1058">
+            <a:extLst>
+              <a:ext uri="{FF2B5EF4-FFF2-40B4-BE49-F238E27FC236}">
+                <a16:creationId xmlns:a16="http://schemas.microsoft.com/office/drawing/2014/main" id="{330C0765-5A38-4A34-880C-9CC4C2E14FBA}"/>
+              </a:ext>
+              <a:ext uri="{C183D7F6-B498-43B3-948B-1728B52AA6E4}">
+                <adec:decorative xmlns:adec="http://schemas.microsoft.com/office/drawing/2017/decorative" val="1"/>
+              </a:ext>
+            </a:extLst>
+          </p:cNvPr>
+          <p:cNvSpPr>
+            <a:spLocks noGrp="1" noRot="1" noChangeAspect="1" noMove="1" noResize="1" noEditPoints="1" noAdjustHandles="1" noChangeArrowheads="1" noChangeShapeType="1" noTextEdit="1"/>
+          </p:cNvSpPr>
+          <p:nvPr>
+            <p:extLst>
+              <p:ext uri="{386F3935-93C4-4BCD-93E2-E3B085C9AB24}">
+                <p16:designElem xmlns:p16="http://schemas.microsoft.com/office/powerpoint/2015/main" val="1"/>
+              </p:ext>
+            </p:extLst>
+          </p:nvPr>
+        </p:nvSpPr>
+        <p:spPr>
+          <a:xfrm>
+            <a:off x="0" y="0"/>
+            <a:ext cx="12192000" cy="6858000"/>
+          </a:xfrm>
+          <a:prstGeom prst="rect">
+            <a:avLst/>
+          </a:prstGeom>
+          <a:ln>
+            <a:noFill/>
+          </a:ln>
+        </p:spPr>
+        <p:style>
+          <a:lnRef idx="2">
+            <a:schemeClr val="accent1">
+              <a:shade val="50000"/>
+            </a:schemeClr>
+          </a:lnRef>
+          <a:fillRef idx="1">
+            <a:schemeClr val="accent1"/>
+          </a:fillRef>
+          <a:effectRef idx="0">
+            <a:schemeClr val="accent1"/>
+          </a:effectRef>
+          <a:fontRef idx="minor">
+            <a:schemeClr val="lt1"/>
+          </a:fontRef>
+        </p:style>
+        <p:txBody>
+          <a:bodyPr rtlCol="0" anchor="ctr"/>
+          <a:lstStyle/>
+          <a:p>
+            <a:pPr algn="ctr"/>
+            <a:endParaRPr lang="en-US"/>
+          </a:p>
+        </p:txBody>
+      </p:sp>
+      <p:sp>
+        <p:nvSpPr>
+          <p:cNvPr id="3" name="Title 2">
+            <a:extLst>
+              <a:ext uri="{FF2B5EF4-FFF2-40B4-BE49-F238E27FC236}">
+                <a16:creationId xmlns:a16="http://schemas.microsoft.com/office/drawing/2014/main" id="{0115FF41-AFA4-4D25-AB42-AB034F4B4FEC}"/>
+              </a:ext>
+            </a:extLst>
+          </p:cNvPr>
+          <p:cNvSpPr>
+            <a:spLocks noGrp="1"/>
+          </p:cNvSpPr>
+          <p:nvPr>
+            <p:ph type="title"/>
+          </p:nvPr>
+        </p:nvSpPr>
+        <p:spPr>
+          <a:xfrm>
+            <a:off x="264180" y="363828"/>
+            <a:ext cx="5831820" cy="1140721"/>
+          </a:xfrm>
+        </p:spPr>
+        <p:txBody>
+          <a:bodyPr vert="horz" lIns="91440" tIns="45720" rIns="91440" bIns="45720" rtlCol="0" anchor="b">
+            <a:normAutofit/>
+          </a:bodyPr>
+          <a:lstStyle/>
+          <a:p>
+            <a:r>
+              <a:rPr lang="en-US" sz="3600" kern="1200" dirty="0">
+                <a:solidFill>
+                  <a:schemeClr val="tx1"/>
+                </a:solidFill>
+                <a:latin typeface="+mj-lt"/>
+                <a:ea typeface="+mj-ea"/>
+                <a:cs typeface="+mj-cs"/>
+              </a:rPr>
+              <a:t>Version Control with Git (Chapter 2)</a:t>
+            </a:r>
+          </a:p>
+        </p:txBody>
+      </p:sp>
+      <p:sp>
+        <p:nvSpPr>
+          <p:cNvPr id="1061" name="Graphic 15">
+            <a:extLst>
+              <a:ext uri="{FF2B5EF4-FFF2-40B4-BE49-F238E27FC236}">
+                <a16:creationId xmlns:a16="http://schemas.microsoft.com/office/drawing/2014/main" id="{B7DA268A-F88C-4936-8401-97C8C9861089}"/>
+              </a:ext>
+              <a:ext uri="{C183D7F6-B498-43B3-948B-1728B52AA6E4}">
+                <adec:decorative xmlns:adec="http://schemas.microsoft.com/office/drawing/2017/decorative" val="1"/>
+              </a:ext>
+            </a:extLst>
+          </p:cNvPr>
+          <p:cNvSpPr>
+            <a:spLocks noGrp="1" noRot="1" noChangeAspect="1" noMove="1" noResize="1" noEditPoints="1" noAdjustHandles="1" noChangeArrowheads="1" noChangeShapeType="1" noTextEdit="1"/>
+          </p:cNvSpPr>
+          <p:nvPr>
+            <p:extLst>
+              <p:ext uri="{386F3935-93C4-4BCD-93E2-E3B085C9AB24}">
+                <p16:designElem xmlns:p16="http://schemas.microsoft.com/office/powerpoint/2015/main" val="1"/>
+              </p:ext>
+            </p:extLst>
+          </p:nvPr>
+        </p:nvSpPr>
+        <p:spPr>
+          <a:xfrm>
+            <a:off x="6532938" y="1229685"/>
+            <a:ext cx="139039" cy="139039"/>
+          </a:xfrm>
+          <a:custGeom>
+            <a:avLst/>
+            <a:gdLst>
+              <a:gd name="connsiteX0" fmla="*/ 129602 w 139039"/>
+              <a:gd name="connsiteY0" fmla="*/ 60082 h 139039"/>
+              <a:gd name="connsiteX1" fmla="*/ 78957 w 139039"/>
+              <a:gd name="connsiteY1" fmla="*/ 60082 h 139039"/>
+              <a:gd name="connsiteX2" fmla="*/ 78957 w 139039"/>
+              <a:gd name="connsiteY2" fmla="*/ 9437 h 139039"/>
+              <a:gd name="connsiteX3" fmla="*/ 69520 w 139039"/>
+              <a:gd name="connsiteY3" fmla="*/ 0 h 139039"/>
+              <a:gd name="connsiteX4" fmla="*/ 60082 w 139039"/>
+              <a:gd name="connsiteY4" fmla="*/ 9437 h 139039"/>
+              <a:gd name="connsiteX5" fmla="*/ 60082 w 139039"/>
+              <a:gd name="connsiteY5" fmla="*/ 60082 h 139039"/>
+              <a:gd name="connsiteX6" fmla="*/ 9437 w 139039"/>
+              <a:gd name="connsiteY6" fmla="*/ 60082 h 139039"/>
+              <a:gd name="connsiteX7" fmla="*/ 0 w 139039"/>
+              <a:gd name="connsiteY7" fmla="*/ 69520 h 139039"/>
+              <a:gd name="connsiteX8" fmla="*/ 9437 w 139039"/>
+              <a:gd name="connsiteY8" fmla="*/ 78957 h 139039"/>
+              <a:gd name="connsiteX9" fmla="*/ 60082 w 139039"/>
+              <a:gd name="connsiteY9" fmla="*/ 78957 h 139039"/>
+              <a:gd name="connsiteX10" fmla="*/ 60082 w 139039"/>
+              <a:gd name="connsiteY10" fmla="*/ 129602 h 139039"/>
+              <a:gd name="connsiteX11" fmla="*/ 69520 w 139039"/>
+              <a:gd name="connsiteY11" fmla="*/ 139039 h 139039"/>
+              <a:gd name="connsiteX12" fmla="*/ 78957 w 139039"/>
+              <a:gd name="connsiteY12" fmla="*/ 129602 h 139039"/>
+              <a:gd name="connsiteX13" fmla="*/ 78957 w 139039"/>
+              <a:gd name="connsiteY13" fmla="*/ 78957 h 139039"/>
+              <a:gd name="connsiteX14" fmla="*/ 129602 w 139039"/>
+              <a:gd name="connsiteY14" fmla="*/ 78957 h 139039"/>
+              <a:gd name="connsiteX15" fmla="*/ 139039 w 139039"/>
+              <a:gd name="connsiteY15" fmla="*/ 69520 h 139039"/>
+              <a:gd name="connsiteX16" fmla="*/ 129602 w 139039"/>
+              <a:gd name="connsiteY16" fmla="*/ 60082 h 139039"/>
+            </a:gdLst>
+            <a:ahLst/>
+            <a:cxnLst>
+              <a:cxn ang="0">
+                <a:pos x="connsiteX0" y="connsiteY0"/>
+              </a:cxn>
+              <a:cxn ang="0">
+                <a:pos x="connsiteX1" y="connsiteY1"/>
+              </a:cxn>
+              <a:cxn ang="0">
+                <a:pos x="connsiteX2" y="connsiteY2"/>
+              </a:cxn>
+              <a:cxn ang="0">
+                <a:pos x="connsiteX3" y="connsiteY3"/>
+              </a:cxn>
+              <a:cxn ang="0">
+                <a:pos x="connsiteX4" y="connsiteY4"/>
+              </a:cxn>
+              <a:cxn ang="0">
+                <a:pos x="connsiteX5" y="connsiteY5"/>
+              </a:cxn>
+              <a:cxn ang="0">
+                <a:pos x="connsiteX6" y="connsiteY6"/>
+              </a:cxn>
+              <a:cxn ang="0">
+                <a:pos x="connsiteX7" y="connsiteY7"/>
+              </a:cxn>
+              <a:cxn ang="0">
+                <a:pos x="connsiteX8" y="connsiteY8"/>
+              </a:cxn>
+              <a:cxn ang="0">
+                <a:pos x="connsiteX9" y="connsiteY9"/>
+              </a:cxn>
+              <a:cxn ang="0">
+                <a:pos x="connsiteX10" y="connsiteY10"/>
+              </a:cxn>
+              <a:cxn ang="0">
+                <a:pos x="connsiteX11" y="connsiteY11"/>
+              </a:cxn>
+              <a:cxn ang="0">
+                <a:pos x="connsiteX12" y="connsiteY12"/>
+              </a:cxn>
+              <a:cxn ang="0">
+                <a:pos x="connsiteX13" y="connsiteY13"/>
+              </a:cxn>
+              <a:cxn ang="0">
+                <a:pos x="connsiteX14" y="connsiteY14"/>
+              </a:cxn>
+              <a:cxn ang="0">
+                <a:pos x="connsiteX15" y="connsiteY15"/>
+              </a:cxn>
+              <a:cxn ang="0">
+                <a:pos x="connsiteX16" y="connsiteY16"/>
+              </a:cxn>
+            </a:cxnLst>
+            <a:rect l="l" t="t" r="r" b="b"/>
+            <a:pathLst>
+              <a:path w="139039" h="139039">
+                <a:moveTo>
+                  <a:pt x="129602" y="60082"/>
+                </a:moveTo>
+                <a:lnTo>
+                  <a:pt x="78957" y="60082"/>
+                </a:lnTo>
+                <a:lnTo>
+                  <a:pt x="78957" y="9437"/>
+                </a:lnTo>
+                <a:cubicBezTo>
+                  <a:pt x="78957" y="4225"/>
+                  <a:pt x="74731" y="0"/>
+                  <a:pt x="69520" y="0"/>
+                </a:cubicBezTo>
+                <a:cubicBezTo>
+                  <a:pt x="64308" y="0"/>
+                  <a:pt x="60082" y="4225"/>
+                  <a:pt x="60082" y="9437"/>
+                </a:cubicBezTo>
+                <a:lnTo>
+                  <a:pt x="60082" y="60082"/>
+                </a:lnTo>
+                <a:lnTo>
+                  <a:pt x="9437" y="60082"/>
+                </a:lnTo>
+                <a:cubicBezTo>
+                  <a:pt x="4225" y="60082"/>
+                  <a:pt x="0" y="64308"/>
+                  <a:pt x="0" y="69520"/>
+                </a:cubicBezTo>
+                <a:cubicBezTo>
+                  <a:pt x="0" y="74731"/>
+                  <a:pt x="4225" y="78957"/>
+                  <a:pt x="9437" y="78957"/>
+                </a:cubicBezTo>
+                <a:lnTo>
+                  <a:pt x="60082" y="78957"/>
+                </a:lnTo>
+                <a:lnTo>
+                  <a:pt x="60082" y="129602"/>
+                </a:lnTo>
+                <a:cubicBezTo>
+                  <a:pt x="60082" y="134814"/>
+                  <a:pt x="64308" y="139039"/>
+                  <a:pt x="69520" y="139039"/>
+                </a:cubicBezTo>
+                <a:cubicBezTo>
+                  <a:pt x="74731" y="139039"/>
+                  <a:pt x="78957" y="134814"/>
+                  <a:pt x="78957" y="129602"/>
+                </a:cubicBezTo>
+                <a:lnTo>
+                  <a:pt x="78957" y="78957"/>
+                </a:lnTo>
+                <a:lnTo>
+                  <a:pt x="129602" y="78957"/>
+                </a:lnTo>
+                <a:cubicBezTo>
+                  <a:pt x="134814" y="78957"/>
+                  <a:pt x="139039" y="74731"/>
+                  <a:pt x="139039" y="69520"/>
+                </a:cubicBezTo>
+                <a:cubicBezTo>
+                  <a:pt x="139039" y="64308"/>
+                  <a:pt x="134814" y="60082"/>
+                  <a:pt x="129602" y="60082"/>
+                </a:cubicBezTo>
+                <a:close/>
+              </a:path>
+            </a:pathLst>
+          </a:custGeom>
+          <a:solidFill>
+            <a:schemeClr val="accent2"/>
+          </a:solidFill>
+          <a:ln w="603" cap="flat">
+            <a:noFill/>
+            <a:prstDash val="solid"/>
+            <a:miter/>
+          </a:ln>
+        </p:spPr>
+        <p:txBody>
+          <a:bodyPr rtlCol="0" anchor="ctr"/>
+          <a:lstStyle/>
+          <a:p>
+            <a:endParaRPr lang="en-US"/>
+          </a:p>
+        </p:txBody>
+      </p:sp>
+      <p:sp>
+        <p:nvSpPr>
+          <p:cNvPr id="1063" name="Graphic 14">
+            <a:extLst>
+              <a:ext uri="{FF2B5EF4-FFF2-40B4-BE49-F238E27FC236}">
+                <a16:creationId xmlns:a16="http://schemas.microsoft.com/office/drawing/2014/main" id="{2E48EAB8-CD1C-4BF5-A92C-BA11919E6EDF}"/>
+              </a:ext>
+              <a:ext uri="{C183D7F6-B498-43B3-948B-1728B52AA6E4}">
+                <adec:decorative xmlns:adec="http://schemas.microsoft.com/office/drawing/2017/decorative" val="1"/>
+              </a:ext>
+            </a:extLst>
+          </p:cNvPr>
+          <p:cNvSpPr>
+            <a:spLocks noGrp="1" noRot="1" noChangeAspect="1" noMove="1" noResize="1" noEditPoints="1" noAdjustHandles="1" noChangeArrowheads="1" noChangeShapeType="1" noTextEdit="1"/>
+          </p:cNvSpPr>
+          <p:nvPr>
+            <p:extLst>
+              <p:ext uri="{386F3935-93C4-4BCD-93E2-E3B085C9AB24}">
+                <p16:designElem xmlns:p16="http://schemas.microsoft.com/office/powerpoint/2015/main" val="1"/>
+              </p:ext>
+            </p:extLst>
+          </p:nvPr>
+        </p:nvSpPr>
+        <p:spPr>
+          <a:xfrm>
+            <a:off x="6891718" y="1458980"/>
+            <a:ext cx="91138" cy="91138"/>
+          </a:xfrm>
+          <a:custGeom>
+            <a:avLst/>
+            <a:gdLst>
+              <a:gd name="connsiteX0" fmla="*/ 91138 w 91138"/>
+              <a:gd name="connsiteY0" fmla="*/ 45569 h 91138"/>
+              <a:gd name="connsiteX1" fmla="*/ 45569 w 91138"/>
+              <a:gd name="connsiteY1" fmla="*/ 91138 h 91138"/>
+              <a:gd name="connsiteX2" fmla="*/ 0 w 91138"/>
+              <a:gd name="connsiteY2" fmla="*/ 45569 h 91138"/>
+              <a:gd name="connsiteX3" fmla="*/ 45569 w 91138"/>
+              <a:gd name="connsiteY3" fmla="*/ 0 h 91138"/>
+              <a:gd name="connsiteX4" fmla="*/ 91138 w 91138"/>
+              <a:gd name="connsiteY4" fmla="*/ 45569 h 91138"/>
+            </a:gdLst>
+            <a:ahLst/>
+            <a:cxnLst>
+              <a:cxn ang="0">
+                <a:pos x="connsiteX0" y="connsiteY0"/>
+              </a:cxn>
+              <a:cxn ang="0">
+                <a:pos x="connsiteX1" y="connsiteY1"/>
+              </a:cxn>
+              <a:cxn ang="0">
+                <a:pos x="connsiteX2" y="connsiteY2"/>
+              </a:cxn>
+              <a:cxn ang="0">
+                <a:pos x="connsiteX3" y="connsiteY3"/>
+              </a:cxn>
+              <a:cxn ang="0">
+                <a:pos x="connsiteX4" y="connsiteY4"/>
+              </a:cxn>
+            </a:cxnLst>
+            <a:rect l="l" t="t" r="r" b="b"/>
+            <a:pathLst>
+              <a:path w="91138" h="91138">
+                <a:moveTo>
+                  <a:pt x="91138" y="45569"/>
+                </a:moveTo>
+                <a:cubicBezTo>
+                  <a:pt x="91138" y="70736"/>
+                  <a:pt x="70736" y="91138"/>
+                  <a:pt x="45569" y="91138"/>
+                </a:cubicBezTo>
+                <a:cubicBezTo>
+                  <a:pt x="20402" y="91138"/>
+                  <a:pt x="0" y="70736"/>
+                  <a:pt x="0" y="45569"/>
+                </a:cubicBezTo>
+                <a:cubicBezTo>
+                  <a:pt x="0" y="20402"/>
+                  <a:pt x="20402" y="0"/>
+                  <a:pt x="45569" y="0"/>
+                </a:cubicBezTo>
+                <a:cubicBezTo>
+                  <a:pt x="70736" y="0"/>
+                  <a:pt x="91138" y="20402"/>
+                  <a:pt x="91138" y="45569"/>
+                </a:cubicBezTo>
+                <a:close/>
+              </a:path>
+            </a:pathLst>
+          </a:custGeom>
+          <a:solidFill>
+            <a:schemeClr val="accent2"/>
+          </a:solidFill>
+          <a:ln w="422" cap="flat">
+            <a:noFill/>
+            <a:prstDash val="solid"/>
+            <a:miter/>
+          </a:ln>
+        </p:spPr>
+        <p:txBody>
+          <a:bodyPr rtlCol="0" anchor="ctr"/>
+          <a:lstStyle/>
+          <a:p>
+            <a:endParaRPr lang="en-US"/>
+          </a:p>
+        </p:txBody>
+      </p:sp>
+      <p:sp>
+        <p:nvSpPr>
+          <p:cNvPr id="1065" name="Graphic 16">
+            <a:extLst>
+              <a:ext uri="{FF2B5EF4-FFF2-40B4-BE49-F238E27FC236}">
+                <a16:creationId xmlns:a16="http://schemas.microsoft.com/office/drawing/2014/main" id="{F66F957D-AE64-4187-90D7-B24F1CC27F61}"/>
+              </a:ext>
+              <a:ext uri="{C183D7F6-B498-43B3-948B-1728B52AA6E4}">
+                <adec:decorative xmlns:adec="http://schemas.microsoft.com/office/drawing/2017/decorative" val="1"/>
+              </a:ext>
+            </a:extLst>
+          </p:cNvPr>
+          <p:cNvSpPr>
+            <a:spLocks noGrp="1" noRot="1" noChangeAspect="1" noMove="1" noResize="1" noEditPoints="1" noAdjustHandles="1" noChangeArrowheads="1" noChangeShapeType="1" noTextEdit="1"/>
+          </p:cNvSpPr>
+          <p:nvPr>
+            <p:extLst>
+              <p:ext uri="{386F3935-93C4-4BCD-93E2-E3B085C9AB24}">
+                <p16:designElem xmlns:p16="http://schemas.microsoft.com/office/powerpoint/2015/main" val="1"/>
+              </p:ext>
+            </p:extLst>
+          </p:nvPr>
+        </p:nvSpPr>
+        <p:spPr>
+          <a:xfrm>
+            <a:off x="6517398" y="1974124"/>
+            <a:ext cx="127714" cy="127714"/>
+          </a:xfrm>
+          <a:custGeom>
+            <a:avLst/>
+            <a:gdLst>
+              <a:gd name="connsiteX0" fmla="*/ 63857 w 127714"/>
+              <a:gd name="connsiteY0" fmla="*/ 18874 h 127714"/>
+              <a:gd name="connsiteX1" fmla="*/ 108840 w 127714"/>
+              <a:gd name="connsiteY1" fmla="*/ 63857 h 127714"/>
+              <a:gd name="connsiteX2" fmla="*/ 63857 w 127714"/>
+              <a:gd name="connsiteY2" fmla="*/ 108840 h 127714"/>
+              <a:gd name="connsiteX3" fmla="*/ 18874 w 127714"/>
+              <a:gd name="connsiteY3" fmla="*/ 63857 h 127714"/>
+              <a:gd name="connsiteX4" fmla="*/ 63857 w 127714"/>
+              <a:gd name="connsiteY4" fmla="*/ 18874 h 127714"/>
+              <a:gd name="connsiteX5" fmla="*/ 63857 w 127714"/>
+              <a:gd name="connsiteY5" fmla="*/ 0 h 127714"/>
+              <a:gd name="connsiteX6" fmla="*/ 0 w 127714"/>
+              <a:gd name="connsiteY6" fmla="*/ 63857 h 127714"/>
+              <a:gd name="connsiteX7" fmla="*/ 63857 w 127714"/>
+              <a:gd name="connsiteY7" fmla="*/ 127714 h 127714"/>
+              <a:gd name="connsiteX8" fmla="*/ 127714 w 127714"/>
+              <a:gd name="connsiteY8" fmla="*/ 63857 h 127714"/>
+              <a:gd name="connsiteX9" fmla="*/ 63857 w 127714"/>
+              <a:gd name="connsiteY9" fmla="*/ 0 h 127714"/>
+            </a:gdLst>
+            <a:ahLst/>
+            <a:cxnLst>
+              <a:cxn ang="0">
+                <a:pos x="connsiteX0" y="connsiteY0"/>
+              </a:cxn>
+              <a:cxn ang="0">
+                <a:pos x="connsiteX1" y="connsiteY1"/>
+              </a:cxn>
+              <a:cxn ang="0">
+                <a:pos x="connsiteX2" y="connsiteY2"/>
+              </a:cxn>
+              <a:cxn ang="0">
+                <a:pos x="connsiteX3" y="connsiteY3"/>
+              </a:cxn>
+              <a:cxn ang="0">
+                <a:pos x="connsiteX4" y="connsiteY4"/>
+              </a:cxn>
+              <a:cxn ang="0">
+                <a:pos x="connsiteX5" y="connsiteY5"/>
+              </a:cxn>
+              <a:cxn ang="0">
+                <a:pos x="connsiteX6" y="connsiteY6"/>
+              </a:cxn>
+              <a:cxn ang="0">
+                <a:pos x="connsiteX7" y="connsiteY7"/>
+              </a:cxn>
+              <a:cxn ang="0">
+                <a:pos x="connsiteX8" y="connsiteY8"/>
+              </a:cxn>
+              <a:cxn ang="0">
+                <a:pos x="connsiteX9" y="connsiteY9"/>
+              </a:cxn>
+            </a:cxnLst>
+            <a:rect l="l" t="t" r="r" b="b"/>
+            <a:pathLst>
+              <a:path w="127714" h="127714">
+                <a:moveTo>
+                  <a:pt x="63857" y="18874"/>
+                </a:moveTo>
+                <a:cubicBezTo>
+                  <a:pt x="88700" y="18874"/>
+                  <a:pt x="108840" y="39014"/>
+                  <a:pt x="108840" y="63857"/>
+                </a:cubicBezTo>
+                <a:cubicBezTo>
+                  <a:pt x="108840" y="88700"/>
+                  <a:pt x="88700" y="108840"/>
+                  <a:pt x="63857" y="108840"/>
+                </a:cubicBezTo>
+                <a:cubicBezTo>
+                  <a:pt x="39014" y="108840"/>
+                  <a:pt x="18874" y="88700"/>
+                  <a:pt x="18874" y="63857"/>
+                </a:cubicBezTo>
+                <a:cubicBezTo>
+                  <a:pt x="18898" y="39024"/>
+                  <a:pt x="39024" y="18898"/>
+                  <a:pt x="63857" y="18874"/>
+                </a:cubicBezTo>
+                <a:moveTo>
+                  <a:pt x="63857" y="0"/>
+                </a:moveTo>
+                <a:cubicBezTo>
+                  <a:pt x="28590" y="0"/>
+                  <a:pt x="0" y="28590"/>
+                  <a:pt x="0" y="63857"/>
+                </a:cubicBezTo>
+                <a:cubicBezTo>
+                  <a:pt x="0" y="99124"/>
+                  <a:pt x="28590" y="127714"/>
+                  <a:pt x="63857" y="127714"/>
+                </a:cubicBezTo>
+                <a:cubicBezTo>
+                  <a:pt x="99124" y="127714"/>
+                  <a:pt x="127714" y="99124"/>
+                  <a:pt x="127714" y="63857"/>
+                </a:cubicBezTo>
+                <a:cubicBezTo>
+                  <a:pt x="127714" y="28590"/>
+                  <a:pt x="99124" y="0"/>
+                  <a:pt x="63857" y="0"/>
+                </a:cubicBezTo>
+                <a:close/>
+              </a:path>
+            </a:pathLst>
+          </a:custGeom>
+          <a:solidFill>
+            <a:schemeClr val="accent2"/>
+          </a:solidFill>
+          <a:ln w="610" cap="flat">
+            <a:noFill/>
+            <a:prstDash val="solid"/>
+            <a:miter/>
+          </a:ln>
+        </p:spPr>
+        <p:txBody>
+          <a:bodyPr rtlCol="0" anchor="ctr"/>
+          <a:lstStyle/>
+          <a:p>
+            <a:endParaRPr lang="en-US"/>
+          </a:p>
+        </p:txBody>
+      </p:sp>
       <p:pic>
         <p:nvPicPr>
           <p:cNvPr id="1028" name="Picture 4" descr="Git push pull commands - local repository to github - qavalidation">
@@ -12323,7 +14017,12 @@
           <a:prstGeom prst="rect">
             <a:avLst/>
           </a:prstGeom>
-          <a:noFill/>
+          <a:solidFill>
+            <a:schemeClr val="accent1">
+              <a:lumMod val="20000"/>
+              <a:lumOff val="80000"/>
+            </a:schemeClr>
+          </a:solidFill>
         </p:spPr>
         <p:txBody>
           <a:bodyPr wrap="square">
@@ -12354,6 +14053,9 @@
             </a:pPr>
             <a:r>
               <a:rPr lang="en-US" sz="1600" dirty="0">
+                <a:solidFill>
+                  <a:srgbClr val="FF0000"/>
+                </a:solidFill>
                 <a:latin typeface="Courier New" panose="02070309020205020404" pitchFamily="49" charset="0"/>
                 <a:cs typeface="Courier New" panose="02070309020205020404" pitchFamily="49" charset="0"/>
               </a:rPr>
@@ -12396,6 +14098,9 @@
             </a:pPr>
             <a:r>
               <a:rPr lang="en-US" sz="1600" dirty="0">
+                <a:solidFill>
+                  <a:srgbClr val="FF0000"/>
+                </a:solidFill>
                 <a:latin typeface="Courier New" panose="02070309020205020404" pitchFamily="49" charset="0"/>
                 <a:cs typeface="Courier New" panose="02070309020205020404" pitchFamily="49" charset="0"/>
               </a:rPr>
@@ -12415,21 +14120,7 @@
                 <a:latin typeface="Courier New" panose="02070309020205020404" pitchFamily="49" charset="0"/>
                 <a:cs typeface="Courier New" panose="02070309020205020404" pitchFamily="49" charset="0"/>
               </a:rPr>
-              <a:t>Upload/Update file (ignore; not </a:t>
-            </a:r>
-            <a:r>
-              <a:rPr lang="en-US" sz="1600" b="1">
-                <a:latin typeface="Courier New" panose="02070309020205020404" pitchFamily="49" charset="0"/>
-                <a:cs typeface="Courier New" panose="02070309020205020404" pitchFamily="49" charset="0"/>
-              </a:rPr>
-              <a:t>yet working; </a:t>
-            </a:r>
-            <a:r>
-              <a:rPr lang="en-US" sz="1600" b="1" dirty="0">
-                <a:latin typeface="Courier New" panose="02070309020205020404" pitchFamily="49" charset="0"/>
-                <a:cs typeface="Courier New" panose="02070309020205020404" pitchFamily="49" charset="0"/>
-              </a:rPr>
-              <a:t>we will work on it later)</a:t>
+              <a:t>Upload/Update file (ignore; not yet working; we will work on it later)</a:t>
             </a:r>
           </a:p>
           <a:p>
@@ -13331,12 +15022,17 @@
         <p:spPr>
           <a:xfrm>
             <a:off x="611837" y="1475482"/>
-            <a:ext cx="8359957" cy="4862870"/>
+            <a:ext cx="9500992" cy="5109091"/>
           </a:xfrm>
           <a:prstGeom prst="rect">
             <a:avLst/>
           </a:prstGeom>
-          <a:noFill/>
+          <a:solidFill>
+            <a:schemeClr val="accent1">
+              <a:lumMod val="20000"/>
+              <a:lumOff val="80000"/>
+            </a:schemeClr>
+          </a:solidFill>
         </p:spPr>
         <p:txBody>
           <a:bodyPr wrap="square">
@@ -13567,7 +15263,7 @@
                 <a:latin typeface="Courier New" panose="02070309020205020404" pitchFamily="49" charset="0"/>
                 <a:cs typeface="Courier New" panose="02070309020205020404" pitchFamily="49" charset="0"/>
               </a:rPr>
-              <a:t>Use auto-completion</a:t>
+              <a:t>Use auto-completion &amp; command history</a:t>
             </a:r>
           </a:p>
           <a:p>
@@ -13587,7 +15283,7 @@
                 <a:latin typeface="Courier New" panose="02070309020205020404" pitchFamily="49" charset="0"/>
                 <a:cs typeface="Courier New" panose="02070309020205020404" pitchFamily="49" charset="0"/>
               </a:rPr>
-              <a:t>NEEVER type out a full filename</a:t>
+              <a:t>NEVER type out a full filename</a:t>
             </a:r>
           </a:p>
           <a:p>
@@ -13597,7 +15293,7 @@
                 <a:latin typeface="Courier New" panose="02070309020205020404" pitchFamily="49" charset="0"/>
                 <a:cs typeface="Courier New" panose="02070309020205020404" pitchFamily="49" charset="0"/>
               </a:rPr>
-              <a:t>ls bad\ file\ name.txt	# </a:t>
+              <a:t>Arrow keys			# </a:t>
             </a:r>
             <a:r>
               <a:rPr lang="en-US" sz="1600" b="1" dirty="0">
@@ -13607,7 +15303,31 @@
                 <a:latin typeface="Courier New" panose="02070309020205020404" pitchFamily="49" charset="0"/>
                 <a:cs typeface="Courier New" panose="02070309020205020404" pitchFamily="49" charset="0"/>
               </a:rPr>
-              <a:t>NEEVER use spaces in filenames</a:t>
+              <a:t>EDIT &amp; NEVER retype a command</a:t>
+            </a:r>
+            <a:endParaRPr lang="en-US" sz="1600" dirty="0">
+              <a:latin typeface="Courier New" panose="02070309020205020404" pitchFamily="49" charset="0"/>
+              <a:cs typeface="Courier New" panose="02070309020205020404" pitchFamily="49" charset="0"/>
+            </a:endParaRPr>
+          </a:p>
+          <a:p>
+            <a:pPr lvl="1"/>
+            <a:r>
+              <a:rPr lang="en-US" sz="1600" dirty="0">
+                <a:latin typeface="Courier New" panose="02070309020205020404" pitchFamily="49" charset="0"/>
+                <a:cs typeface="Courier New" panose="02070309020205020404" pitchFamily="49" charset="0"/>
+              </a:rPr>
+              <a:t>ls bad\ file\ name.txt	# </a:t>
+            </a:r>
+            <a:r>
+              <a:rPr lang="en-US" sz="1600" b="1" dirty="0">
+                <a:highlight>
+                  <a:srgbClr val="FF0000"/>
+                </a:highlight>
+                <a:latin typeface="Courier New" panose="02070309020205020404" pitchFamily="49" charset="0"/>
+                <a:cs typeface="Courier New" panose="02070309020205020404" pitchFamily="49" charset="0"/>
+              </a:rPr>
+              <a:t>NEVER use spaces in filenames</a:t>
             </a:r>
           </a:p>
         </p:txBody>
@@ -14535,7 +16255,12 @@
           <a:prstGeom prst="rect">
             <a:avLst/>
           </a:prstGeom>
-          <a:noFill/>
+          <a:solidFill>
+            <a:schemeClr val="accent1">
+              <a:lumMod val="20000"/>
+              <a:lumOff val="80000"/>
+            </a:schemeClr>
+          </a:solidFill>
         </p:spPr>
         <p:txBody>
           <a:bodyPr wrap="square">
@@ -15058,6 +16783,3964 @@
     <p:extLst>
       <p:ext uri="{BB962C8B-B14F-4D97-AF65-F5344CB8AC3E}">
         <p14:creationId xmlns:p14="http://schemas.microsoft.com/office/powerpoint/2010/main" val="1500609143"/>
+      </p:ext>
+    </p:extLst>
+  </p:cSld>
+  <p:clrMapOvr>
+    <a:masterClrMapping/>
+  </p:clrMapOvr>
+</p:sld>
+</file>
+
+<file path=ppt/slides/slide7.xml><?xml version="1.0" encoding="utf-8"?>
+<p:sld xmlns:a="http://schemas.openxmlformats.org/drawingml/2006/main" xmlns:r="http://schemas.openxmlformats.org/officeDocument/2006/relationships" xmlns:p="http://schemas.openxmlformats.org/presentationml/2006/main">
+  <p:cSld>
+    <p:bg>
+      <p:bgPr>
+        <a:solidFill>
+          <a:schemeClr val="bg1"/>
+        </a:solidFill>
+        <a:effectLst/>
+      </p:bgPr>
+    </p:bg>
+    <p:spTree>
+      <p:nvGrpSpPr>
+        <p:cNvPr id="1" name=""/>
+        <p:cNvGrpSpPr/>
+        <p:nvPr/>
+      </p:nvGrpSpPr>
+      <p:grpSpPr>
+        <a:xfrm>
+          <a:off x="0" y="0"/>
+          <a:ext cx="0" cy="0"/>
+          <a:chOff x="0" y="0"/>
+          <a:chExt cx="0" cy="0"/>
+        </a:xfrm>
+      </p:grpSpPr>
+      <p:cxnSp>
+        <p:nvCxnSpPr>
+          <p:cNvPr id="1057" name="Straight Connector 1056">
+            <a:extLst>
+              <a:ext uri="{FF2B5EF4-FFF2-40B4-BE49-F238E27FC236}">
+                <a16:creationId xmlns:a16="http://schemas.microsoft.com/office/drawing/2014/main" id="{5C05CAAB-DBA2-4548-AD5F-01BB97FBB207}"/>
+              </a:ext>
+              <a:ext uri="{C183D7F6-B498-43B3-948B-1728B52AA6E4}">
+                <adec:decorative xmlns:adec="http://schemas.microsoft.com/office/drawing/2017/decorative" val="1"/>
+              </a:ext>
+            </a:extLst>
+          </p:cNvPr>
+          <p:cNvCxnSpPr>
+            <a:cxnSpLocks noGrp="1" noRot="1" noChangeAspect="1" noMove="1" noResize="1" noEditPoints="1" noAdjustHandles="1" noChangeArrowheads="1" noChangeShapeType="1"/>
+          </p:cNvCxnSpPr>
+          <p:nvPr>
+            <p:extLst>
+              <p:ext uri="{386F3935-93C4-4BCD-93E2-E3B085C9AB24}">
+                <p16:designElem xmlns:p16="http://schemas.microsoft.com/office/powerpoint/2015/main" val="1"/>
+              </p:ext>
+            </p:extLst>
+          </p:nvPr>
+        </p:nvCxnSpPr>
+        <p:spPr>
+          <a:xfrm>
+            <a:off x="715890" y="356812"/>
+            <a:ext cx="0" cy="6492875"/>
+          </a:xfrm>
+          <a:prstGeom prst="line">
+            <a:avLst/>
+          </a:prstGeom>
+          <a:ln w="25400" cap="sq">
+            <a:gradFill flip="none" rotWithShape="1">
+              <a:gsLst>
+                <a:gs pos="0">
+                  <a:schemeClr val="accent2"/>
+                </a:gs>
+                <a:gs pos="100000">
+                  <a:schemeClr val="accent4"/>
+                </a:gs>
+              </a:gsLst>
+              <a:lin ang="16200000" scaled="1"/>
+              <a:tileRect/>
+            </a:gradFill>
+            <a:bevel/>
+          </a:ln>
+        </p:spPr>
+        <p:style>
+          <a:lnRef idx="1">
+            <a:schemeClr val="accent1"/>
+          </a:lnRef>
+          <a:fillRef idx="0">
+            <a:schemeClr val="accent1"/>
+          </a:fillRef>
+          <a:effectRef idx="0">
+            <a:schemeClr val="accent1"/>
+          </a:effectRef>
+          <a:fontRef idx="minor">
+            <a:schemeClr val="tx1"/>
+          </a:fontRef>
+        </p:style>
+      </p:cxnSp>
+      <p:sp useBgFill="1">
+        <p:nvSpPr>
+          <p:cNvPr id="1059" name="Rectangle 1058">
+            <a:extLst>
+              <a:ext uri="{FF2B5EF4-FFF2-40B4-BE49-F238E27FC236}">
+                <a16:creationId xmlns:a16="http://schemas.microsoft.com/office/drawing/2014/main" id="{330C0765-5A38-4A34-880C-9CC4C2E14FBA}"/>
+              </a:ext>
+              <a:ext uri="{C183D7F6-B498-43B3-948B-1728B52AA6E4}">
+                <adec:decorative xmlns:adec="http://schemas.microsoft.com/office/drawing/2017/decorative" val="1"/>
+              </a:ext>
+            </a:extLst>
+          </p:cNvPr>
+          <p:cNvSpPr>
+            <a:spLocks noGrp="1" noRot="1" noChangeAspect="1" noMove="1" noResize="1" noEditPoints="1" noAdjustHandles="1" noChangeArrowheads="1" noChangeShapeType="1" noTextEdit="1"/>
+          </p:cNvSpPr>
+          <p:nvPr>
+            <p:extLst>
+              <p:ext uri="{386F3935-93C4-4BCD-93E2-E3B085C9AB24}">
+                <p16:designElem xmlns:p16="http://schemas.microsoft.com/office/powerpoint/2015/main" val="1"/>
+              </p:ext>
+            </p:extLst>
+          </p:nvPr>
+        </p:nvSpPr>
+        <p:spPr>
+          <a:xfrm>
+            <a:off x="0" y="0"/>
+            <a:ext cx="12192000" cy="6858000"/>
+          </a:xfrm>
+          <a:prstGeom prst="rect">
+            <a:avLst/>
+          </a:prstGeom>
+          <a:ln>
+            <a:noFill/>
+          </a:ln>
+        </p:spPr>
+        <p:style>
+          <a:lnRef idx="2">
+            <a:schemeClr val="accent1">
+              <a:shade val="50000"/>
+            </a:schemeClr>
+          </a:lnRef>
+          <a:fillRef idx="1">
+            <a:schemeClr val="accent1"/>
+          </a:fillRef>
+          <a:effectRef idx="0">
+            <a:schemeClr val="accent1"/>
+          </a:effectRef>
+          <a:fontRef idx="minor">
+            <a:schemeClr val="lt1"/>
+          </a:fontRef>
+        </p:style>
+        <p:txBody>
+          <a:bodyPr rtlCol="0" anchor="ctr"/>
+          <a:lstStyle/>
+          <a:p>
+            <a:pPr algn="ctr"/>
+            <a:endParaRPr lang="en-US"/>
+          </a:p>
+        </p:txBody>
+      </p:sp>
+      <p:sp>
+        <p:nvSpPr>
+          <p:cNvPr id="3" name="Title 2">
+            <a:extLst>
+              <a:ext uri="{FF2B5EF4-FFF2-40B4-BE49-F238E27FC236}">
+                <a16:creationId xmlns:a16="http://schemas.microsoft.com/office/drawing/2014/main" id="{0115FF41-AFA4-4D25-AB42-AB034F4B4FEC}"/>
+              </a:ext>
+            </a:extLst>
+          </p:cNvPr>
+          <p:cNvSpPr>
+            <a:spLocks noGrp="1"/>
+          </p:cNvSpPr>
+          <p:nvPr>
+            <p:ph type="title"/>
+          </p:nvPr>
+        </p:nvSpPr>
+        <p:spPr>
+          <a:xfrm>
+            <a:off x="498768" y="250372"/>
+            <a:ext cx="5412175" cy="692923"/>
+          </a:xfrm>
+        </p:spPr>
+        <p:txBody>
+          <a:bodyPr vert="horz" lIns="91440" tIns="45720" rIns="91440" bIns="45720" rtlCol="0" anchor="b">
+            <a:normAutofit fontScale="90000"/>
+          </a:bodyPr>
+          <a:lstStyle/>
+          <a:p>
+            <a:r>
+              <a:rPr lang="en-US" sz="4000" kern="1200" dirty="0">
+                <a:solidFill>
+                  <a:schemeClr val="tx1"/>
+                </a:solidFill>
+                <a:latin typeface="+mj-lt"/>
+                <a:ea typeface="+mj-ea"/>
+                <a:cs typeface="+mj-cs"/>
+              </a:rPr>
+              <a:t>UNIX Advanced: “cut”</a:t>
+            </a:r>
+          </a:p>
+        </p:txBody>
+      </p:sp>
+      <p:sp>
+        <p:nvSpPr>
+          <p:cNvPr id="1061" name="Graphic 15">
+            <a:extLst>
+              <a:ext uri="{FF2B5EF4-FFF2-40B4-BE49-F238E27FC236}">
+                <a16:creationId xmlns:a16="http://schemas.microsoft.com/office/drawing/2014/main" id="{B7DA268A-F88C-4936-8401-97C8C9861089}"/>
+              </a:ext>
+              <a:ext uri="{C183D7F6-B498-43B3-948B-1728B52AA6E4}">
+                <adec:decorative xmlns:adec="http://schemas.microsoft.com/office/drawing/2017/decorative" val="1"/>
+              </a:ext>
+            </a:extLst>
+          </p:cNvPr>
+          <p:cNvSpPr>
+            <a:spLocks noGrp="1" noRot="1" noChangeAspect="1" noMove="1" noResize="1" noEditPoints="1" noAdjustHandles="1" noChangeArrowheads="1" noChangeShapeType="1" noTextEdit="1"/>
+          </p:cNvSpPr>
+          <p:nvPr>
+            <p:extLst>
+              <p:ext uri="{386F3935-93C4-4BCD-93E2-E3B085C9AB24}">
+                <p16:designElem xmlns:p16="http://schemas.microsoft.com/office/powerpoint/2015/main" val="1"/>
+              </p:ext>
+            </p:extLst>
+          </p:nvPr>
+        </p:nvSpPr>
+        <p:spPr>
+          <a:xfrm>
+            <a:off x="6532938" y="1229685"/>
+            <a:ext cx="139039" cy="139039"/>
+          </a:xfrm>
+          <a:custGeom>
+            <a:avLst/>
+            <a:gdLst>
+              <a:gd name="connsiteX0" fmla="*/ 129602 w 139039"/>
+              <a:gd name="connsiteY0" fmla="*/ 60082 h 139039"/>
+              <a:gd name="connsiteX1" fmla="*/ 78957 w 139039"/>
+              <a:gd name="connsiteY1" fmla="*/ 60082 h 139039"/>
+              <a:gd name="connsiteX2" fmla="*/ 78957 w 139039"/>
+              <a:gd name="connsiteY2" fmla="*/ 9437 h 139039"/>
+              <a:gd name="connsiteX3" fmla="*/ 69520 w 139039"/>
+              <a:gd name="connsiteY3" fmla="*/ 0 h 139039"/>
+              <a:gd name="connsiteX4" fmla="*/ 60082 w 139039"/>
+              <a:gd name="connsiteY4" fmla="*/ 9437 h 139039"/>
+              <a:gd name="connsiteX5" fmla="*/ 60082 w 139039"/>
+              <a:gd name="connsiteY5" fmla="*/ 60082 h 139039"/>
+              <a:gd name="connsiteX6" fmla="*/ 9437 w 139039"/>
+              <a:gd name="connsiteY6" fmla="*/ 60082 h 139039"/>
+              <a:gd name="connsiteX7" fmla="*/ 0 w 139039"/>
+              <a:gd name="connsiteY7" fmla="*/ 69520 h 139039"/>
+              <a:gd name="connsiteX8" fmla="*/ 9437 w 139039"/>
+              <a:gd name="connsiteY8" fmla="*/ 78957 h 139039"/>
+              <a:gd name="connsiteX9" fmla="*/ 60082 w 139039"/>
+              <a:gd name="connsiteY9" fmla="*/ 78957 h 139039"/>
+              <a:gd name="connsiteX10" fmla="*/ 60082 w 139039"/>
+              <a:gd name="connsiteY10" fmla="*/ 129602 h 139039"/>
+              <a:gd name="connsiteX11" fmla="*/ 69520 w 139039"/>
+              <a:gd name="connsiteY11" fmla="*/ 139039 h 139039"/>
+              <a:gd name="connsiteX12" fmla="*/ 78957 w 139039"/>
+              <a:gd name="connsiteY12" fmla="*/ 129602 h 139039"/>
+              <a:gd name="connsiteX13" fmla="*/ 78957 w 139039"/>
+              <a:gd name="connsiteY13" fmla="*/ 78957 h 139039"/>
+              <a:gd name="connsiteX14" fmla="*/ 129602 w 139039"/>
+              <a:gd name="connsiteY14" fmla="*/ 78957 h 139039"/>
+              <a:gd name="connsiteX15" fmla="*/ 139039 w 139039"/>
+              <a:gd name="connsiteY15" fmla="*/ 69520 h 139039"/>
+              <a:gd name="connsiteX16" fmla="*/ 129602 w 139039"/>
+              <a:gd name="connsiteY16" fmla="*/ 60082 h 139039"/>
+            </a:gdLst>
+            <a:ahLst/>
+            <a:cxnLst>
+              <a:cxn ang="0">
+                <a:pos x="connsiteX0" y="connsiteY0"/>
+              </a:cxn>
+              <a:cxn ang="0">
+                <a:pos x="connsiteX1" y="connsiteY1"/>
+              </a:cxn>
+              <a:cxn ang="0">
+                <a:pos x="connsiteX2" y="connsiteY2"/>
+              </a:cxn>
+              <a:cxn ang="0">
+                <a:pos x="connsiteX3" y="connsiteY3"/>
+              </a:cxn>
+              <a:cxn ang="0">
+                <a:pos x="connsiteX4" y="connsiteY4"/>
+              </a:cxn>
+              <a:cxn ang="0">
+                <a:pos x="connsiteX5" y="connsiteY5"/>
+              </a:cxn>
+              <a:cxn ang="0">
+                <a:pos x="connsiteX6" y="connsiteY6"/>
+              </a:cxn>
+              <a:cxn ang="0">
+                <a:pos x="connsiteX7" y="connsiteY7"/>
+              </a:cxn>
+              <a:cxn ang="0">
+                <a:pos x="connsiteX8" y="connsiteY8"/>
+              </a:cxn>
+              <a:cxn ang="0">
+                <a:pos x="connsiteX9" y="connsiteY9"/>
+              </a:cxn>
+              <a:cxn ang="0">
+                <a:pos x="connsiteX10" y="connsiteY10"/>
+              </a:cxn>
+              <a:cxn ang="0">
+                <a:pos x="connsiteX11" y="connsiteY11"/>
+              </a:cxn>
+              <a:cxn ang="0">
+                <a:pos x="connsiteX12" y="connsiteY12"/>
+              </a:cxn>
+              <a:cxn ang="0">
+                <a:pos x="connsiteX13" y="connsiteY13"/>
+              </a:cxn>
+              <a:cxn ang="0">
+                <a:pos x="connsiteX14" y="connsiteY14"/>
+              </a:cxn>
+              <a:cxn ang="0">
+                <a:pos x="connsiteX15" y="connsiteY15"/>
+              </a:cxn>
+              <a:cxn ang="0">
+                <a:pos x="connsiteX16" y="connsiteY16"/>
+              </a:cxn>
+            </a:cxnLst>
+            <a:rect l="l" t="t" r="r" b="b"/>
+            <a:pathLst>
+              <a:path w="139039" h="139039">
+                <a:moveTo>
+                  <a:pt x="129602" y="60082"/>
+                </a:moveTo>
+                <a:lnTo>
+                  <a:pt x="78957" y="60082"/>
+                </a:lnTo>
+                <a:lnTo>
+                  <a:pt x="78957" y="9437"/>
+                </a:lnTo>
+                <a:cubicBezTo>
+                  <a:pt x="78957" y="4225"/>
+                  <a:pt x="74731" y="0"/>
+                  <a:pt x="69520" y="0"/>
+                </a:cubicBezTo>
+                <a:cubicBezTo>
+                  <a:pt x="64308" y="0"/>
+                  <a:pt x="60082" y="4225"/>
+                  <a:pt x="60082" y="9437"/>
+                </a:cubicBezTo>
+                <a:lnTo>
+                  <a:pt x="60082" y="60082"/>
+                </a:lnTo>
+                <a:lnTo>
+                  <a:pt x="9437" y="60082"/>
+                </a:lnTo>
+                <a:cubicBezTo>
+                  <a:pt x="4225" y="60082"/>
+                  <a:pt x="0" y="64308"/>
+                  <a:pt x="0" y="69520"/>
+                </a:cubicBezTo>
+                <a:cubicBezTo>
+                  <a:pt x="0" y="74731"/>
+                  <a:pt x="4225" y="78957"/>
+                  <a:pt x="9437" y="78957"/>
+                </a:cubicBezTo>
+                <a:lnTo>
+                  <a:pt x="60082" y="78957"/>
+                </a:lnTo>
+                <a:lnTo>
+                  <a:pt x="60082" y="129602"/>
+                </a:lnTo>
+                <a:cubicBezTo>
+                  <a:pt x="60082" y="134814"/>
+                  <a:pt x="64308" y="139039"/>
+                  <a:pt x="69520" y="139039"/>
+                </a:cubicBezTo>
+                <a:cubicBezTo>
+                  <a:pt x="74731" y="139039"/>
+                  <a:pt x="78957" y="134814"/>
+                  <a:pt x="78957" y="129602"/>
+                </a:cubicBezTo>
+                <a:lnTo>
+                  <a:pt x="78957" y="78957"/>
+                </a:lnTo>
+                <a:lnTo>
+                  <a:pt x="129602" y="78957"/>
+                </a:lnTo>
+                <a:cubicBezTo>
+                  <a:pt x="134814" y="78957"/>
+                  <a:pt x="139039" y="74731"/>
+                  <a:pt x="139039" y="69520"/>
+                </a:cubicBezTo>
+                <a:cubicBezTo>
+                  <a:pt x="139039" y="64308"/>
+                  <a:pt x="134814" y="60082"/>
+                  <a:pt x="129602" y="60082"/>
+                </a:cubicBezTo>
+                <a:close/>
+              </a:path>
+            </a:pathLst>
+          </a:custGeom>
+          <a:solidFill>
+            <a:schemeClr val="accent2"/>
+          </a:solidFill>
+          <a:ln w="603" cap="flat">
+            <a:noFill/>
+            <a:prstDash val="solid"/>
+            <a:miter/>
+          </a:ln>
+        </p:spPr>
+        <p:txBody>
+          <a:bodyPr rtlCol="0" anchor="ctr"/>
+          <a:lstStyle/>
+          <a:p>
+            <a:endParaRPr lang="en-US"/>
+          </a:p>
+        </p:txBody>
+      </p:sp>
+      <p:sp>
+        <p:nvSpPr>
+          <p:cNvPr id="1063" name="Graphic 14">
+            <a:extLst>
+              <a:ext uri="{FF2B5EF4-FFF2-40B4-BE49-F238E27FC236}">
+                <a16:creationId xmlns:a16="http://schemas.microsoft.com/office/drawing/2014/main" id="{2E48EAB8-CD1C-4BF5-A92C-BA11919E6EDF}"/>
+              </a:ext>
+              <a:ext uri="{C183D7F6-B498-43B3-948B-1728B52AA6E4}">
+                <adec:decorative xmlns:adec="http://schemas.microsoft.com/office/drawing/2017/decorative" val="1"/>
+              </a:ext>
+            </a:extLst>
+          </p:cNvPr>
+          <p:cNvSpPr>
+            <a:spLocks noGrp="1" noRot="1" noChangeAspect="1" noMove="1" noResize="1" noEditPoints="1" noAdjustHandles="1" noChangeArrowheads="1" noChangeShapeType="1" noTextEdit="1"/>
+          </p:cNvSpPr>
+          <p:nvPr>
+            <p:extLst>
+              <p:ext uri="{386F3935-93C4-4BCD-93E2-E3B085C9AB24}">
+                <p16:designElem xmlns:p16="http://schemas.microsoft.com/office/powerpoint/2015/main" val="1"/>
+              </p:ext>
+            </p:extLst>
+          </p:nvPr>
+        </p:nvSpPr>
+        <p:spPr>
+          <a:xfrm>
+            <a:off x="6891718" y="1458980"/>
+            <a:ext cx="91138" cy="91138"/>
+          </a:xfrm>
+          <a:custGeom>
+            <a:avLst/>
+            <a:gdLst>
+              <a:gd name="connsiteX0" fmla="*/ 91138 w 91138"/>
+              <a:gd name="connsiteY0" fmla="*/ 45569 h 91138"/>
+              <a:gd name="connsiteX1" fmla="*/ 45569 w 91138"/>
+              <a:gd name="connsiteY1" fmla="*/ 91138 h 91138"/>
+              <a:gd name="connsiteX2" fmla="*/ 0 w 91138"/>
+              <a:gd name="connsiteY2" fmla="*/ 45569 h 91138"/>
+              <a:gd name="connsiteX3" fmla="*/ 45569 w 91138"/>
+              <a:gd name="connsiteY3" fmla="*/ 0 h 91138"/>
+              <a:gd name="connsiteX4" fmla="*/ 91138 w 91138"/>
+              <a:gd name="connsiteY4" fmla="*/ 45569 h 91138"/>
+            </a:gdLst>
+            <a:ahLst/>
+            <a:cxnLst>
+              <a:cxn ang="0">
+                <a:pos x="connsiteX0" y="connsiteY0"/>
+              </a:cxn>
+              <a:cxn ang="0">
+                <a:pos x="connsiteX1" y="connsiteY1"/>
+              </a:cxn>
+              <a:cxn ang="0">
+                <a:pos x="connsiteX2" y="connsiteY2"/>
+              </a:cxn>
+              <a:cxn ang="0">
+                <a:pos x="connsiteX3" y="connsiteY3"/>
+              </a:cxn>
+              <a:cxn ang="0">
+                <a:pos x="connsiteX4" y="connsiteY4"/>
+              </a:cxn>
+            </a:cxnLst>
+            <a:rect l="l" t="t" r="r" b="b"/>
+            <a:pathLst>
+              <a:path w="91138" h="91138">
+                <a:moveTo>
+                  <a:pt x="91138" y="45569"/>
+                </a:moveTo>
+                <a:cubicBezTo>
+                  <a:pt x="91138" y="70736"/>
+                  <a:pt x="70736" y="91138"/>
+                  <a:pt x="45569" y="91138"/>
+                </a:cubicBezTo>
+                <a:cubicBezTo>
+                  <a:pt x="20402" y="91138"/>
+                  <a:pt x="0" y="70736"/>
+                  <a:pt x="0" y="45569"/>
+                </a:cubicBezTo>
+                <a:cubicBezTo>
+                  <a:pt x="0" y="20402"/>
+                  <a:pt x="20402" y="0"/>
+                  <a:pt x="45569" y="0"/>
+                </a:cubicBezTo>
+                <a:cubicBezTo>
+                  <a:pt x="70736" y="0"/>
+                  <a:pt x="91138" y="20402"/>
+                  <a:pt x="91138" y="45569"/>
+                </a:cubicBezTo>
+                <a:close/>
+              </a:path>
+            </a:pathLst>
+          </a:custGeom>
+          <a:solidFill>
+            <a:schemeClr val="accent2"/>
+          </a:solidFill>
+          <a:ln w="422" cap="flat">
+            <a:noFill/>
+            <a:prstDash val="solid"/>
+            <a:miter/>
+          </a:ln>
+        </p:spPr>
+        <p:txBody>
+          <a:bodyPr rtlCol="0" anchor="ctr"/>
+          <a:lstStyle/>
+          <a:p>
+            <a:endParaRPr lang="en-US"/>
+          </a:p>
+        </p:txBody>
+      </p:sp>
+      <p:sp>
+        <p:nvSpPr>
+          <p:cNvPr id="1065" name="Graphic 16">
+            <a:extLst>
+              <a:ext uri="{FF2B5EF4-FFF2-40B4-BE49-F238E27FC236}">
+                <a16:creationId xmlns:a16="http://schemas.microsoft.com/office/drawing/2014/main" id="{F66F957D-AE64-4187-90D7-B24F1CC27F61}"/>
+              </a:ext>
+              <a:ext uri="{C183D7F6-B498-43B3-948B-1728B52AA6E4}">
+                <adec:decorative xmlns:adec="http://schemas.microsoft.com/office/drawing/2017/decorative" val="1"/>
+              </a:ext>
+            </a:extLst>
+          </p:cNvPr>
+          <p:cNvSpPr>
+            <a:spLocks noGrp="1" noRot="1" noChangeAspect="1" noMove="1" noResize="1" noEditPoints="1" noAdjustHandles="1" noChangeArrowheads="1" noChangeShapeType="1" noTextEdit="1"/>
+          </p:cNvSpPr>
+          <p:nvPr>
+            <p:extLst>
+              <p:ext uri="{386F3935-93C4-4BCD-93E2-E3B085C9AB24}">
+                <p16:designElem xmlns:p16="http://schemas.microsoft.com/office/powerpoint/2015/main" val="1"/>
+              </p:ext>
+            </p:extLst>
+          </p:nvPr>
+        </p:nvSpPr>
+        <p:spPr>
+          <a:xfrm>
+            <a:off x="6517398" y="1974124"/>
+            <a:ext cx="127714" cy="127714"/>
+          </a:xfrm>
+          <a:custGeom>
+            <a:avLst/>
+            <a:gdLst>
+              <a:gd name="connsiteX0" fmla="*/ 63857 w 127714"/>
+              <a:gd name="connsiteY0" fmla="*/ 18874 h 127714"/>
+              <a:gd name="connsiteX1" fmla="*/ 108840 w 127714"/>
+              <a:gd name="connsiteY1" fmla="*/ 63857 h 127714"/>
+              <a:gd name="connsiteX2" fmla="*/ 63857 w 127714"/>
+              <a:gd name="connsiteY2" fmla="*/ 108840 h 127714"/>
+              <a:gd name="connsiteX3" fmla="*/ 18874 w 127714"/>
+              <a:gd name="connsiteY3" fmla="*/ 63857 h 127714"/>
+              <a:gd name="connsiteX4" fmla="*/ 63857 w 127714"/>
+              <a:gd name="connsiteY4" fmla="*/ 18874 h 127714"/>
+              <a:gd name="connsiteX5" fmla="*/ 63857 w 127714"/>
+              <a:gd name="connsiteY5" fmla="*/ 0 h 127714"/>
+              <a:gd name="connsiteX6" fmla="*/ 0 w 127714"/>
+              <a:gd name="connsiteY6" fmla="*/ 63857 h 127714"/>
+              <a:gd name="connsiteX7" fmla="*/ 63857 w 127714"/>
+              <a:gd name="connsiteY7" fmla="*/ 127714 h 127714"/>
+              <a:gd name="connsiteX8" fmla="*/ 127714 w 127714"/>
+              <a:gd name="connsiteY8" fmla="*/ 63857 h 127714"/>
+              <a:gd name="connsiteX9" fmla="*/ 63857 w 127714"/>
+              <a:gd name="connsiteY9" fmla="*/ 0 h 127714"/>
+            </a:gdLst>
+            <a:ahLst/>
+            <a:cxnLst>
+              <a:cxn ang="0">
+                <a:pos x="connsiteX0" y="connsiteY0"/>
+              </a:cxn>
+              <a:cxn ang="0">
+                <a:pos x="connsiteX1" y="connsiteY1"/>
+              </a:cxn>
+              <a:cxn ang="0">
+                <a:pos x="connsiteX2" y="connsiteY2"/>
+              </a:cxn>
+              <a:cxn ang="0">
+                <a:pos x="connsiteX3" y="connsiteY3"/>
+              </a:cxn>
+              <a:cxn ang="0">
+                <a:pos x="connsiteX4" y="connsiteY4"/>
+              </a:cxn>
+              <a:cxn ang="0">
+                <a:pos x="connsiteX5" y="connsiteY5"/>
+              </a:cxn>
+              <a:cxn ang="0">
+                <a:pos x="connsiteX6" y="connsiteY6"/>
+              </a:cxn>
+              <a:cxn ang="0">
+                <a:pos x="connsiteX7" y="connsiteY7"/>
+              </a:cxn>
+              <a:cxn ang="0">
+                <a:pos x="connsiteX8" y="connsiteY8"/>
+              </a:cxn>
+              <a:cxn ang="0">
+                <a:pos x="connsiteX9" y="connsiteY9"/>
+              </a:cxn>
+            </a:cxnLst>
+            <a:rect l="l" t="t" r="r" b="b"/>
+            <a:pathLst>
+              <a:path w="127714" h="127714">
+                <a:moveTo>
+                  <a:pt x="63857" y="18874"/>
+                </a:moveTo>
+                <a:cubicBezTo>
+                  <a:pt x="88700" y="18874"/>
+                  <a:pt x="108840" y="39014"/>
+                  <a:pt x="108840" y="63857"/>
+                </a:cubicBezTo>
+                <a:cubicBezTo>
+                  <a:pt x="108840" y="88700"/>
+                  <a:pt x="88700" y="108840"/>
+                  <a:pt x="63857" y="108840"/>
+                </a:cubicBezTo>
+                <a:cubicBezTo>
+                  <a:pt x="39014" y="108840"/>
+                  <a:pt x="18874" y="88700"/>
+                  <a:pt x="18874" y="63857"/>
+                </a:cubicBezTo>
+                <a:cubicBezTo>
+                  <a:pt x="18898" y="39024"/>
+                  <a:pt x="39024" y="18898"/>
+                  <a:pt x="63857" y="18874"/>
+                </a:cubicBezTo>
+                <a:moveTo>
+                  <a:pt x="63857" y="0"/>
+                </a:moveTo>
+                <a:cubicBezTo>
+                  <a:pt x="28590" y="0"/>
+                  <a:pt x="0" y="28590"/>
+                  <a:pt x="0" y="63857"/>
+                </a:cubicBezTo>
+                <a:cubicBezTo>
+                  <a:pt x="0" y="99124"/>
+                  <a:pt x="28590" y="127714"/>
+                  <a:pt x="63857" y="127714"/>
+                </a:cubicBezTo>
+                <a:cubicBezTo>
+                  <a:pt x="99124" y="127714"/>
+                  <a:pt x="127714" y="99124"/>
+                  <a:pt x="127714" y="63857"/>
+                </a:cubicBezTo>
+                <a:cubicBezTo>
+                  <a:pt x="127714" y="28590"/>
+                  <a:pt x="99124" y="0"/>
+                  <a:pt x="63857" y="0"/>
+                </a:cubicBezTo>
+                <a:close/>
+              </a:path>
+            </a:pathLst>
+          </a:custGeom>
+          <a:solidFill>
+            <a:schemeClr val="accent2"/>
+          </a:solidFill>
+          <a:ln w="610" cap="flat">
+            <a:noFill/>
+            <a:prstDash val="solid"/>
+            <a:miter/>
+          </a:ln>
+        </p:spPr>
+        <p:txBody>
+          <a:bodyPr rtlCol="0" anchor="ctr"/>
+          <a:lstStyle/>
+          <a:p>
+            <a:endParaRPr lang="en-US"/>
+          </a:p>
+        </p:txBody>
+      </p:sp>
+      <p:sp>
+        <p:nvSpPr>
+          <p:cNvPr id="11" name="Slide Number Placeholder 10">
+            <a:extLst>
+              <a:ext uri="{FF2B5EF4-FFF2-40B4-BE49-F238E27FC236}">
+                <a16:creationId xmlns:a16="http://schemas.microsoft.com/office/drawing/2014/main" id="{56AE2454-CE9A-4A6B-AB5A-349E0D967654}"/>
+              </a:ext>
+            </a:extLst>
+          </p:cNvPr>
+          <p:cNvSpPr>
+            <a:spLocks noGrp="1"/>
+          </p:cNvSpPr>
+          <p:nvPr>
+            <p:ph type="sldNum" sz="quarter" idx="12"/>
+          </p:nvPr>
+        </p:nvSpPr>
+        <p:spPr>
+          <a:xfrm>
+            <a:off x="8610600" y="6356350"/>
+            <a:ext cx="2743200" cy="365125"/>
+          </a:xfrm>
+        </p:spPr>
+        <p:txBody>
+          <a:bodyPr vert="horz" lIns="91440" tIns="45720" rIns="91440" bIns="45720" rtlCol="0" anchor="ctr">
+            <a:normAutofit/>
+          </a:bodyPr>
+          <a:lstStyle/>
+          <a:p>
+            <a:pPr>
+              <a:spcAft>
+                <a:spcPts val="600"/>
+              </a:spcAft>
+            </a:pPr>
+            <a:fld id="{D8DA9DAA-006C-4F4B-980E-E3DF019B24E2}" type="slidenum">
+              <a:rPr lang="en-US" smtClean="0"/>
+              <a:pPr>
+                <a:spcAft>
+                  <a:spcPts val="600"/>
+                </a:spcAft>
+              </a:pPr>
+              <a:t>7</a:t>
+            </a:fld>
+            <a:endParaRPr lang="en-US"/>
+          </a:p>
+        </p:txBody>
+      </p:sp>
+      <p:cxnSp>
+        <p:nvCxnSpPr>
+          <p:cNvPr id="1067" name="Straight Connector 1066">
+            <a:extLst>
+              <a:ext uri="{FF2B5EF4-FFF2-40B4-BE49-F238E27FC236}">
+                <a16:creationId xmlns:a16="http://schemas.microsoft.com/office/drawing/2014/main" id="{C49DA8F6-BCC1-4447-B54C-57856834B94B}"/>
+              </a:ext>
+              <a:ext uri="{C183D7F6-B498-43B3-948B-1728B52AA6E4}">
+                <adec:decorative xmlns:adec="http://schemas.microsoft.com/office/drawing/2017/decorative" val="1"/>
+              </a:ext>
+            </a:extLst>
+          </p:cNvPr>
+          <p:cNvCxnSpPr>
+            <a:cxnSpLocks noGrp="1" noRot="1" noChangeAspect="1" noMove="1" noResize="1" noEditPoints="1" noAdjustHandles="1" noChangeArrowheads="1" noChangeShapeType="1"/>
+          </p:cNvCxnSpPr>
+          <p:nvPr>
+            <p:extLst>
+              <p:ext uri="{386F3935-93C4-4BCD-93E2-E3B085C9AB24}">
+                <p16:designElem xmlns:p16="http://schemas.microsoft.com/office/powerpoint/2015/main" val="1"/>
+              </p:ext>
+            </p:extLst>
+          </p:nvPr>
+        </p:nvCxnSpPr>
+        <p:spPr>
+          <a:xfrm>
+            <a:off x="11580162" y="3610394"/>
+            <a:ext cx="0" cy="3238728"/>
+          </a:xfrm>
+          <a:prstGeom prst="line">
+            <a:avLst/>
+          </a:prstGeom>
+          <a:ln w="25400" cap="sq">
+            <a:gradFill flip="none" rotWithShape="1">
+              <a:gsLst>
+                <a:gs pos="0">
+                  <a:schemeClr val="accent2"/>
+                </a:gs>
+                <a:gs pos="100000">
+                  <a:schemeClr val="accent4"/>
+                </a:gs>
+              </a:gsLst>
+              <a:lin ang="16200000" scaled="1"/>
+              <a:tileRect/>
+            </a:gradFill>
+            <a:bevel/>
+          </a:ln>
+        </p:spPr>
+        <p:style>
+          <a:lnRef idx="1">
+            <a:schemeClr val="accent1"/>
+          </a:lnRef>
+          <a:fillRef idx="0">
+            <a:schemeClr val="accent1"/>
+          </a:fillRef>
+          <a:effectRef idx="0">
+            <a:schemeClr val="accent1"/>
+          </a:effectRef>
+          <a:fontRef idx="minor">
+            <a:schemeClr val="tx1"/>
+          </a:fontRef>
+        </p:style>
+      </p:cxnSp>
+      <p:sp>
+        <p:nvSpPr>
+          <p:cNvPr id="14" name="TextBox 13">
+            <a:extLst>
+              <a:ext uri="{FF2B5EF4-FFF2-40B4-BE49-F238E27FC236}">
+                <a16:creationId xmlns:a16="http://schemas.microsoft.com/office/drawing/2014/main" id="{59520ECF-C58C-6F4A-188C-FEB0DAA27EA7}"/>
+              </a:ext>
+            </a:extLst>
+          </p:cNvPr>
+          <p:cNvSpPr txBox="1"/>
+          <p:nvPr/>
+        </p:nvSpPr>
+        <p:spPr>
+          <a:xfrm>
+            <a:off x="305919" y="1088168"/>
+            <a:ext cx="11580161" cy="3600986"/>
+          </a:xfrm>
+          <a:prstGeom prst="rect">
+            <a:avLst/>
+          </a:prstGeom>
+          <a:solidFill>
+            <a:schemeClr val="accent4">
+              <a:lumMod val="20000"/>
+              <a:lumOff val="80000"/>
+            </a:schemeClr>
+          </a:solidFill>
+        </p:spPr>
+        <p:txBody>
+          <a:bodyPr wrap="square">
+            <a:spAutoFit/>
+          </a:bodyPr>
+          <a:lstStyle/>
+          <a:p>
+            <a:pPr marL="342900" indent="-342900">
+              <a:buFont typeface="+mj-lt"/>
+              <a:buAutoNum type="arabicPeriod"/>
+            </a:pPr>
+            <a:r>
+              <a:rPr lang="en-US" sz="1600" b="1" dirty="0">
+                <a:latin typeface="Courier New" panose="02070309020205020404" pitchFamily="49" charset="0"/>
+                <a:cs typeface="Courier New" panose="02070309020205020404" pitchFamily="49" charset="0"/>
+              </a:rPr>
+              <a:t>Redirect output (save output to file)</a:t>
+            </a:r>
+          </a:p>
+          <a:p>
+            <a:pPr lvl="1"/>
+            <a:r>
+              <a:rPr lang="en-US" sz="1600" dirty="0">
+                <a:latin typeface="Courier New" panose="02070309020205020404" pitchFamily="49" charset="0"/>
+                <a:cs typeface="Courier New" panose="02070309020205020404" pitchFamily="49" charset="0"/>
+              </a:rPr>
+              <a:t>cd ~/CSB-BIOL425/</a:t>
+            </a:r>
+            <a:r>
+              <a:rPr lang="en-US" sz="1600" dirty="0" err="1">
+                <a:latin typeface="Courier New" panose="02070309020205020404" pitchFamily="49" charset="0"/>
+                <a:cs typeface="Courier New" panose="02070309020205020404" pitchFamily="49" charset="0"/>
+              </a:rPr>
+              <a:t>unix</a:t>
+            </a:r>
+            <a:r>
+              <a:rPr lang="en-US" sz="1600" dirty="0">
+                <a:latin typeface="Courier New" panose="02070309020205020404" pitchFamily="49" charset="0"/>
+                <a:cs typeface="Courier New" panose="02070309020205020404" pitchFamily="49" charset="0"/>
+              </a:rPr>
+              <a:t>/sandbox</a:t>
+            </a:r>
+          </a:p>
+          <a:p>
+            <a:pPr lvl="1"/>
+            <a:r>
+              <a:rPr lang="en-US" sz="1600" dirty="0">
+                <a:latin typeface="Courier New" panose="02070309020205020404" pitchFamily="49" charset="0"/>
+                <a:cs typeface="Courier New" panose="02070309020205020404" pitchFamily="49" charset="0"/>
+              </a:rPr>
+              <a:t>echo “My first line” &gt; test.txt			# redirect echo output to a new file</a:t>
+            </a:r>
+          </a:p>
+          <a:p>
+            <a:pPr lvl="1"/>
+            <a:r>
+              <a:rPr lang="en-US" sz="1600" dirty="0">
+                <a:latin typeface="Courier New" panose="02070309020205020404" pitchFamily="49" charset="0"/>
+                <a:cs typeface="Courier New" panose="02070309020205020404" pitchFamily="49" charset="0"/>
+              </a:rPr>
+              <a:t>echo “My second line” &gt;&gt; test.txt 		# append a second line</a:t>
+            </a:r>
+          </a:p>
+          <a:p>
+            <a:pPr lvl="1"/>
+            <a:r>
+              <a:rPr lang="en-US" sz="1600" dirty="0">
+                <a:latin typeface="Courier New" panose="02070309020205020404" pitchFamily="49" charset="0"/>
+                <a:cs typeface="Courier New" panose="02070309020205020404" pitchFamily="49" charset="0"/>
+              </a:rPr>
+              <a:t>cat test.txt					# show file content</a:t>
+            </a:r>
+          </a:p>
+          <a:p>
+            <a:pPr lvl="1"/>
+            <a:r>
+              <a:rPr lang="en-US" sz="1600" dirty="0">
+                <a:latin typeface="Courier New" panose="02070309020205020404" pitchFamily="49" charset="0"/>
+                <a:cs typeface="Courier New" panose="02070309020205020404" pitchFamily="49" charset="0"/>
+              </a:rPr>
+              <a:t>ls –</a:t>
+            </a:r>
+            <a:r>
+              <a:rPr lang="en-US" sz="1600" dirty="0" err="1">
+                <a:latin typeface="Courier New" panose="02070309020205020404" pitchFamily="49" charset="0"/>
+                <a:cs typeface="Courier New" panose="02070309020205020404" pitchFamily="49" charset="0"/>
+              </a:rPr>
+              <a:t>lrt</a:t>
+            </a:r>
+            <a:r>
+              <a:rPr lang="en-US" sz="1600" dirty="0">
+                <a:latin typeface="Courier New" panose="02070309020205020404" pitchFamily="49" charset="0"/>
+                <a:cs typeface="Courier New" panose="02070309020205020404" pitchFamily="49" charset="0"/>
+              </a:rPr>
+              <a:t> ../data/Saavedra2013 &gt; filelist.txt	# list files and save the list to a file</a:t>
+            </a:r>
+          </a:p>
+          <a:p>
+            <a:pPr lvl="1"/>
+            <a:r>
+              <a:rPr lang="en-US" sz="1600" dirty="0">
+                <a:latin typeface="Courier New" panose="02070309020205020404" pitchFamily="49" charset="0"/>
+                <a:cs typeface="Courier New" panose="02070309020205020404" pitchFamily="49" charset="0"/>
+              </a:rPr>
+              <a:t>cat filelist.txt					# show file</a:t>
+            </a:r>
+          </a:p>
+          <a:p>
+            <a:pPr lvl="1"/>
+            <a:r>
+              <a:rPr lang="en-US" sz="1600" dirty="0">
+                <a:latin typeface="Courier New" panose="02070309020205020404" pitchFamily="49" charset="0"/>
+                <a:cs typeface="Courier New" panose="02070309020205020404" pitchFamily="49" charset="0"/>
+              </a:rPr>
+              <a:t>ls 	../data/Saavedra2013 | </a:t>
+            </a:r>
+            <a:r>
+              <a:rPr lang="en-US" sz="1600" dirty="0" err="1">
+                <a:latin typeface="Courier New" panose="02070309020205020404" pitchFamily="49" charset="0"/>
+                <a:cs typeface="Courier New" panose="02070309020205020404" pitchFamily="49" charset="0"/>
+              </a:rPr>
+              <a:t>wc</a:t>
+            </a:r>
+            <a:r>
+              <a:rPr lang="en-US" sz="1600" dirty="0">
+                <a:latin typeface="Courier New" panose="02070309020205020404" pitchFamily="49" charset="0"/>
+                <a:cs typeface="Courier New" panose="02070309020205020404" pitchFamily="49" charset="0"/>
+              </a:rPr>
+              <a:t> -l 			# use pipe (|) to count # of files</a:t>
+            </a:r>
+          </a:p>
+          <a:p>
+            <a:pPr marL="342900" indent="-342900">
+              <a:buFont typeface="+mj-lt"/>
+              <a:buAutoNum type="arabicPeriod"/>
+            </a:pPr>
+            <a:r>
+              <a:rPr lang="en-US" sz="1600" b="1" dirty="0">
+                <a:latin typeface="Courier New" panose="02070309020205020404" pitchFamily="49" charset="0"/>
+                <a:cs typeface="Courier New" panose="02070309020205020404" pitchFamily="49" charset="0"/>
+              </a:rPr>
+              <a:t>Select columns using “cut”</a:t>
+            </a:r>
+          </a:p>
+          <a:p>
+            <a:pPr lvl="1"/>
+            <a:r>
+              <a:rPr lang="en-US" sz="1400" dirty="0">
+                <a:latin typeface="Courier New" panose="02070309020205020404" pitchFamily="49" charset="0"/>
+                <a:cs typeface="Courier New" panose="02070309020205020404" pitchFamily="49" charset="0"/>
+              </a:rPr>
+              <a:t>cd ~/CSB-BIOL425/</a:t>
+            </a:r>
+            <a:r>
+              <a:rPr lang="en-US" sz="1400" dirty="0" err="1">
+                <a:latin typeface="Courier New" panose="02070309020205020404" pitchFamily="49" charset="0"/>
+                <a:cs typeface="Courier New" panose="02070309020205020404" pitchFamily="49" charset="0"/>
+              </a:rPr>
+              <a:t>unix</a:t>
+            </a:r>
+            <a:r>
+              <a:rPr lang="en-US" sz="1400" dirty="0">
+                <a:latin typeface="Courier New" panose="02070309020205020404" pitchFamily="49" charset="0"/>
+                <a:cs typeface="Courier New" panose="02070309020205020404" pitchFamily="49" charset="0"/>
+              </a:rPr>
+              <a:t>/data</a:t>
+            </a:r>
+          </a:p>
+          <a:p>
+            <a:pPr lvl="1"/>
+            <a:r>
+              <a:rPr lang="en-US" sz="1400" dirty="0">
+                <a:latin typeface="Courier New" panose="02070309020205020404" pitchFamily="49" charset="0"/>
+                <a:cs typeface="Courier New" panose="02070309020205020404" pitchFamily="49" charset="0"/>
+              </a:rPr>
+              <a:t>head Pacifici2013_data.csv				# show top 10 lines</a:t>
+            </a:r>
+          </a:p>
+          <a:p>
+            <a:pPr lvl="1"/>
+            <a:r>
+              <a:rPr lang="en-US" sz="1400" dirty="0">
+                <a:latin typeface="Courier New" panose="02070309020205020404" pitchFamily="49" charset="0"/>
+                <a:cs typeface="Courier New" panose="02070309020205020404" pitchFamily="49" charset="0"/>
+              </a:rPr>
+              <a:t>head Pacifici2013_data.csv | cut -d ";" -f 1		# select 1</a:t>
+            </a:r>
+            <a:r>
+              <a:rPr lang="en-US" sz="1400" baseline="30000" dirty="0">
+                <a:latin typeface="Courier New" panose="02070309020205020404" pitchFamily="49" charset="0"/>
+                <a:cs typeface="Courier New" panose="02070309020205020404" pitchFamily="49" charset="0"/>
+              </a:rPr>
+              <a:t>st</a:t>
+            </a:r>
+            <a:r>
+              <a:rPr lang="en-US" sz="1400" dirty="0">
+                <a:latin typeface="Courier New" panose="02070309020205020404" pitchFamily="49" charset="0"/>
+                <a:cs typeface="Courier New" panose="02070309020205020404" pitchFamily="49" charset="0"/>
+              </a:rPr>
+              <a:t> field, delimited by “;”</a:t>
+            </a:r>
+          </a:p>
+          <a:p>
+            <a:pPr lvl="1"/>
+            <a:r>
+              <a:rPr lang="en-US" sz="1400" dirty="0">
+                <a:latin typeface="Courier New" panose="02070309020205020404" pitchFamily="49" charset="0"/>
+                <a:cs typeface="Courier New" panose="02070309020205020404" pitchFamily="49" charset="0"/>
+              </a:rPr>
+              <a:t>head Pacifici2013_data.csv | cut -d ";" -f 1-4		# select columns 1-4</a:t>
+            </a:r>
+          </a:p>
+          <a:p>
+            <a:pPr lvl="1"/>
+            <a:r>
+              <a:rPr lang="en-US" sz="1400" dirty="0">
+                <a:latin typeface="Courier New" panose="02070309020205020404" pitchFamily="49" charset="0"/>
+                <a:cs typeface="Courier New" panose="02070309020205020404" pitchFamily="49" charset="0"/>
+              </a:rPr>
+              <a:t>cut -d ";" -f 2 Pacifici2013_data.csv | tail –n +2	# select 2</a:t>
+            </a:r>
+            <a:r>
+              <a:rPr lang="en-US" sz="1400" baseline="30000" dirty="0">
+                <a:latin typeface="Courier New" panose="02070309020205020404" pitchFamily="49" charset="0"/>
+                <a:cs typeface="Courier New" panose="02070309020205020404" pitchFamily="49" charset="0"/>
+              </a:rPr>
+              <a:t>nd</a:t>
+            </a:r>
+            <a:r>
+              <a:rPr lang="en-US" sz="1400" dirty="0">
+                <a:latin typeface="Courier New" panose="02070309020205020404" pitchFamily="49" charset="0"/>
+                <a:cs typeface="Courier New" panose="02070309020205020404" pitchFamily="49" charset="0"/>
+              </a:rPr>
+              <a:t> column, skip header (1</a:t>
+            </a:r>
+            <a:r>
+              <a:rPr lang="en-US" sz="1400" baseline="30000" dirty="0">
+                <a:latin typeface="Courier New" panose="02070309020205020404" pitchFamily="49" charset="0"/>
+                <a:cs typeface="Courier New" panose="02070309020205020404" pitchFamily="49" charset="0"/>
+              </a:rPr>
+              <a:t>st</a:t>
+            </a:r>
+            <a:r>
+              <a:rPr lang="en-US" sz="1400" dirty="0">
+                <a:latin typeface="Courier New" panose="02070309020205020404" pitchFamily="49" charset="0"/>
+                <a:cs typeface="Courier New" panose="02070309020205020404" pitchFamily="49" charset="0"/>
+              </a:rPr>
+              <a:t> line)</a:t>
+            </a:r>
+          </a:p>
+          <a:p>
+            <a:pPr lvl="1"/>
+            <a:r>
+              <a:rPr lang="en-US" sz="1400" dirty="0">
+                <a:latin typeface="Courier New" panose="02070309020205020404" pitchFamily="49" charset="0"/>
+                <a:cs typeface="Courier New" panose="02070309020205020404" pitchFamily="49" charset="0"/>
+              </a:rPr>
+              <a:t>cut -d ";" -f 2 Pacifici2013_data.csv | tail –n +2 | sort | </a:t>
+            </a:r>
+            <a:r>
+              <a:rPr lang="en-US" sz="1400" dirty="0" err="1">
+                <a:latin typeface="Courier New" panose="02070309020205020404" pitchFamily="49" charset="0"/>
+                <a:cs typeface="Courier New" panose="02070309020205020404" pitchFamily="49" charset="0"/>
+              </a:rPr>
+              <a:t>uniq</a:t>
+            </a:r>
+            <a:r>
+              <a:rPr lang="en-US" sz="1400" dirty="0">
+                <a:latin typeface="Courier New" panose="02070309020205020404" pitchFamily="49" charset="0"/>
+                <a:cs typeface="Courier New" panose="02070309020205020404" pitchFamily="49" charset="0"/>
+              </a:rPr>
+              <a:t>		# show unique lines </a:t>
+            </a:r>
+          </a:p>
+        </p:txBody>
+      </p:sp>
+      <p:pic>
+        <p:nvPicPr>
+          <p:cNvPr id="4" name="Picture 3">
+            <a:extLst>
+              <a:ext uri="{FF2B5EF4-FFF2-40B4-BE49-F238E27FC236}">
+                <a16:creationId xmlns:a16="http://schemas.microsoft.com/office/drawing/2014/main" id="{51269806-5D7B-50F6-3B4B-3BFCE04E5114}"/>
+              </a:ext>
+            </a:extLst>
+          </p:cNvPr>
+          <p:cNvPicPr>
+            <a:picLocks noChangeAspect="1"/>
+          </p:cNvPicPr>
+          <p:nvPr/>
+        </p:nvPicPr>
+        <p:blipFill>
+          <a:blip r:embed="rId2"/>
+          <a:stretch>
+            <a:fillRect/>
+          </a:stretch>
+        </p:blipFill>
+        <p:spPr>
+          <a:xfrm>
+            <a:off x="2247362" y="4844299"/>
+            <a:ext cx="7697274" cy="1952898"/>
+          </a:xfrm>
+          <a:prstGeom prst="rect">
+            <a:avLst/>
+          </a:prstGeom>
+        </p:spPr>
+      </p:pic>
+    </p:spTree>
+    <p:extLst>
+      <p:ext uri="{BB962C8B-B14F-4D97-AF65-F5344CB8AC3E}">
+        <p14:creationId xmlns:p14="http://schemas.microsoft.com/office/powerpoint/2010/main" val="4135564338"/>
+      </p:ext>
+    </p:extLst>
+  </p:cSld>
+  <p:clrMapOvr>
+    <a:masterClrMapping/>
+  </p:clrMapOvr>
+</p:sld>
+</file>
+
+<file path=ppt/slides/slide8.xml><?xml version="1.0" encoding="utf-8"?>
+<p:sld xmlns:a="http://schemas.openxmlformats.org/drawingml/2006/main" xmlns:r="http://schemas.openxmlformats.org/officeDocument/2006/relationships" xmlns:p="http://schemas.openxmlformats.org/presentationml/2006/main" showMasterSp="0">
+  <p:cSld>
+    <p:bg>
+      <p:bgPr>
+        <a:solidFill>
+          <a:schemeClr val="bg1"/>
+        </a:solidFill>
+        <a:effectLst/>
+      </p:bgPr>
+    </p:bg>
+    <p:spTree>
+      <p:nvGrpSpPr>
+        <p:cNvPr id="1" name=""/>
+        <p:cNvGrpSpPr/>
+        <p:nvPr/>
+      </p:nvGrpSpPr>
+      <p:grpSpPr>
+        <a:xfrm>
+          <a:off x="0" y="0"/>
+          <a:ext cx="0" cy="0"/>
+          <a:chOff x="0" y="0"/>
+          <a:chExt cx="0" cy="0"/>
+        </a:xfrm>
+      </p:grpSpPr>
+      <p:cxnSp>
+        <p:nvCxnSpPr>
+          <p:cNvPr id="1057" name="Straight Connector 1056">
+            <a:extLst>
+              <a:ext uri="{FF2B5EF4-FFF2-40B4-BE49-F238E27FC236}">
+                <a16:creationId xmlns:a16="http://schemas.microsoft.com/office/drawing/2014/main" id="{5C05CAAB-DBA2-4548-AD5F-01BB97FBB207}"/>
+              </a:ext>
+              <a:ext uri="{C183D7F6-B498-43B3-948B-1728B52AA6E4}">
+                <adec:decorative xmlns:adec="http://schemas.microsoft.com/office/drawing/2017/decorative" val="1"/>
+              </a:ext>
+            </a:extLst>
+          </p:cNvPr>
+          <p:cNvCxnSpPr>
+            <a:cxnSpLocks noGrp="1" noRot="1" noChangeAspect="1" noMove="1" noResize="1" noEditPoints="1" noAdjustHandles="1" noChangeArrowheads="1" noChangeShapeType="1"/>
+          </p:cNvCxnSpPr>
+          <p:nvPr>
+            <p:extLst>
+              <p:ext uri="{386F3935-93C4-4BCD-93E2-E3B085C9AB24}">
+                <p16:designElem xmlns:p16="http://schemas.microsoft.com/office/powerpoint/2015/main" val="1"/>
+              </p:ext>
+            </p:extLst>
+          </p:nvPr>
+        </p:nvCxnSpPr>
+        <p:spPr>
+          <a:xfrm>
+            <a:off x="715890" y="356812"/>
+            <a:ext cx="0" cy="6492875"/>
+          </a:xfrm>
+          <a:prstGeom prst="line">
+            <a:avLst/>
+          </a:prstGeom>
+          <a:ln w="25400" cap="sq">
+            <a:gradFill flip="none" rotWithShape="1">
+              <a:gsLst>
+                <a:gs pos="0">
+                  <a:schemeClr val="accent2"/>
+                </a:gs>
+                <a:gs pos="100000">
+                  <a:schemeClr val="accent4"/>
+                </a:gs>
+              </a:gsLst>
+              <a:lin ang="16200000" scaled="1"/>
+              <a:tileRect/>
+            </a:gradFill>
+            <a:bevel/>
+          </a:ln>
+        </p:spPr>
+        <p:style>
+          <a:lnRef idx="1">
+            <a:schemeClr val="accent1"/>
+          </a:lnRef>
+          <a:fillRef idx="0">
+            <a:schemeClr val="accent1"/>
+          </a:fillRef>
+          <a:effectRef idx="0">
+            <a:schemeClr val="accent1"/>
+          </a:effectRef>
+          <a:fontRef idx="minor">
+            <a:schemeClr val="tx1"/>
+          </a:fontRef>
+        </p:style>
+      </p:cxnSp>
+      <p:sp useBgFill="1">
+        <p:nvSpPr>
+          <p:cNvPr id="1059" name="Rectangle 1058">
+            <a:extLst>
+              <a:ext uri="{FF2B5EF4-FFF2-40B4-BE49-F238E27FC236}">
+                <a16:creationId xmlns:a16="http://schemas.microsoft.com/office/drawing/2014/main" id="{330C0765-5A38-4A34-880C-9CC4C2E14FBA}"/>
+              </a:ext>
+              <a:ext uri="{C183D7F6-B498-43B3-948B-1728B52AA6E4}">
+                <adec:decorative xmlns:adec="http://schemas.microsoft.com/office/drawing/2017/decorative" val="1"/>
+              </a:ext>
+            </a:extLst>
+          </p:cNvPr>
+          <p:cNvSpPr>
+            <a:spLocks noGrp="1" noRot="1" noChangeAspect="1" noMove="1" noResize="1" noEditPoints="1" noAdjustHandles="1" noChangeArrowheads="1" noChangeShapeType="1" noTextEdit="1"/>
+          </p:cNvSpPr>
+          <p:nvPr>
+            <p:extLst>
+              <p:ext uri="{386F3935-93C4-4BCD-93E2-E3B085C9AB24}">
+                <p16:designElem xmlns:p16="http://schemas.microsoft.com/office/powerpoint/2015/main" val="1"/>
+              </p:ext>
+            </p:extLst>
+          </p:nvPr>
+        </p:nvSpPr>
+        <p:spPr>
+          <a:xfrm>
+            <a:off x="0" y="0"/>
+            <a:ext cx="12192000" cy="6858000"/>
+          </a:xfrm>
+          <a:prstGeom prst="rect">
+            <a:avLst/>
+          </a:prstGeom>
+          <a:ln>
+            <a:noFill/>
+          </a:ln>
+        </p:spPr>
+        <p:style>
+          <a:lnRef idx="2">
+            <a:schemeClr val="accent1">
+              <a:shade val="50000"/>
+            </a:schemeClr>
+          </a:lnRef>
+          <a:fillRef idx="1">
+            <a:schemeClr val="accent1"/>
+          </a:fillRef>
+          <a:effectRef idx="0">
+            <a:schemeClr val="accent1"/>
+          </a:effectRef>
+          <a:fontRef idx="minor">
+            <a:schemeClr val="lt1"/>
+          </a:fontRef>
+        </p:style>
+        <p:txBody>
+          <a:bodyPr rtlCol="0" anchor="ctr"/>
+          <a:lstStyle/>
+          <a:p>
+            <a:pPr algn="ctr"/>
+            <a:endParaRPr lang="en-US"/>
+          </a:p>
+        </p:txBody>
+      </p:sp>
+      <p:sp>
+        <p:nvSpPr>
+          <p:cNvPr id="3" name="Title 2">
+            <a:extLst>
+              <a:ext uri="{FF2B5EF4-FFF2-40B4-BE49-F238E27FC236}">
+                <a16:creationId xmlns:a16="http://schemas.microsoft.com/office/drawing/2014/main" id="{0115FF41-AFA4-4D25-AB42-AB034F4B4FEC}"/>
+              </a:ext>
+            </a:extLst>
+          </p:cNvPr>
+          <p:cNvSpPr>
+            <a:spLocks noGrp="1"/>
+          </p:cNvSpPr>
+          <p:nvPr>
+            <p:ph type="title"/>
+          </p:nvPr>
+        </p:nvSpPr>
+        <p:spPr>
+          <a:xfrm>
+            <a:off x="346365" y="185056"/>
+            <a:ext cx="7055918" cy="692923"/>
+          </a:xfrm>
+        </p:spPr>
+        <p:txBody>
+          <a:bodyPr vert="horz" lIns="91440" tIns="45720" rIns="91440" bIns="45720" rtlCol="0" anchor="b">
+            <a:normAutofit fontScale="90000"/>
+          </a:bodyPr>
+          <a:lstStyle/>
+          <a:p>
+            <a:r>
+              <a:rPr lang="en-US" sz="4000" kern="1200" dirty="0">
+                <a:solidFill>
+                  <a:schemeClr val="tx1"/>
+                </a:solidFill>
+                <a:latin typeface="+mj-lt"/>
+                <a:ea typeface="+mj-ea"/>
+                <a:cs typeface="+mj-cs"/>
+              </a:rPr>
+              <a:t>UNIX Advanced: “tr” &amp; “sed”</a:t>
+            </a:r>
+          </a:p>
+        </p:txBody>
+      </p:sp>
+      <p:sp>
+        <p:nvSpPr>
+          <p:cNvPr id="1061" name="Graphic 15">
+            <a:extLst>
+              <a:ext uri="{FF2B5EF4-FFF2-40B4-BE49-F238E27FC236}">
+                <a16:creationId xmlns:a16="http://schemas.microsoft.com/office/drawing/2014/main" id="{B7DA268A-F88C-4936-8401-97C8C9861089}"/>
+              </a:ext>
+              <a:ext uri="{C183D7F6-B498-43B3-948B-1728B52AA6E4}">
+                <adec:decorative xmlns:adec="http://schemas.microsoft.com/office/drawing/2017/decorative" val="1"/>
+              </a:ext>
+            </a:extLst>
+          </p:cNvPr>
+          <p:cNvSpPr>
+            <a:spLocks noGrp="1" noRot="1" noChangeAspect="1" noMove="1" noResize="1" noEditPoints="1" noAdjustHandles="1" noChangeArrowheads="1" noChangeShapeType="1" noTextEdit="1"/>
+          </p:cNvSpPr>
+          <p:nvPr>
+            <p:extLst>
+              <p:ext uri="{386F3935-93C4-4BCD-93E2-E3B085C9AB24}">
+                <p16:designElem xmlns:p16="http://schemas.microsoft.com/office/powerpoint/2015/main" val="1"/>
+              </p:ext>
+            </p:extLst>
+          </p:nvPr>
+        </p:nvSpPr>
+        <p:spPr>
+          <a:xfrm>
+            <a:off x="6532938" y="1229685"/>
+            <a:ext cx="139039" cy="139039"/>
+          </a:xfrm>
+          <a:custGeom>
+            <a:avLst/>
+            <a:gdLst>
+              <a:gd name="connsiteX0" fmla="*/ 129602 w 139039"/>
+              <a:gd name="connsiteY0" fmla="*/ 60082 h 139039"/>
+              <a:gd name="connsiteX1" fmla="*/ 78957 w 139039"/>
+              <a:gd name="connsiteY1" fmla="*/ 60082 h 139039"/>
+              <a:gd name="connsiteX2" fmla="*/ 78957 w 139039"/>
+              <a:gd name="connsiteY2" fmla="*/ 9437 h 139039"/>
+              <a:gd name="connsiteX3" fmla="*/ 69520 w 139039"/>
+              <a:gd name="connsiteY3" fmla="*/ 0 h 139039"/>
+              <a:gd name="connsiteX4" fmla="*/ 60082 w 139039"/>
+              <a:gd name="connsiteY4" fmla="*/ 9437 h 139039"/>
+              <a:gd name="connsiteX5" fmla="*/ 60082 w 139039"/>
+              <a:gd name="connsiteY5" fmla="*/ 60082 h 139039"/>
+              <a:gd name="connsiteX6" fmla="*/ 9437 w 139039"/>
+              <a:gd name="connsiteY6" fmla="*/ 60082 h 139039"/>
+              <a:gd name="connsiteX7" fmla="*/ 0 w 139039"/>
+              <a:gd name="connsiteY7" fmla="*/ 69520 h 139039"/>
+              <a:gd name="connsiteX8" fmla="*/ 9437 w 139039"/>
+              <a:gd name="connsiteY8" fmla="*/ 78957 h 139039"/>
+              <a:gd name="connsiteX9" fmla="*/ 60082 w 139039"/>
+              <a:gd name="connsiteY9" fmla="*/ 78957 h 139039"/>
+              <a:gd name="connsiteX10" fmla="*/ 60082 w 139039"/>
+              <a:gd name="connsiteY10" fmla="*/ 129602 h 139039"/>
+              <a:gd name="connsiteX11" fmla="*/ 69520 w 139039"/>
+              <a:gd name="connsiteY11" fmla="*/ 139039 h 139039"/>
+              <a:gd name="connsiteX12" fmla="*/ 78957 w 139039"/>
+              <a:gd name="connsiteY12" fmla="*/ 129602 h 139039"/>
+              <a:gd name="connsiteX13" fmla="*/ 78957 w 139039"/>
+              <a:gd name="connsiteY13" fmla="*/ 78957 h 139039"/>
+              <a:gd name="connsiteX14" fmla="*/ 129602 w 139039"/>
+              <a:gd name="connsiteY14" fmla="*/ 78957 h 139039"/>
+              <a:gd name="connsiteX15" fmla="*/ 139039 w 139039"/>
+              <a:gd name="connsiteY15" fmla="*/ 69520 h 139039"/>
+              <a:gd name="connsiteX16" fmla="*/ 129602 w 139039"/>
+              <a:gd name="connsiteY16" fmla="*/ 60082 h 139039"/>
+            </a:gdLst>
+            <a:ahLst/>
+            <a:cxnLst>
+              <a:cxn ang="0">
+                <a:pos x="connsiteX0" y="connsiteY0"/>
+              </a:cxn>
+              <a:cxn ang="0">
+                <a:pos x="connsiteX1" y="connsiteY1"/>
+              </a:cxn>
+              <a:cxn ang="0">
+                <a:pos x="connsiteX2" y="connsiteY2"/>
+              </a:cxn>
+              <a:cxn ang="0">
+                <a:pos x="connsiteX3" y="connsiteY3"/>
+              </a:cxn>
+              <a:cxn ang="0">
+                <a:pos x="connsiteX4" y="connsiteY4"/>
+              </a:cxn>
+              <a:cxn ang="0">
+                <a:pos x="connsiteX5" y="connsiteY5"/>
+              </a:cxn>
+              <a:cxn ang="0">
+                <a:pos x="connsiteX6" y="connsiteY6"/>
+              </a:cxn>
+              <a:cxn ang="0">
+                <a:pos x="connsiteX7" y="connsiteY7"/>
+              </a:cxn>
+              <a:cxn ang="0">
+                <a:pos x="connsiteX8" y="connsiteY8"/>
+              </a:cxn>
+              <a:cxn ang="0">
+                <a:pos x="connsiteX9" y="connsiteY9"/>
+              </a:cxn>
+              <a:cxn ang="0">
+                <a:pos x="connsiteX10" y="connsiteY10"/>
+              </a:cxn>
+              <a:cxn ang="0">
+                <a:pos x="connsiteX11" y="connsiteY11"/>
+              </a:cxn>
+              <a:cxn ang="0">
+                <a:pos x="connsiteX12" y="connsiteY12"/>
+              </a:cxn>
+              <a:cxn ang="0">
+                <a:pos x="connsiteX13" y="connsiteY13"/>
+              </a:cxn>
+              <a:cxn ang="0">
+                <a:pos x="connsiteX14" y="connsiteY14"/>
+              </a:cxn>
+              <a:cxn ang="0">
+                <a:pos x="connsiteX15" y="connsiteY15"/>
+              </a:cxn>
+              <a:cxn ang="0">
+                <a:pos x="connsiteX16" y="connsiteY16"/>
+              </a:cxn>
+            </a:cxnLst>
+            <a:rect l="l" t="t" r="r" b="b"/>
+            <a:pathLst>
+              <a:path w="139039" h="139039">
+                <a:moveTo>
+                  <a:pt x="129602" y="60082"/>
+                </a:moveTo>
+                <a:lnTo>
+                  <a:pt x="78957" y="60082"/>
+                </a:lnTo>
+                <a:lnTo>
+                  <a:pt x="78957" y="9437"/>
+                </a:lnTo>
+                <a:cubicBezTo>
+                  <a:pt x="78957" y="4225"/>
+                  <a:pt x="74731" y="0"/>
+                  <a:pt x="69520" y="0"/>
+                </a:cubicBezTo>
+                <a:cubicBezTo>
+                  <a:pt x="64308" y="0"/>
+                  <a:pt x="60082" y="4225"/>
+                  <a:pt x="60082" y="9437"/>
+                </a:cubicBezTo>
+                <a:lnTo>
+                  <a:pt x="60082" y="60082"/>
+                </a:lnTo>
+                <a:lnTo>
+                  <a:pt x="9437" y="60082"/>
+                </a:lnTo>
+                <a:cubicBezTo>
+                  <a:pt x="4225" y="60082"/>
+                  <a:pt x="0" y="64308"/>
+                  <a:pt x="0" y="69520"/>
+                </a:cubicBezTo>
+                <a:cubicBezTo>
+                  <a:pt x="0" y="74731"/>
+                  <a:pt x="4225" y="78957"/>
+                  <a:pt x="9437" y="78957"/>
+                </a:cubicBezTo>
+                <a:lnTo>
+                  <a:pt x="60082" y="78957"/>
+                </a:lnTo>
+                <a:lnTo>
+                  <a:pt x="60082" y="129602"/>
+                </a:lnTo>
+                <a:cubicBezTo>
+                  <a:pt x="60082" y="134814"/>
+                  <a:pt x="64308" y="139039"/>
+                  <a:pt x="69520" y="139039"/>
+                </a:cubicBezTo>
+                <a:cubicBezTo>
+                  <a:pt x="74731" y="139039"/>
+                  <a:pt x="78957" y="134814"/>
+                  <a:pt x="78957" y="129602"/>
+                </a:cubicBezTo>
+                <a:lnTo>
+                  <a:pt x="78957" y="78957"/>
+                </a:lnTo>
+                <a:lnTo>
+                  <a:pt x="129602" y="78957"/>
+                </a:lnTo>
+                <a:cubicBezTo>
+                  <a:pt x="134814" y="78957"/>
+                  <a:pt x="139039" y="74731"/>
+                  <a:pt x="139039" y="69520"/>
+                </a:cubicBezTo>
+                <a:cubicBezTo>
+                  <a:pt x="139039" y="64308"/>
+                  <a:pt x="134814" y="60082"/>
+                  <a:pt x="129602" y="60082"/>
+                </a:cubicBezTo>
+                <a:close/>
+              </a:path>
+            </a:pathLst>
+          </a:custGeom>
+          <a:solidFill>
+            <a:schemeClr val="accent2"/>
+          </a:solidFill>
+          <a:ln w="603" cap="flat">
+            <a:noFill/>
+            <a:prstDash val="solid"/>
+            <a:miter/>
+          </a:ln>
+        </p:spPr>
+        <p:txBody>
+          <a:bodyPr rtlCol="0" anchor="ctr"/>
+          <a:lstStyle/>
+          <a:p>
+            <a:endParaRPr lang="en-US"/>
+          </a:p>
+        </p:txBody>
+      </p:sp>
+      <p:sp>
+        <p:nvSpPr>
+          <p:cNvPr id="1063" name="Graphic 14">
+            <a:extLst>
+              <a:ext uri="{FF2B5EF4-FFF2-40B4-BE49-F238E27FC236}">
+                <a16:creationId xmlns:a16="http://schemas.microsoft.com/office/drawing/2014/main" id="{2E48EAB8-CD1C-4BF5-A92C-BA11919E6EDF}"/>
+              </a:ext>
+              <a:ext uri="{C183D7F6-B498-43B3-948B-1728B52AA6E4}">
+                <adec:decorative xmlns:adec="http://schemas.microsoft.com/office/drawing/2017/decorative" val="1"/>
+              </a:ext>
+            </a:extLst>
+          </p:cNvPr>
+          <p:cNvSpPr>
+            <a:spLocks noGrp="1" noRot="1" noChangeAspect="1" noMove="1" noResize="1" noEditPoints="1" noAdjustHandles="1" noChangeArrowheads="1" noChangeShapeType="1" noTextEdit="1"/>
+          </p:cNvSpPr>
+          <p:nvPr>
+            <p:extLst>
+              <p:ext uri="{386F3935-93C4-4BCD-93E2-E3B085C9AB24}">
+                <p16:designElem xmlns:p16="http://schemas.microsoft.com/office/powerpoint/2015/main" val="1"/>
+              </p:ext>
+            </p:extLst>
+          </p:nvPr>
+        </p:nvSpPr>
+        <p:spPr>
+          <a:xfrm>
+            <a:off x="6891718" y="1458980"/>
+            <a:ext cx="91138" cy="91138"/>
+          </a:xfrm>
+          <a:custGeom>
+            <a:avLst/>
+            <a:gdLst>
+              <a:gd name="connsiteX0" fmla="*/ 91138 w 91138"/>
+              <a:gd name="connsiteY0" fmla="*/ 45569 h 91138"/>
+              <a:gd name="connsiteX1" fmla="*/ 45569 w 91138"/>
+              <a:gd name="connsiteY1" fmla="*/ 91138 h 91138"/>
+              <a:gd name="connsiteX2" fmla="*/ 0 w 91138"/>
+              <a:gd name="connsiteY2" fmla="*/ 45569 h 91138"/>
+              <a:gd name="connsiteX3" fmla="*/ 45569 w 91138"/>
+              <a:gd name="connsiteY3" fmla="*/ 0 h 91138"/>
+              <a:gd name="connsiteX4" fmla="*/ 91138 w 91138"/>
+              <a:gd name="connsiteY4" fmla="*/ 45569 h 91138"/>
+            </a:gdLst>
+            <a:ahLst/>
+            <a:cxnLst>
+              <a:cxn ang="0">
+                <a:pos x="connsiteX0" y="connsiteY0"/>
+              </a:cxn>
+              <a:cxn ang="0">
+                <a:pos x="connsiteX1" y="connsiteY1"/>
+              </a:cxn>
+              <a:cxn ang="0">
+                <a:pos x="connsiteX2" y="connsiteY2"/>
+              </a:cxn>
+              <a:cxn ang="0">
+                <a:pos x="connsiteX3" y="connsiteY3"/>
+              </a:cxn>
+              <a:cxn ang="0">
+                <a:pos x="connsiteX4" y="connsiteY4"/>
+              </a:cxn>
+            </a:cxnLst>
+            <a:rect l="l" t="t" r="r" b="b"/>
+            <a:pathLst>
+              <a:path w="91138" h="91138">
+                <a:moveTo>
+                  <a:pt x="91138" y="45569"/>
+                </a:moveTo>
+                <a:cubicBezTo>
+                  <a:pt x="91138" y="70736"/>
+                  <a:pt x="70736" y="91138"/>
+                  <a:pt x="45569" y="91138"/>
+                </a:cubicBezTo>
+                <a:cubicBezTo>
+                  <a:pt x="20402" y="91138"/>
+                  <a:pt x="0" y="70736"/>
+                  <a:pt x="0" y="45569"/>
+                </a:cubicBezTo>
+                <a:cubicBezTo>
+                  <a:pt x="0" y="20402"/>
+                  <a:pt x="20402" y="0"/>
+                  <a:pt x="45569" y="0"/>
+                </a:cubicBezTo>
+                <a:cubicBezTo>
+                  <a:pt x="70736" y="0"/>
+                  <a:pt x="91138" y="20402"/>
+                  <a:pt x="91138" y="45569"/>
+                </a:cubicBezTo>
+                <a:close/>
+              </a:path>
+            </a:pathLst>
+          </a:custGeom>
+          <a:solidFill>
+            <a:schemeClr val="accent2"/>
+          </a:solidFill>
+          <a:ln w="422" cap="flat">
+            <a:noFill/>
+            <a:prstDash val="solid"/>
+            <a:miter/>
+          </a:ln>
+        </p:spPr>
+        <p:txBody>
+          <a:bodyPr rtlCol="0" anchor="ctr"/>
+          <a:lstStyle/>
+          <a:p>
+            <a:endParaRPr lang="en-US"/>
+          </a:p>
+        </p:txBody>
+      </p:sp>
+      <p:sp>
+        <p:nvSpPr>
+          <p:cNvPr id="1065" name="Graphic 16">
+            <a:extLst>
+              <a:ext uri="{FF2B5EF4-FFF2-40B4-BE49-F238E27FC236}">
+                <a16:creationId xmlns:a16="http://schemas.microsoft.com/office/drawing/2014/main" id="{F66F957D-AE64-4187-90D7-B24F1CC27F61}"/>
+              </a:ext>
+              <a:ext uri="{C183D7F6-B498-43B3-948B-1728B52AA6E4}">
+                <adec:decorative xmlns:adec="http://schemas.microsoft.com/office/drawing/2017/decorative" val="1"/>
+              </a:ext>
+            </a:extLst>
+          </p:cNvPr>
+          <p:cNvSpPr>
+            <a:spLocks noGrp="1" noRot="1" noChangeAspect="1" noMove="1" noResize="1" noEditPoints="1" noAdjustHandles="1" noChangeArrowheads="1" noChangeShapeType="1" noTextEdit="1"/>
+          </p:cNvSpPr>
+          <p:nvPr>
+            <p:extLst>
+              <p:ext uri="{386F3935-93C4-4BCD-93E2-E3B085C9AB24}">
+                <p16:designElem xmlns:p16="http://schemas.microsoft.com/office/powerpoint/2015/main" val="1"/>
+              </p:ext>
+            </p:extLst>
+          </p:nvPr>
+        </p:nvSpPr>
+        <p:spPr>
+          <a:xfrm>
+            <a:off x="6517398" y="1974124"/>
+            <a:ext cx="127714" cy="127714"/>
+          </a:xfrm>
+          <a:custGeom>
+            <a:avLst/>
+            <a:gdLst>
+              <a:gd name="connsiteX0" fmla="*/ 63857 w 127714"/>
+              <a:gd name="connsiteY0" fmla="*/ 18874 h 127714"/>
+              <a:gd name="connsiteX1" fmla="*/ 108840 w 127714"/>
+              <a:gd name="connsiteY1" fmla="*/ 63857 h 127714"/>
+              <a:gd name="connsiteX2" fmla="*/ 63857 w 127714"/>
+              <a:gd name="connsiteY2" fmla="*/ 108840 h 127714"/>
+              <a:gd name="connsiteX3" fmla="*/ 18874 w 127714"/>
+              <a:gd name="connsiteY3" fmla="*/ 63857 h 127714"/>
+              <a:gd name="connsiteX4" fmla="*/ 63857 w 127714"/>
+              <a:gd name="connsiteY4" fmla="*/ 18874 h 127714"/>
+              <a:gd name="connsiteX5" fmla="*/ 63857 w 127714"/>
+              <a:gd name="connsiteY5" fmla="*/ 0 h 127714"/>
+              <a:gd name="connsiteX6" fmla="*/ 0 w 127714"/>
+              <a:gd name="connsiteY6" fmla="*/ 63857 h 127714"/>
+              <a:gd name="connsiteX7" fmla="*/ 63857 w 127714"/>
+              <a:gd name="connsiteY7" fmla="*/ 127714 h 127714"/>
+              <a:gd name="connsiteX8" fmla="*/ 127714 w 127714"/>
+              <a:gd name="connsiteY8" fmla="*/ 63857 h 127714"/>
+              <a:gd name="connsiteX9" fmla="*/ 63857 w 127714"/>
+              <a:gd name="connsiteY9" fmla="*/ 0 h 127714"/>
+            </a:gdLst>
+            <a:ahLst/>
+            <a:cxnLst>
+              <a:cxn ang="0">
+                <a:pos x="connsiteX0" y="connsiteY0"/>
+              </a:cxn>
+              <a:cxn ang="0">
+                <a:pos x="connsiteX1" y="connsiteY1"/>
+              </a:cxn>
+              <a:cxn ang="0">
+                <a:pos x="connsiteX2" y="connsiteY2"/>
+              </a:cxn>
+              <a:cxn ang="0">
+                <a:pos x="connsiteX3" y="connsiteY3"/>
+              </a:cxn>
+              <a:cxn ang="0">
+                <a:pos x="connsiteX4" y="connsiteY4"/>
+              </a:cxn>
+              <a:cxn ang="0">
+                <a:pos x="connsiteX5" y="connsiteY5"/>
+              </a:cxn>
+              <a:cxn ang="0">
+                <a:pos x="connsiteX6" y="connsiteY6"/>
+              </a:cxn>
+              <a:cxn ang="0">
+                <a:pos x="connsiteX7" y="connsiteY7"/>
+              </a:cxn>
+              <a:cxn ang="0">
+                <a:pos x="connsiteX8" y="connsiteY8"/>
+              </a:cxn>
+              <a:cxn ang="0">
+                <a:pos x="connsiteX9" y="connsiteY9"/>
+              </a:cxn>
+            </a:cxnLst>
+            <a:rect l="l" t="t" r="r" b="b"/>
+            <a:pathLst>
+              <a:path w="127714" h="127714">
+                <a:moveTo>
+                  <a:pt x="63857" y="18874"/>
+                </a:moveTo>
+                <a:cubicBezTo>
+                  <a:pt x="88700" y="18874"/>
+                  <a:pt x="108840" y="39014"/>
+                  <a:pt x="108840" y="63857"/>
+                </a:cubicBezTo>
+                <a:cubicBezTo>
+                  <a:pt x="108840" y="88700"/>
+                  <a:pt x="88700" y="108840"/>
+                  <a:pt x="63857" y="108840"/>
+                </a:cubicBezTo>
+                <a:cubicBezTo>
+                  <a:pt x="39014" y="108840"/>
+                  <a:pt x="18874" y="88700"/>
+                  <a:pt x="18874" y="63857"/>
+                </a:cubicBezTo>
+                <a:cubicBezTo>
+                  <a:pt x="18898" y="39024"/>
+                  <a:pt x="39024" y="18898"/>
+                  <a:pt x="63857" y="18874"/>
+                </a:cubicBezTo>
+                <a:moveTo>
+                  <a:pt x="63857" y="0"/>
+                </a:moveTo>
+                <a:cubicBezTo>
+                  <a:pt x="28590" y="0"/>
+                  <a:pt x="0" y="28590"/>
+                  <a:pt x="0" y="63857"/>
+                </a:cubicBezTo>
+                <a:cubicBezTo>
+                  <a:pt x="0" y="99124"/>
+                  <a:pt x="28590" y="127714"/>
+                  <a:pt x="63857" y="127714"/>
+                </a:cubicBezTo>
+                <a:cubicBezTo>
+                  <a:pt x="99124" y="127714"/>
+                  <a:pt x="127714" y="99124"/>
+                  <a:pt x="127714" y="63857"/>
+                </a:cubicBezTo>
+                <a:cubicBezTo>
+                  <a:pt x="127714" y="28590"/>
+                  <a:pt x="99124" y="0"/>
+                  <a:pt x="63857" y="0"/>
+                </a:cubicBezTo>
+                <a:close/>
+              </a:path>
+            </a:pathLst>
+          </a:custGeom>
+          <a:solidFill>
+            <a:schemeClr val="accent2"/>
+          </a:solidFill>
+          <a:ln w="610" cap="flat">
+            <a:noFill/>
+            <a:prstDash val="solid"/>
+            <a:miter/>
+          </a:ln>
+        </p:spPr>
+        <p:txBody>
+          <a:bodyPr rtlCol="0" anchor="ctr"/>
+          <a:lstStyle/>
+          <a:p>
+            <a:endParaRPr lang="en-US"/>
+          </a:p>
+        </p:txBody>
+      </p:sp>
+      <p:sp>
+        <p:nvSpPr>
+          <p:cNvPr id="11" name="Slide Number Placeholder 10">
+            <a:extLst>
+              <a:ext uri="{FF2B5EF4-FFF2-40B4-BE49-F238E27FC236}">
+                <a16:creationId xmlns:a16="http://schemas.microsoft.com/office/drawing/2014/main" id="{56AE2454-CE9A-4A6B-AB5A-349E0D967654}"/>
+              </a:ext>
+            </a:extLst>
+          </p:cNvPr>
+          <p:cNvSpPr>
+            <a:spLocks noGrp="1"/>
+          </p:cNvSpPr>
+          <p:nvPr>
+            <p:ph type="sldNum" sz="quarter" idx="12"/>
+          </p:nvPr>
+        </p:nvSpPr>
+        <p:spPr>
+          <a:xfrm>
+            <a:off x="8610600" y="6356350"/>
+            <a:ext cx="2743200" cy="365125"/>
+          </a:xfrm>
+        </p:spPr>
+        <p:txBody>
+          <a:bodyPr vert="horz" lIns="91440" tIns="45720" rIns="91440" bIns="45720" rtlCol="0" anchor="ctr">
+            <a:normAutofit/>
+          </a:bodyPr>
+          <a:lstStyle/>
+          <a:p>
+            <a:pPr>
+              <a:spcAft>
+                <a:spcPts val="600"/>
+              </a:spcAft>
+            </a:pPr>
+            <a:fld id="{D8DA9DAA-006C-4F4B-980E-E3DF019B24E2}" type="slidenum">
+              <a:rPr lang="en-US" smtClean="0"/>
+              <a:pPr>
+                <a:spcAft>
+                  <a:spcPts val="600"/>
+                </a:spcAft>
+              </a:pPr>
+              <a:t>8</a:t>
+            </a:fld>
+            <a:endParaRPr lang="en-US"/>
+          </a:p>
+        </p:txBody>
+      </p:sp>
+      <p:cxnSp>
+        <p:nvCxnSpPr>
+          <p:cNvPr id="1067" name="Straight Connector 1066">
+            <a:extLst>
+              <a:ext uri="{FF2B5EF4-FFF2-40B4-BE49-F238E27FC236}">
+                <a16:creationId xmlns:a16="http://schemas.microsoft.com/office/drawing/2014/main" id="{C49DA8F6-BCC1-4447-B54C-57856834B94B}"/>
+              </a:ext>
+              <a:ext uri="{C183D7F6-B498-43B3-948B-1728B52AA6E4}">
+                <adec:decorative xmlns:adec="http://schemas.microsoft.com/office/drawing/2017/decorative" val="1"/>
+              </a:ext>
+            </a:extLst>
+          </p:cNvPr>
+          <p:cNvCxnSpPr>
+            <a:cxnSpLocks noGrp="1" noRot="1" noChangeAspect="1" noMove="1" noResize="1" noEditPoints="1" noAdjustHandles="1" noChangeArrowheads="1" noChangeShapeType="1"/>
+          </p:cNvCxnSpPr>
+          <p:nvPr>
+            <p:extLst>
+              <p:ext uri="{386F3935-93C4-4BCD-93E2-E3B085C9AB24}">
+                <p16:designElem xmlns:p16="http://schemas.microsoft.com/office/powerpoint/2015/main" val="1"/>
+              </p:ext>
+            </p:extLst>
+          </p:nvPr>
+        </p:nvCxnSpPr>
+        <p:spPr>
+          <a:xfrm>
+            <a:off x="11580162" y="3610394"/>
+            <a:ext cx="0" cy="3238728"/>
+          </a:xfrm>
+          <a:prstGeom prst="line">
+            <a:avLst/>
+          </a:prstGeom>
+          <a:ln w="25400" cap="sq">
+            <a:gradFill flip="none" rotWithShape="1">
+              <a:gsLst>
+                <a:gs pos="0">
+                  <a:schemeClr val="accent2"/>
+                </a:gs>
+                <a:gs pos="100000">
+                  <a:schemeClr val="accent4"/>
+                </a:gs>
+              </a:gsLst>
+              <a:lin ang="16200000" scaled="1"/>
+              <a:tileRect/>
+            </a:gradFill>
+            <a:bevel/>
+          </a:ln>
+        </p:spPr>
+        <p:style>
+          <a:lnRef idx="1">
+            <a:schemeClr val="accent1"/>
+          </a:lnRef>
+          <a:fillRef idx="0">
+            <a:schemeClr val="accent1"/>
+          </a:fillRef>
+          <a:effectRef idx="0">
+            <a:schemeClr val="accent1"/>
+          </a:effectRef>
+          <a:fontRef idx="minor">
+            <a:schemeClr val="tx1"/>
+          </a:fontRef>
+        </p:style>
+      </p:cxnSp>
+      <p:sp>
+        <p:nvSpPr>
+          <p:cNvPr id="14" name="TextBox 13">
+            <a:extLst>
+              <a:ext uri="{FF2B5EF4-FFF2-40B4-BE49-F238E27FC236}">
+                <a16:creationId xmlns:a16="http://schemas.microsoft.com/office/drawing/2014/main" id="{59520ECF-C58C-6F4A-188C-FEB0DAA27EA7}"/>
+              </a:ext>
+            </a:extLst>
+          </p:cNvPr>
+          <p:cNvSpPr txBox="1"/>
+          <p:nvPr/>
+        </p:nvSpPr>
+        <p:spPr>
+          <a:xfrm>
+            <a:off x="305919" y="924880"/>
+            <a:ext cx="11047881" cy="5755422"/>
+          </a:xfrm>
+          <a:prstGeom prst="rect">
+            <a:avLst/>
+          </a:prstGeom>
+          <a:solidFill>
+            <a:schemeClr val="accent4">
+              <a:lumMod val="20000"/>
+              <a:lumOff val="80000"/>
+            </a:schemeClr>
+          </a:solidFill>
+        </p:spPr>
+        <p:txBody>
+          <a:bodyPr wrap="square">
+            <a:spAutoFit/>
+          </a:bodyPr>
+          <a:lstStyle/>
+          <a:p>
+            <a:pPr marL="342900" indent="-342900">
+              <a:buFont typeface="+mj-lt"/>
+              <a:buAutoNum type="arabicPeriod"/>
+            </a:pPr>
+            <a:r>
+              <a:rPr lang="en-US" sz="1600" b="1" dirty="0">
+                <a:solidFill>
+                  <a:schemeClr val="accent2">
+                    <a:lumMod val="75000"/>
+                  </a:schemeClr>
+                </a:solidFill>
+                <a:latin typeface="Courier New" panose="02070309020205020404" pitchFamily="49" charset="0"/>
+                <a:cs typeface="Courier New" panose="02070309020205020404" pitchFamily="49" charset="0"/>
+              </a:rPr>
+              <a:t>Character</a:t>
+            </a:r>
+            <a:r>
+              <a:rPr lang="en-US" sz="1600" b="1" dirty="0">
+                <a:solidFill>
+                  <a:schemeClr val="accent4">
+                    <a:lumMod val="75000"/>
+                  </a:schemeClr>
+                </a:solidFill>
+                <a:latin typeface="Courier New" panose="02070309020205020404" pitchFamily="49" charset="0"/>
+                <a:cs typeface="Courier New" panose="02070309020205020404" pitchFamily="49" charset="0"/>
+              </a:rPr>
+              <a:t> </a:t>
+            </a:r>
+            <a:r>
+              <a:rPr lang="en-US" sz="1600" b="1" dirty="0">
+                <a:latin typeface="Courier New" panose="02070309020205020404" pitchFamily="49" charset="0"/>
+                <a:cs typeface="Courier New" panose="02070309020205020404" pitchFamily="49" charset="0"/>
+              </a:rPr>
+              <a:t>substitutions with “tr”</a:t>
+            </a:r>
+          </a:p>
+          <a:p>
+            <a:pPr lvl="1"/>
+            <a:r>
+              <a:rPr lang="en-US" sz="1600" dirty="0">
+                <a:latin typeface="Courier New" panose="02070309020205020404" pitchFamily="49" charset="0"/>
+                <a:cs typeface="Courier New" panose="02070309020205020404" pitchFamily="49" charset="0"/>
+              </a:rPr>
+              <a:t>echo “</a:t>
+            </a:r>
+            <a:r>
+              <a:rPr lang="en-US" sz="1600" dirty="0" err="1">
+                <a:latin typeface="Courier New" panose="02070309020205020404" pitchFamily="49" charset="0"/>
+                <a:cs typeface="Courier New" panose="02070309020205020404" pitchFamily="49" charset="0"/>
+              </a:rPr>
+              <a:t>ACtGGcAaTT</a:t>
+            </a:r>
+            <a:r>
+              <a:rPr lang="en-US" sz="1600" dirty="0">
+                <a:latin typeface="Courier New" panose="02070309020205020404" pitchFamily="49" charset="0"/>
+                <a:cs typeface="Courier New" panose="02070309020205020404" pitchFamily="49" charset="0"/>
+              </a:rPr>
+              <a:t>” | tr ‘</a:t>
+            </a:r>
+            <a:r>
+              <a:rPr lang="en-US" sz="1600" dirty="0" err="1">
+                <a:latin typeface="Courier New" panose="02070309020205020404" pitchFamily="49" charset="0"/>
+                <a:cs typeface="Courier New" panose="02070309020205020404" pitchFamily="49" charset="0"/>
+              </a:rPr>
+              <a:t>actg</a:t>
+            </a:r>
+            <a:r>
+              <a:rPr lang="en-US" sz="1600" dirty="0">
+                <a:latin typeface="Courier New" panose="02070309020205020404" pitchFamily="49" charset="0"/>
+                <a:cs typeface="Courier New" panose="02070309020205020404" pitchFamily="49" charset="0"/>
+              </a:rPr>
+              <a:t>’ ‘ACTG’	# lower to upper cases</a:t>
+            </a:r>
+          </a:p>
+          <a:p>
+            <a:pPr lvl="1"/>
+            <a:r>
+              <a:rPr lang="en-US" sz="1600" dirty="0">
+                <a:latin typeface="Courier New" panose="02070309020205020404" pitchFamily="49" charset="0"/>
+                <a:cs typeface="Courier New" panose="02070309020205020404" pitchFamily="49" charset="0"/>
+              </a:rPr>
+              <a:t>echo “</a:t>
+            </a:r>
+            <a:r>
+              <a:rPr lang="en-US" sz="1600" dirty="0" err="1">
+                <a:latin typeface="Courier New" panose="02070309020205020404" pitchFamily="49" charset="0"/>
+                <a:cs typeface="Courier New" panose="02070309020205020404" pitchFamily="49" charset="0"/>
+              </a:rPr>
+              <a:t>ACtGGcAaTT</a:t>
+            </a:r>
+            <a:r>
+              <a:rPr lang="en-US" sz="1600" dirty="0">
+                <a:latin typeface="Courier New" panose="02070309020205020404" pitchFamily="49" charset="0"/>
+                <a:cs typeface="Courier New" panose="02070309020205020404" pitchFamily="49" charset="0"/>
+              </a:rPr>
+              <a:t>” | tr 'a-z' 'A-Z'	# same as above</a:t>
+            </a:r>
+          </a:p>
+          <a:p>
+            <a:pPr lvl="1"/>
+            <a:r>
+              <a:rPr lang="en-US" sz="1600" dirty="0">
+                <a:latin typeface="Courier New" panose="02070309020205020404" pitchFamily="49" charset="0"/>
+                <a:cs typeface="Courier New" panose="02070309020205020404" pitchFamily="49" charset="0"/>
+              </a:rPr>
+              <a:t>echo “</a:t>
+            </a:r>
+            <a:r>
+              <a:rPr lang="en-US" sz="1600" dirty="0" err="1">
+                <a:latin typeface="Courier New" panose="02070309020205020404" pitchFamily="49" charset="0"/>
+                <a:cs typeface="Courier New" panose="02070309020205020404" pitchFamily="49" charset="0"/>
+              </a:rPr>
+              <a:t>aaacttGGcaa</a:t>
+            </a:r>
+            <a:r>
+              <a:rPr lang="en-US" sz="1600" dirty="0">
+                <a:latin typeface="Courier New" panose="02070309020205020404" pitchFamily="49" charset="0"/>
+                <a:cs typeface="Courier New" panose="02070309020205020404" pitchFamily="49" charset="0"/>
+              </a:rPr>
+              <a:t>” | tr –d ‘a’   		# delete all ‘a’</a:t>
+            </a:r>
+          </a:p>
+          <a:p>
+            <a:pPr lvl="1"/>
+            <a:r>
+              <a:rPr lang="en-US" sz="1600" dirty="0">
+                <a:latin typeface="Courier New" panose="02070309020205020404" pitchFamily="49" charset="0"/>
+                <a:cs typeface="Courier New" panose="02070309020205020404" pitchFamily="49" charset="0"/>
+              </a:rPr>
+              <a:t>echo “</a:t>
+            </a:r>
+            <a:r>
+              <a:rPr lang="en-US" sz="1600" dirty="0" err="1">
+                <a:latin typeface="Courier New" panose="02070309020205020404" pitchFamily="49" charset="0"/>
+                <a:cs typeface="Courier New" panose="02070309020205020404" pitchFamily="49" charset="0"/>
+              </a:rPr>
+              <a:t>aaacttGGcaa</a:t>
+            </a:r>
+            <a:r>
+              <a:rPr lang="en-US" sz="1600" dirty="0">
+                <a:latin typeface="Courier New" panose="02070309020205020404" pitchFamily="49" charset="0"/>
+                <a:cs typeface="Courier New" panose="02070309020205020404" pitchFamily="49" charset="0"/>
+              </a:rPr>
+              <a:t>” | tr –s ‘a’ 		# squeeze consecutive ‘a’</a:t>
+            </a:r>
+          </a:p>
+          <a:p>
+            <a:pPr marL="342900" indent="-342900">
+              <a:buFont typeface="+mj-lt"/>
+              <a:buAutoNum type="arabicPeriod"/>
+            </a:pPr>
+            <a:r>
+              <a:rPr lang="en-US" sz="1600" b="1" dirty="0">
+                <a:solidFill>
+                  <a:srgbClr val="FF0000"/>
+                </a:solidFill>
+                <a:latin typeface="Courier New" panose="02070309020205020404" pitchFamily="49" charset="0"/>
+                <a:cs typeface="Courier New" panose="02070309020205020404" pitchFamily="49" charset="0"/>
+              </a:rPr>
+              <a:t>Exercise: </a:t>
+            </a:r>
+            <a:r>
+              <a:rPr lang="en-US" sz="1600" b="1" dirty="0">
+                <a:latin typeface="Courier New" panose="02070309020205020404" pitchFamily="49" charset="0"/>
+                <a:cs typeface="Courier New" panose="02070309020205020404" pitchFamily="49" charset="0"/>
+              </a:rPr>
+              <a:t>build a single command for the following tasks</a:t>
+            </a:r>
+          </a:p>
+          <a:p>
+            <a:pPr lvl="1"/>
+            <a:r>
+              <a:rPr lang="en-US" sz="1600" dirty="0">
+                <a:latin typeface="Courier New" panose="02070309020205020404" pitchFamily="49" charset="0"/>
+                <a:cs typeface="Courier New" panose="02070309020205020404" pitchFamily="49" charset="0"/>
+              </a:rPr>
+              <a:t>cd ~/CSB-BIOL425/</a:t>
+            </a:r>
+            <a:r>
+              <a:rPr lang="en-US" sz="1600" dirty="0" err="1">
+                <a:latin typeface="Courier New" panose="02070309020205020404" pitchFamily="49" charset="0"/>
+                <a:cs typeface="Courier New" panose="02070309020205020404" pitchFamily="49" charset="0"/>
+              </a:rPr>
+              <a:t>unix</a:t>
+            </a:r>
+            <a:r>
+              <a:rPr lang="en-US" sz="1600" dirty="0">
+                <a:latin typeface="Courier New" panose="02070309020205020404" pitchFamily="49" charset="0"/>
+                <a:cs typeface="Courier New" panose="02070309020205020404" pitchFamily="49" charset="0"/>
+              </a:rPr>
+              <a:t>/sandbox</a:t>
+            </a:r>
+          </a:p>
+          <a:p>
+            <a:pPr marL="800100" lvl="1" indent="-342900">
+              <a:buFont typeface="+mj-lt"/>
+              <a:buAutoNum type="arabicPeriod"/>
+            </a:pPr>
+            <a:r>
+              <a:rPr lang="en-US" sz="1600" dirty="0">
+                <a:latin typeface="Courier New" panose="02070309020205020404" pitchFamily="49" charset="0"/>
+                <a:cs typeface="Courier New" panose="02070309020205020404" pitchFamily="49" charset="0"/>
+              </a:rPr>
+              <a:t>Remove header from the file “../data/Pacifici2013_data.csv”</a:t>
+            </a:r>
+          </a:p>
+          <a:p>
+            <a:pPr marL="800100" lvl="1" indent="-342900">
+              <a:buFont typeface="+mj-lt"/>
+              <a:buAutoNum type="arabicPeriod"/>
+            </a:pPr>
+            <a:r>
+              <a:rPr lang="en-US" sz="1600" dirty="0">
+                <a:latin typeface="Courier New" panose="02070309020205020404" pitchFamily="49" charset="0"/>
+                <a:cs typeface="Courier New" panose="02070309020205020404" pitchFamily="49" charset="0"/>
+              </a:rPr>
+              <a:t>Select columns 2-6 (Order, Family, Genus, </a:t>
+            </a:r>
+            <a:r>
+              <a:rPr lang="en-US" sz="1600" dirty="0" err="1">
+                <a:latin typeface="Courier New" panose="02070309020205020404" pitchFamily="49" charset="0"/>
+                <a:cs typeface="Courier New" panose="02070309020205020404" pitchFamily="49" charset="0"/>
+              </a:rPr>
+              <a:t>Scientific_name</a:t>
+            </a:r>
+            <a:r>
+              <a:rPr lang="en-US" sz="1600" dirty="0">
+                <a:latin typeface="Courier New" panose="02070309020205020404" pitchFamily="49" charset="0"/>
+                <a:cs typeface="Courier New" panose="02070309020205020404" pitchFamily="49" charset="0"/>
+              </a:rPr>
+              <a:t>, </a:t>
+            </a:r>
+            <a:r>
+              <a:rPr lang="en-US" sz="1600" dirty="0" err="1">
+                <a:latin typeface="Courier New" panose="02070309020205020404" pitchFamily="49" charset="0"/>
+                <a:cs typeface="Courier New" panose="02070309020205020404" pitchFamily="49" charset="0"/>
+              </a:rPr>
+              <a:t>AdultBodyMass_g</a:t>
+            </a:r>
+            <a:r>
+              <a:rPr lang="en-US" sz="1600" dirty="0">
+                <a:latin typeface="Courier New" panose="02070309020205020404" pitchFamily="49" charset="0"/>
+                <a:cs typeface="Courier New" panose="02070309020205020404" pitchFamily="49" charset="0"/>
+              </a:rPr>
+              <a:t>)</a:t>
+            </a:r>
+          </a:p>
+          <a:p>
+            <a:pPr marL="800100" lvl="1" indent="-342900">
+              <a:buFont typeface="+mj-lt"/>
+              <a:buAutoNum type="arabicPeriod"/>
+            </a:pPr>
+            <a:r>
+              <a:rPr lang="en-US" sz="1600" dirty="0">
+                <a:latin typeface="Courier New" panose="02070309020205020404" pitchFamily="49" charset="0"/>
+                <a:cs typeface="Courier New" panose="02070309020205020404" pitchFamily="49" charset="0"/>
+              </a:rPr>
+              <a:t>Substitute ‘:’ with a Tab (“\t”)</a:t>
+            </a:r>
+          </a:p>
+          <a:p>
+            <a:pPr marL="800100" lvl="1" indent="-342900">
+              <a:buFont typeface="+mj-lt"/>
+              <a:buAutoNum type="arabicPeriod"/>
+            </a:pPr>
+            <a:r>
+              <a:rPr lang="en-US" sz="1600" dirty="0">
+                <a:latin typeface="Courier New" panose="02070309020205020404" pitchFamily="49" charset="0"/>
+                <a:cs typeface="Courier New" panose="02070309020205020404" pitchFamily="49" charset="0"/>
+              </a:rPr>
+              <a:t>Sort by body mass, larger values first</a:t>
+            </a:r>
+          </a:p>
+          <a:p>
+            <a:pPr marL="800100" lvl="1" indent="-342900">
+              <a:buFont typeface="+mj-lt"/>
+              <a:buAutoNum type="arabicPeriod"/>
+            </a:pPr>
+            <a:r>
+              <a:rPr lang="en-US" sz="1600" dirty="0">
+                <a:latin typeface="Courier New" panose="02070309020205020404" pitchFamily="49" charset="0"/>
+                <a:cs typeface="Courier New" panose="02070309020205020404" pitchFamily="49" charset="0"/>
+              </a:rPr>
+              <a:t>Save to a file “</a:t>
+            </a:r>
+            <a:r>
+              <a:rPr lang="en-US" sz="1600" dirty="0" err="1">
+                <a:latin typeface="Courier New" panose="02070309020205020404" pitchFamily="49" charset="0"/>
+                <a:cs typeface="Courier New" panose="02070309020205020404" pitchFamily="49" charset="0"/>
+              </a:rPr>
+              <a:t>BodyM.tsv</a:t>
+            </a:r>
+            <a:r>
+              <a:rPr lang="en-US" sz="1600" dirty="0">
+                <a:latin typeface="Courier New" panose="02070309020205020404" pitchFamily="49" charset="0"/>
+                <a:cs typeface="Courier New" panose="02070309020205020404" pitchFamily="49" charset="0"/>
+              </a:rPr>
+              <a:t>”</a:t>
+            </a:r>
+          </a:p>
+          <a:p>
+            <a:pPr marL="342900" indent="-342900">
+              <a:buFont typeface="+mj-lt"/>
+              <a:buAutoNum type="arabicPeriod"/>
+            </a:pPr>
+            <a:r>
+              <a:rPr lang="en-US" sz="1600" b="1" dirty="0">
+                <a:solidFill>
+                  <a:schemeClr val="accent2">
+                    <a:lumMod val="75000"/>
+                  </a:schemeClr>
+                </a:solidFill>
+                <a:latin typeface="Courier New" panose="02070309020205020404" pitchFamily="49" charset="0"/>
+                <a:cs typeface="Courier New" panose="02070309020205020404" pitchFamily="49" charset="0"/>
+              </a:rPr>
+              <a:t>String</a:t>
+            </a:r>
+            <a:r>
+              <a:rPr lang="en-US" sz="1600" b="1" dirty="0">
+                <a:latin typeface="Courier New" panose="02070309020205020404" pitchFamily="49" charset="0"/>
+                <a:cs typeface="Courier New" panose="02070309020205020404" pitchFamily="49" charset="0"/>
+              </a:rPr>
+              <a:t> substitution with “sed”</a:t>
+            </a:r>
+          </a:p>
+          <a:p>
+            <a:pPr lvl="1"/>
+            <a:r>
+              <a:rPr lang="en-US" sz="1600" dirty="0">
+                <a:latin typeface="Courier New" panose="02070309020205020404" pitchFamily="49" charset="0"/>
+                <a:cs typeface="Courier New" panose="02070309020205020404" pitchFamily="49" charset="0"/>
+              </a:rPr>
+              <a:t>cd ~/CSB-BIOL425/</a:t>
+            </a:r>
+            <a:r>
+              <a:rPr lang="en-US" sz="1600" dirty="0" err="1">
+                <a:latin typeface="Courier New" panose="02070309020205020404" pitchFamily="49" charset="0"/>
+                <a:cs typeface="Courier New" panose="02070309020205020404" pitchFamily="49" charset="0"/>
+              </a:rPr>
+              <a:t>unix</a:t>
+            </a:r>
+            <a:r>
+              <a:rPr lang="en-US" sz="1600" dirty="0">
+                <a:latin typeface="Courier New" panose="02070309020205020404" pitchFamily="49" charset="0"/>
+                <a:cs typeface="Courier New" panose="02070309020205020404" pitchFamily="49" charset="0"/>
+              </a:rPr>
+              <a:t>/data</a:t>
+            </a:r>
+          </a:p>
+          <a:p>
+            <a:pPr lvl="1"/>
+            <a:r>
+              <a:rPr lang="en-US" sz="1600" dirty="0">
+                <a:latin typeface="Courier New" panose="02070309020205020404" pitchFamily="49" charset="0"/>
+                <a:cs typeface="Courier New" panose="02070309020205020404" pitchFamily="49" charset="0"/>
+              </a:rPr>
+              <a:t>cat Bb-filelist.txt | sed "</a:t>
+            </a:r>
+            <a:r>
+              <a:rPr lang="en-US" sz="1600" dirty="0">
+                <a:solidFill>
+                  <a:srgbClr val="FF0000"/>
+                </a:solidFill>
+                <a:latin typeface="Courier New" panose="02070309020205020404" pitchFamily="49" charset="0"/>
+                <a:cs typeface="Courier New" panose="02070309020205020404" pitchFamily="49" charset="0"/>
+              </a:rPr>
+              <a:t>s/</a:t>
+            </a:r>
+            <a:r>
+              <a:rPr lang="en-US" sz="1600" dirty="0">
+                <a:latin typeface="Courier New" panose="02070309020205020404" pitchFamily="49" charset="0"/>
+                <a:cs typeface="Courier New" panose="02070309020205020404" pitchFamily="49" charset="0"/>
+              </a:rPr>
+              <a:t>Borreliella</a:t>
+            </a:r>
+            <a:r>
+              <a:rPr lang="en-US" sz="1600" dirty="0">
+                <a:solidFill>
+                  <a:srgbClr val="FF0000"/>
+                </a:solidFill>
+                <a:latin typeface="Courier New" panose="02070309020205020404" pitchFamily="49" charset="0"/>
+                <a:cs typeface="Courier New" panose="02070309020205020404" pitchFamily="49" charset="0"/>
+              </a:rPr>
+              <a:t>/</a:t>
+            </a:r>
+            <a:r>
+              <a:rPr lang="en-US" sz="1600" dirty="0">
+                <a:latin typeface="Courier New" panose="02070309020205020404" pitchFamily="49" charset="0"/>
+                <a:cs typeface="Courier New" panose="02070309020205020404" pitchFamily="49" charset="0"/>
+              </a:rPr>
+              <a:t>Borrelia</a:t>
+            </a:r>
+            <a:r>
+              <a:rPr lang="en-US" sz="1600" dirty="0">
+                <a:solidFill>
+                  <a:srgbClr val="FF0000"/>
+                </a:solidFill>
+                <a:latin typeface="Courier New" panose="02070309020205020404" pitchFamily="49" charset="0"/>
+                <a:cs typeface="Courier New" panose="02070309020205020404" pitchFamily="49" charset="0"/>
+              </a:rPr>
+              <a:t>/</a:t>
+            </a:r>
+            <a:r>
+              <a:rPr lang="en-US" sz="1600" dirty="0">
+                <a:latin typeface="Courier New" panose="02070309020205020404" pitchFamily="49" charset="0"/>
+                <a:cs typeface="Courier New" panose="02070309020205020404" pitchFamily="49" charset="0"/>
+              </a:rPr>
+              <a:t>“	# substitute a word</a:t>
+            </a:r>
+          </a:p>
+          <a:p>
+            <a:pPr lvl="1"/>
+            <a:r>
+              <a:rPr lang="en-US" sz="1600" dirty="0">
+                <a:latin typeface="Courier New" panose="02070309020205020404" pitchFamily="49" charset="0"/>
+                <a:cs typeface="Courier New" panose="02070309020205020404" pitchFamily="49" charset="0"/>
+              </a:rPr>
+              <a:t>cat Bb-filelist.txt | sed "</a:t>
+            </a:r>
+            <a:r>
+              <a:rPr lang="en-US" sz="1600" dirty="0">
+                <a:solidFill>
+                  <a:srgbClr val="FF0000"/>
+                </a:solidFill>
+                <a:latin typeface="Courier New" panose="02070309020205020404" pitchFamily="49" charset="0"/>
+                <a:cs typeface="Courier New" panose="02070309020205020404" pitchFamily="49" charset="0"/>
+              </a:rPr>
+              <a:t>s/</a:t>
+            </a:r>
+            <a:r>
+              <a:rPr lang="en-US" sz="1600" dirty="0">
+                <a:latin typeface="Courier New" panose="02070309020205020404" pitchFamily="49" charset="0"/>
+                <a:cs typeface="Courier New" panose="02070309020205020404" pitchFamily="49" charset="0"/>
+              </a:rPr>
+              <a:t>Borreliella</a:t>
+            </a:r>
+            <a:r>
+              <a:rPr lang="en-US" sz="1600" dirty="0">
+                <a:solidFill>
+                  <a:srgbClr val="FF0000"/>
+                </a:solidFill>
+                <a:latin typeface="Courier New" panose="02070309020205020404" pitchFamily="49" charset="0"/>
+                <a:cs typeface="Courier New" panose="02070309020205020404" pitchFamily="49" charset="0"/>
+              </a:rPr>
+              <a:t>/</a:t>
+            </a:r>
+            <a:r>
+              <a:rPr lang="en-US" sz="1600" dirty="0">
+                <a:latin typeface="Courier New" panose="02070309020205020404" pitchFamily="49" charset="0"/>
+                <a:cs typeface="Courier New" panose="02070309020205020404" pitchFamily="49" charset="0"/>
+              </a:rPr>
+              <a:t>Borrelia</a:t>
+            </a:r>
+            <a:r>
+              <a:rPr lang="en-US" sz="1600" dirty="0">
+                <a:solidFill>
+                  <a:srgbClr val="FF0000"/>
+                </a:solidFill>
+                <a:latin typeface="Courier New" panose="02070309020205020404" pitchFamily="49" charset="0"/>
+                <a:cs typeface="Courier New" panose="02070309020205020404" pitchFamily="49" charset="0"/>
+              </a:rPr>
+              <a:t>/g</a:t>
+            </a:r>
+            <a:r>
+              <a:rPr lang="en-US" sz="1600" dirty="0">
+                <a:latin typeface="Courier New" panose="02070309020205020404" pitchFamily="49" charset="0"/>
+                <a:cs typeface="Courier New" panose="02070309020205020404" pitchFamily="49" charset="0"/>
+              </a:rPr>
+              <a:t>“	# substitute globally</a:t>
+            </a:r>
+          </a:p>
+          <a:p>
+            <a:pPr lvl="1"/>
+            <a:r>
+              <a:rPr lang="en-US" sz="1600" dirty="0">
+                <a:latin typeface="Courier New" panose="02070309020205020404" pitchFamily="49" charset="0"/>
+                <a:cs typeface="Courier New" panose="02070309020205020404" pitchFamily="49" charset="0"/>
+              </a:rPr>
+              <a:t>cat Bb-filelist.txt | sed "</a:t>
+            </a:r>
+            <a:r>
+              <a:rPr lang="en-US" sz="1600" dirty="0">
+                <a:solidFill>
+                  <a:srgbClr val="FF0000"/>
+                </a:solidFill>
+                <a:latin typeface="Courier New" panose="02070309020205020404" pitchFamily="49" charset="0"/>
+                <a:cs typeface="Courier New" panose="02070309020205020404" pitchFamily="49" charset="0"/>
+              </a:rPr>
+              <a:t>s/ </a:t>
+            </a:r>
+            <a:r>
+              <a:rPr lang="en-US" sz="1600" dirty="0">
+                <a:latin typeface="Courier New" panose="02070309020205020404" pitchFamily="49" charset="0"/>
+                <a:cs typeface="Courier New" panose="02070309020205020404" pitchFamily="49" charset="0"/>
+              </a:rPr>
+              <a:t>NCBI </a:t>
+            </a:r>
+            <a:r>
+              <a:rPr lang="en-US" sz="1600" dirty="0">
+                <a:solidFill>
+                  <a:srgbClr val="FF0000"/>
+                </a:solidFill>
+                <a:latin typeface="Courier New" panose="02070309020205020404" pitchFamily="49" charset="0"/>
+                <a:cs typeface="Courier New" panose="02070309020205020404" pitchFamily="49" charset="0"/>
+              </a:rPr>
+              <a:t>//</a:t>
+            </a:r>
+            <a:r>
+              <a:rPr lang="en-US" sz="1600" dirty="0">
+                <a:latin typeface="Courier New" panose="02070309020205020404" pitchFamily="49" charset="0"/>
+                <a:cs typeface="Courier New" panose="02070309020205020404" pitchFamily="49" charset="0"/>
+              </a:rPr>
+              <a:t>“			# remove a string</a:t>
+            </a:r>
+          </a:p>
+          <a:p>
+            <a:pPr marL="342900" indent="-342900">
+              <a:buFont typeface="+mj-lt"/>
+              <a:buAutoNum type="arabicPeriod"/>
+            </a:pPr>
+            <a:r>
+              <a:rPr lang="en-US" sz="1600" b="1" dirty="0">
+                <a:latin typeface="Courier New" panose="02070309020205020404" pitchFamily="49" charset="0"/>
+                <a:cs typeface="Courier New" panose="02070309020205020404" pitchFamily="49" charset="0"/>
+              </a:rPr>
+              <a:t>Use wildcards to process multiple files</a:t>
+            </a:r>
+          </a:p>
+          <a:p>
+            <a:pPr lvl="1"/>
+            <a:r>
+              <a:rPr lang="en-US" sz="1600" dirty="0">
+                <a:latin typeface="Courier New" panose="02070309020205020404" pitchFamily="49" charset="0"/>
+                <a:cs typeface="Courier New" panose="02070309020205020404" pitchFamily="49" charset="0"/>
+              </a:rPr>
+              <a:t>cd ~/CSB-BIOL425/</a:t>
+            </a:r>
+            <a:r>
+              <a:rPr lang="en-US" sz="1600" dirty="0" err="1">
+                <a:latin typeface="Courier New" panose="02070309020205020404" pitchFamily="49" charset="0"/>
+                <a:cs typeface="Courier New" panose="02070309020205020404" pitchFamily="49" charset="0"/>
+              </a:rPr>
+              <a:t>unix</a:t>
+            </a:r>
+            <a:r>
+              <a:rPr lang="en-US" sz="1600" dirty="0">
+                <a:latin typeface="Courier New" panose="02070309020205020404" pitchFamily="49" charset="0"/>
+                <a:cs typeface="Courier New" panose="02070309020205020404" pitchFamily="49" charset="0"/>
+              </a:rPr>
+              <a:t>/data/miRNA</a:t>
+            </a:r>
+          </a:p>
+          <a:p>
+            <a:pPr lvl="1"/>
+            <a:r>
+              <a:rPr lang="en-US" sz="1600" dirty="0" err="1">
+                <a:latin typeface="Courier New" panose="02070309020205020404" pitchFamily="49" charset="0"/>
+                <a:cs typeface="Courier New" panose="02070309020205020404" pitchFamily="49" charset="0"/>
+              </a:rPr>
+              <a:t>wc</a:t>
+            </a:r>
+            <a:r>
+              <a:rPr lang="en-US" sz="1600" dirty="0">
+                <a:latin typeface="Courier New" panose="02070309020205020404" pitchFamily="49" charset="0"/>
+                <a:cs typeface="Courier New" panose="02070309020205020404" pitchFamily="49" charset="0"/>
+              </a:rPr>
+              <a:t> –l *.</a:t>
+            </a:r>
+            <a:r>
+              <a:rPr lang="en-US" sz="1600" dirty="0" err="1">
+                <a:latin typeface="Courier New" panose="02070309020205020404" pitchFamily="49" charset="0"/>
+                <a:cs typeface="Courier New" panose="02070309020205020404" pitchFamily="49" charset="0"/>
+              </a:rPr>
+              <a:t>fasta</a:t>
+            </a:r>
+            <a:r>
+              <a:rPr lang="en-US" sz="1600" dirty="0">
+                <a:latin typeface="Courier New" panose="02070309020205020404" pitchFamily="49" charset="0"/>
+                <a:cs typeface="Courier New" panose="02070309020205020404" pitchFamily="49" charset="0"/>
+              </a:rPr>
+              <a:t>		# count # lines for all “.</a:t>
+            </a:r>
+            <a:r>
+              <a:rPr lang="en-US" sz="1600" dirty="0" err="1">
+                <a:latin typeface="Courier New" panose="02070309020205020404" pitchFamily="49" charset="0"/>
+                <a:cs typeface="Courier New" panose="02070309020205020404" pitchFamily="49" charset="0"/>
+              </a:rPr>
+              <a:t>fasta</a:t>
+            </a:r>
+            <a:r>
+              <a:rPr lang="en-US" sz="1600" dirty="0">
+                <a:latin typeface="Courier New" panose="02070309020205020404" pitchFamily="49" charset="0"/>
+                <a:cs typeface="Courier New" panose="02070309020205020404" pitchFamily="49" charset="0"/>
+              </a:rPr>
+              <a:t>” files</a:t>
+            </a:r>
+          </a:p>
+          <a:p>
+            <a:pPr lvl="1"/>
+            <a:r>
+              <a:rPr lang="en-US" sz="1600" dirty="0">
+                <a:latin typeface="Courier New" panose="02070309020205020404" pitchFamily="49" charset="0"/>
+                <a:cs typeface="Courier New" panose="02070309020205020404" pitchFamily="49" charset="0"/>
+              </a:rPr>
+              <a:t>head –n 2 pp*		# show top two lines for all files starts with “pp”</a:t>
+            </a:r>
+          </a:p>
+          <a:p>
+            <a:pPr lvl="1"/>
+            <a:r>
+              <a:rPr lang="en-US" sz="1600" dirty="0">
+                <a:latin typeface="Courier New" panose="02070309020205020404" pitchFamily="49" charset="0"/>
+                <a:cs typeface="Courier New" panose="02070309020205020404" pitchFamily="49" charset="0"/>
+              </a:rPr>
+              <a:t>file *.???			# find file types for files with 3-letter extensions</a:t>
+            </a:r>
+          </a:p>
+          <a:p>
+            <a:pPr lvl="1"/>
+            <a:r>
+              <a:rPr lang="en-US" sz="1600" b="1" dirty="0">
+                <a:solidFill>
+                  <a:srgbClr val="FF0000"/>
+                </a:solidFill>
+                <a:latin typeface="Courier New" panose="02070309020205020404" pitchFamily="49" charset="0"/>
+                <a:cs typeface="Courier New" panose="02070309020205020404" pitchFamily="49" charset="0"/>
+              </a:rPr>
+              <a:t>Exercise: </a:t>
+            </a:r>
+            <a:r>
+              <a:rPr lang="en-US" sz="1600" dirty="0">
+                <a:latin typeface="Courier New" panose="02070309020205020404" pitchFamily="49" charset="0"/>
+                <a:cs typeface="Courier New" panose="02070309020205020404" pitchFamily="49" charset="0"/>
+              </a:rPr>
+              <a:t>find file type for all FASTA files; remove the string “_</a:t>
+            </a:r>
+            <a:r>
+              <a:rPr lang="en-US" sz="1600" dirty="0" err="1">
+                <a:latin typeface="Courier New" panose="02070309020205020404" pitchFamily="49" charset="0"/>
+                <a:cs typeface="Courier New" panose="02070309020205020404" pitchFamily="49" charset="0"/>
+              </a:rPr>
+              <a:t>miR</a:t>
+            </a:r>
+            <a:r>
+              <a:rPr lang="en-US" sz="1600" dirty="0">
+                <a:latin typeface="Courier New" panose="02070309020205020404" pitchFamily="49" charset="0"/>
+                <a:cs typeface="Courier New" panose="02070309020205020404" pitchFamily="49" charset="0"/>
+              </a:rPr>
+              <a:t>” from each line</a:t>
+            </a:r>
+          </a:p>
+        </p:txBody>
+      </p:sp>
+    </p:spTree>
+    <p:extLst>
+      <p:ext uri="{BB962C8B-B14F-4D97-AF65-F5344CB8AC3E}">
+        <p14:creationId xmlns:p14="http://schemas.microsoft.com/office/powerpoint/2010/main" val="1974418369"/>
+      </p:ext>
+    </p:extLst>
+  </p:cSld>
+  <p:clrMapOvr>
+    <a:masterClrMapping/>
+  </p:clrMapOvr>
+</p:sld>
+</file>
+
+<file path=ppt/slides/slide9.xml><?xml version="1.0" encoding="utf-8"?>
+<p:sld xmlns:a="http://schemas.openxmlformats.org/drawingml/2006/main" xmlns:r="http://schemas.openxmlformats.org/officeDocument/2006/relationships" xmlns:p="http://schemas.openxmlformats.org/presentationml/2006/main">
+  <p:cSld>
+    <p:bg>
+      <p:bgPr>
+        <a:solidFill>
+          <a:schemeClr val="bg1"/>
+        </a:solidFill>
+        <a:effectLst/>
+      </p:bgPr>
+    </p:bg>
+    <p:spTree>
+      <p:nvGrpSpPr>
+        <p:cNvPr id="1" name=""/>
+        <p:cNvGrpSpPr/>
+        <p:nvPr/>
+      </p:nvGrpSpPr>
+      <p:grpSpPr>
+        <a:xfrm>
+          <a:off x="0" y="0"/>
+          <a:ext cx="0" cy="0"/>
+          <a:chOff x="0" y="0"/>
+          <a:chExt cx="0" cy="0"/>
+        </a:xfrm>
+      </p:grpSpPr>
+      <p:cxnSp>
+        <p:nvCxnSpPr>
+          <p:cNvPr id="1057" name="Straight Connector 1056">
+            <a:extLst>
+              <a:ext uri="{FF2B5EF4-FFF2-40B4-BE49-F238E27FC236}">
+                <a16:creationId xmlns:a16="http://schemas.microsoft.com/office/drawing/2014/main" id="{5C05CAAB-DBA2-4548-AD5F-01BB97FBB207}"/>
+              </a:ext>
+              <a:ext uri="{C183D7F6-B498-43B3-948B-1728B52AA6E4}">
+                <adec:decorative xmlns:adec="http://schemas.microsoft.com/office/drawing/2017/decorative" val="1"/>
+              </a:ext>
+            </a:extLst>
+          </p:cNvPr>
+          <p:cNvCxnSpPr>
+            <a:cxnSpLocks noGrp="1" noRot="1" noChangeAspect="1" noMove="1" noResize="1" noEditPoints="1" noAdjustHandles="1" noChangeArrowheads="1" noChangeShapeType="1"/>
+          </p:cNvCxnSpPr>
+          <p:nvPr>
+            <p:extLst>
+              <p:ext uri="{386F3935-93C4-4BCD-93E2-E3B085C9AB24}">
+                <p16:designElem xmlns:p16="http://schemas.microsoft.com/office/powerpoint/2015/main" val="1"/>
+              </p:ext>
+            </p:extLst>
+          </p:nvPr>
+        </p:nvCxnSpPr>
+        <p:spPr>
+          <a:xfrm>
+            <a:off x="715890" y="356812"/>
+            <a:ext cx="0" cy="6492875"/>
+          </a:xfrm>
+          <a:prstGeom prst="line">
+            <a:avLst/>
+          </a:prstGeom>
+          <a:ln w="25400" cap="sq">
+            <a:gradFill flip="none" rotWithShape="1">
+              <a:gsLst>
+                <a:gs pos="0">
+                  <a:schemeClr val="accent2"/>
+                </a:gs>
+                <a:gs pos="100000">
+                  <a:schemeClr val="accent4"/>
+                </a:gs>
+              </a:gsLst>
+              <a:lin ang="16200000" scaled="1"/>
+              <a:tileRect/>
+            </a:gradFill>
+            <a:bevel/>
+          </a:ln>
+        </p:spPr>
+        <p:style>
+          <a:lnRef idx="1">
+            <a:schemeClr val="accent1"/>
+          </a:lnRef>
+          <a:fillRef idx="0">
+            <a:schemeClr val="accent1"/>
+          </a:fillRef>
+          <a:effectRef idx="0">
+            <a:schemeClr val="accent1"/>
+          </a:effectRef>
+          <a:fontRef idx="minor">
+            <a:schemeClr val="tx1"/>
+          </a:fontRef>
+        </p:style>
+      </p:cxnSp>
+      <p:sp useBgFill="1">
+        <p:nvSpPr>
+          <p:cNvPr id="1059" name="Rectangle 1058">
+            <a:extLst>
+              <a:ext uri="{FF2B5EF4-FFF2-40B4-BE49-F238E27FC236}">
+                <a16:creationId xmlns:a16="http://schemas.microsoft.com/office/drawing/2014/main" id="{330C0765-5A38-4A34-880C-9CC4C2E14FBA}"/>
+              </a:ext>
+              <a:ext uri="{C183D7F6-B498-43B3-948B-1728B52AA6E4}">
+                <adec:decorative xmlns:adec="http://schemas.microsoft.com/office/drawing/2017/decorative" val="1"/>
+              </a:ext>
+            </a:extLst>
+          </p:cNvPr>
+          <p:cNvSpPr>
+            <a:spLocks noGrp="1" noRot="1" noChangeAspect="1" noMove="1" noResize="1" noEditPoints="1" noAdjustHandles="1" noChangeArrowheads="1" noChangeShapeType="1" noTextEdit="1"/>
+          </p:cNvSpPr>
+          <p:nvPr>
+            <p:extLst>
+              <p:ext uri="{386F3935-93C4-4BCD-93E2-E3B085C9AB24}">
+                <p16:designElem xmlns:p16="http://schemas.microsoft.com/office/powerpoint/2015/main" val="1"/>
+              </p:ext>
+            </p:extLst>
+          </p:nvPr>
+        </p:nvSpPr>
+        <p:spPr>
+          <a:xfrm>
+            <a:off x="0" y="0"/>
+            <a:ext cx="12192000" cy="6858000"/>
+          </a:xfrm>
+          <a:prstGeom prst="rect">
+            <a:avLst/>
+          </a:prstGeom>
+          <a:ln>
+            <a:noFill/>
+          </a:ln>
+        </p:spPr>
+        <p:style>
+          <a:lnRef idx="2">
+            <a:schemeClr val="accent1">
+              <a:shade val="50000"/>
+            </a:schemeClr>
+          </a:lnRef>
+          <a:fillRef idx="1">
+            <a:schemeClr val="accent1"/>
+          </a:fillRef>
+          <a:effectRef idx="0">
+            <a:schemeClr val="accent1"/>
+          </a:effectRef>
+          <a:fontRef idx="minor">
+            <a:schemeClr val="lt1"/>
+          </a:fontRef>
+        </p:style>
+        <p:txBody>
+          <a:bodyPr rtlCol="0" anchor="ctr"/>
+          <a:lstStyle/>
+          <a:p>
+            <a:pPr algn="ctr"/>
+            <a:endParaRPr lang="en-US"/>
+          </a:p>
+        </p:txBody>
+      </p:sp>
+      <p:sp>
+        <p:nvSpPr>
+          <p:cNvPr id="3" name="Title 2">
+            <a:extLst>
+              <a:ext uri="{FF2B5EF4-FFF2-40B4-BE49-F238E27FC236}">
+                <a16:creationId xmlns:a16="http://schemas.microsoft.com/office/drawing/2014/main" id="{0115FF41-AFA4-4D25-AB42-AB034F4B4FEC}"/>
+              </a:ext>
+            </a:extLst>
+          </p:cNvPr>
+          <p:cNvSpPr>
+            <a:spLocks noGrp="1"/>
+          </p:cNvSpPr>
+          <p:nvPr>
+            <p:ph type="title"/>
+          </p:nvPr>
+        </p:nvSpPr>
+        <p:spPr>
+          <a:xfrm>
+            <a:off x="498768" y="250372"/>
+            <a:ext cx="5412175" cy="692923"/>
+          </a:xfrm>
+        </p:spPr>
+        <p:txBody>
+          <a:bodyPr vert="horz" lIns="91440" tIns="45720" rIns="91440" bIns="45720" rtlCol="0" anchor="b">
+            <a:normAutofit fontScale="90000"/>
+          </a:bodyPr>
+          <a:lstStyle/>
+          <a:p>
+            <a:r>
+              <a:rPr lang="en-US" sz="4000" kern="1200" dirty="0">
+                <a:solidFill>
+                  <a:schemeClr val="tx1"/>
+                </a:solidFill>
+                <a:latin typeface="+mj-lt"/>
+                <a:ea typeface="+mj-ea"/>
+                <a:cs typeface="+mj-cs"/>
+              </a:rPr>
+              <a:t>UNIX Advanced: “</a:t>
+            </a:r>
+            <a:r>
+              <a:rPr lang="en-US" sz="4000" dirty="0"/>
+              <a:t>grep</a:t>
+            </a:r>
+            <a:r>
+              <a:rPr lang="en-US" sz="4000" kern="1200" dirty="0">
+                <a:solidFill>
+                  <a:schemeClr val="tx1"/>
+                </a:solidFill>
+                <a:latin typeface="+mj-lt"/>
+                <a:ea typeface="+mj-ea"/>
+                <a:cs typeface="+mj-cs"/>
+              </a:rPr>
+              <a:t>”</a:t>
+            </a:r>
+          </a:p>
+        </p:txBody>
+      </p:sp>
+      <p:sp>
+        <p:nvSpPr>
+          <p:cNvPr id="1061" name="Graphic 15">
+            <a:extLst>
+              <a:ext uri="{FF2B5EF4-FFF2-40B4-BE49-F238E27FC236}">
+                <a16:creationId xmlns:a16="http://schemas.microsoft.com/office/drawing/2014/main" id="{B7DA268A-F88C-4936-8401-97C8C9861089}"/>
+              </a:ext>
+              <a:ext uri="{C183D7F6-B498-43B3-948B-1728B52AA6E4}">
+                <adec:decorative xmlns:adec="http://schemas.microsoft.com/office/drawing/2017/decorative" val="1"/>
+              </a:ext>
+            </a:extLst>
+          </p:cNvPr>
+          <p:cNvSpPr>
+            <a:spLocks noGrp="1" noRot="1" noChangeAspect="1" noMove="1" noResize="1" noEditPoints="1" noAdjustHandles="1" noChangeArrowheads="1" noChangeShapeType="1" noTextEdit="1"/>
+          </p:cNvSpPr>
+          <p:nvPr>
+            <p:extLst>
+              <p:ext uri="{386F3935-93C4-4BCD-93E2-E3B085C9AB24}">
+                <p16:designElem xmlns:p16="http://schemas.microsoft.com/office/powerpoint/2015/main" val="1"/>
+              </p:ext>
+            </p:extLst>
+          </p:nvPr>
+        </p:nvSpPr>
+        <p:spPr>
+          <a:xfrm>
+            <a:off x="6532938" y="1229685"/>
+            <a:ext cx="139039" cy="139039"/>
+          </a:xfrm>
+          <a:custGeom>
+            <a:avLst/>
+            <a:gdLst>
+              <a:gd name="connsiteX0" fmla="*/ 129602 w 139039"/>
+              <a:gd name="connsiteY0" fmla="*/ 60082 h 139039"/>
+              <a:gd name="connsiteX1" fmla="*/ 78957 w 139039"/>
+              <a:gd name="connsiteY1" fmla="*/ 60082 h 139039"/>
+              <a:gd name="connsiteX2" fmla="*/ 78957 w 139039"/>
+              <a:gd name="connsiteY2" fmla="*/ 9437 h 139039"/>
+              <a:gd name="connsiteX3" fmla="*/ 69520 w 139039"/>
+              <a:gd name="connsiteY3" fmla="*/ 0 h 139039"/>
+              <a:gd name="connsiteX4" fmla="*/ 60082 w 139039"/>
+              <a:gd name="connsiteY4" fmla="*/ 9437 h 139039"/>
+              <a:gd name="connsiteX5" fmla="*/ 60082 w 139039"/>
+              <a:gd name="connsiteY5" fmla="*/ 60082 h 139039"/>
+              <a:gd name="connsiteX6" fmla="*/ 9437 w 139039"/>
+              <a:gd name="connsiteY6" fmla="*/ 60082 h 139039"/>
+              <a:gd name="connsiteX7" fmla="*/ 0 w 139039"/>
+              <a:gd name="connsiteY7" fmla="*/ 69520 h 139039"/>
+              <a:gd name="connsiteX8" fmla="*/ 9437 w 139039"/>
+              <a:gd name="connsiteY8" fmla="*/ 78957 h 139039"/>
+              <a:gd name="connsiteX9" fmla="*/ 60082 w 139039"/>
+              <a:gd name="connsiteY9" fmla="*/ 78957 h 139039"/>
+              <a:gd name="connsiteX10" fmla="*/ 60082 w 139039"/>
+              <a:gd name="connsiteY10" fmla="*/ 129602 h 139039"/>
+              <a:gd name="connsiteX11" fmla="*/ 69520 w 139039"/>
+              <a:gd name="connsiteY11" fmla="*/ 139039 h 139039"/>
+              <a:gd name="connsiteX12" fmla="*/ 78957 w 139039"/>
+              <a:gd name="connsiteY12" fmla="*/ 129602 h 139039"/>
+              <a:gd name="connsiteX13" fmla="*/ 78957 w 139039"/>
+              <a:gd name="connsiteY13" fmla="*/ 78957 h 139039"/>
+              <a:gd name="connsiteX14" fmla="*/ 129602 w 139039"/>
+              <a:gd name="connsiteY14" fmla="*/ 78957 h 139039"/>
+              <a:gd name="connsiteX15" fmla="*/ 139039 w 139039"/>
+              <a:gd name="connsiteY15" fmla="*/ 69520 h 139039"/>
+              <a:gd name="connsiteX16" fmla="*/ 129602 w 139039"/>
+              <a:gd name="connsiteY16" fmla="*/ 60082 h 139039"/>
+            </a:gdLst>
+            <a:ahLst/>
+            <a:cxnLst>
+              <a:cxn ang="0">
+                <a:pos x="connsiteX0" y="connsiteY0"/>
+              </a:cxn>
+              <a:cxn ang="0">
+                <a:pos x="connsiteX1" y="connsiteY1"/>
+              </a:cxn>
+              <a:cxn ang="0">
+                <a:pos x="connsiteX2" y="connsiteY2"/>
+              </a:cxn>
+              <a:cxn ang="0">
+                <a:pos x="connsiteX3" y="connsiteY3"/>
+              </a:cxn>
+              <a:cxn ang="0">
+                <a:pos x="connsiteX4" y="connsiteY4"/>
+              </a:cxn>
+              <a:cxn ang="0">
+                <a:pos x="connsiteX5" y="connsiteY5"/>
+              </a:cxn>
+              <a:cxn ang="0">
+                <a:pos x="connsiteX6" y="connsiteY6"/>
+              </a:cxn>
+              <a:cxn ang="0">
+                <a:pos x="connsiteX7" y="connsiteY7"/>
+              </a:cxn>
+              <a:cxn ang="0">
+                <a:pos x="connsiteX8" y="connsiteY8"/>
+              </a:cxn>
+              <a:cxn ang="0">
+                <a:pos x="connsiteX9" y="connsiteY9"/>
+              </a:cxn>
+              <a:cxn ang="0">
+                <a:pos x="connsiteX10" y="connsiteY10"/>
+              </a:cxn>
+              <a:cxn ang="0">
+                <a:pos x="connsiteX11" y="connsiteY11"/>
+              </a:cxn>
+              <a:cxn ang="0">
+                <a:pos x="connsiteX12" y="connsiteY12"/>
+              </a:cxn>
+              <a:cxn ang="0">
+                <a:pos x="connsiteX13" y="connsiteY13"/>
+              </a:cxn>
+              <a:cxn ang="0">
+                <a:pos x="connsiteX14" y="connsiteY14"/>
+              </a:cxn>
+              <a:cxn ang="0">
+                <a:pos x="connsiteX15" y="connsiteY15"/>
+              </a:cxn>
+              <a:cxn ang="0">
+                <a:pos x="connsiteX16" y="connsiteY16"/>
+              </a:cxn>
+            </a:cxnLst>
+            <a:rect l="l" t="t" r="r" b="b"/>
+            <a:pathLst>
+              <a:path w="139039" h="139039">
+                <a:moveTo>
+                  <a:pt x="129602" y="60082"/>
+                </a:moveTo>
+                <a:lnTo>
+                  <a:pt x="78957" y="60082"/>
+                </a:lnTo>
+                <a:lnTo>
+                  <a:pt x="78957" y="9437"/>
+                </a:lnTo>
+                <a:cubicBezTo>
+                  <a:pt x="78957" y="4225"/>
+                  <a:pt x="74731" y="0"/>
+                  <a:pt x="69520" y="0"/>
+                </a:cubicBezTo>
+                <a:cubicBezTo>
+                  <a:pt x="64308" y="0"/>
+                  <a:pt x="60082" y="4225"/>
+                  <a:pt x="60082" y="9437"/>
+                </a:cubicBezTo>
+                <a:lnTo>
+                  <a:pt x="60082" y="60082"/>
+                </a:lnTo>
+                <a:lnTo>
+                  <a:pt x="9437" y="60082"/>
+                </a:lnTo>
+                <a:cubicBezTo>
+                  <a:pt x="4225" y="60082"/>
+                  <a:pt x="0" y="64308"/>
+                  <a:pt x="0" y="69520"/>
+                </a:cubicBezTo>
+                <a:cubicBezTo>
+                  <a:pt x="0" y="74731"/>
+                  <a:pt x="4225" y="78957"/>
+                  <a:pt x="9437" y="78957"/>
+                </a:cubicBezTo>
+                <a:lnTo>
+                  <a:pt x="60082" y="78957"/>
+                </a:lnTo>
+                <a:lnTo>
+                  <a:pt x="60082" y="129602"/>
+                </a:lnTo>
+                <a:cubicBezTo>
+                  <a:pt x="60082" y="134814"/>
+                  <a:pt x="64308" y="139039"/>
+                  <a:pt x="69520" y="139039"/>
+                </a:cubicBezTo>
+                <a:cubicBezTo>
+                  <a:pt x="74731" y="139039"/>
+                  <a:pt x="78957" y="134814"/>
+                  <a:pt x="78957" y="129602"/>
+                </a:cubicBezTo>
+                <a:lnTo>
+                  <a:pt x="78957" y="78957"/>
+                </a:lnTo>
+                <a:lnTo>
+                  <a:pt x="129602" y="78957"/>
+                </a:lnTo>
+                <a:cubicBezTo>
+                  <a:pt x="134814" y="78957"/>
+                  <a:pt x="139039" y="74731"/>
+                  <a:pt x="139039" y="69520"/>
+                </a:cubicBezTo>
+                <a:cubicBezTo>
+                  <a:pt x="139039" y="64308"/>
+                  <a:pt x="134814" y="60082"/>
+                  <a:pt x="129602" y="60082"/>
+                </a:cubicBezTo>
+                <a:close/>
+              </a:path>
+            </a:pathLst>
+          </a:custGeom>
+          <a:solidFill>
+            <a:schemeClr val="accent2"/>
+          </a:solidFill>
+          <a:ln w="603" cap="flat">
+            <a:noFill/>
+            <a:prstDash val="solid"/>
+            <a:miter/>
+          </a:ln>
+        </p:spPr>
+        <p:txBody>
+          <a:bodyPr rtlCol="0" anchor="ctr"/>
+          <a:lstStyle/>
+          <a:p>
+            <a:endParaRPr lang="en-US"/>
+          </a:p>
+        </p:txBody>
+      </p:sp>
+      <p:sp>
+        <p:nvSpPr>
+          <p:cNvPr id="1063" name="Graphic 14">
+            <a:extLst>
+              <a:ext uri="{FF2B5EF4-FFF2-40B4-BE49-F238E27FC236}">
+                <a16:creationId xmlns:a16="http://schemas.microsoft.com/office/drawing/2014/main" id="{2E48EAB8-CD1C-4BF5-A92C-BA11919E6EDF}"/>
+              </a:ext>
+              <a:ext uri="{C183D7F6-B498-43B3-948B-1728B52AA6E4}">
+                <adec:decorative xmlns:adec="http://schemas.microsoft.com/office/drawing/2017/decorative" val="1"/>
+              </a:ext>
+            </a:extLst>
+          </p:cNvPr>
+          <p:cNvSpPr>
+            <a:spLocks noGrp="1" noRot="1" noChangeAspect="1" noMove="1" noResize="1" noEditPoints="1" noAdjustHandles="1" noChangeArrowheads="1" noChangeShapeType="1" noTextEdit="1"/>
+          </p:cNvSpPr>
+          <p:nvPr>
+            <p:extLst>
+              <p:ext uri="{386F3935-93C4-4BCD-93E2-E3B085C9AB24}">
+                <p16:designElem xmlns:p16="http://schemas.microsoft.com/office/powerpoint/2015/main" val="1"/>
+              </p:ext>
+            </p:extLst>
+          </p:nvPr>
+        </p:nvSpPr>
+        <p:spPr>
+          <a:xfrm>
+            <a:off x="6891718" y="1458980"/>
+            <a:ext cx="91138" cy="91138"/>
+          </a:xfrm>
+          <a:custGeom>
+            <a:avLst/>
+            <a:gdLst>
+              <a:gd name="connsiteX0" fmla="*/ 91138 w 91138"/>
+              <a:gd name="connsiteY0" fmla="*/ 45569 h 91138"/>
+              <a:gd name="connsiteX1" fmla="*/ 45569 w 91138"/>
+              <a:gd name="connsiteY1" fmla="*/ 91138 h 91138"/>
+              <a:gd name="connsiteX2" fmla="*/ 0 w 91138"/>
+              <a:gd name="connsiteY2" fmla="*/ 45569 h 91138"/>
+              <a:gd name="connsiteX3" fmla="*/ 45569 w 91138"/>
+              <a:gd name="connsiteY3" fmla="*/ 0 h 91138"/>
+              <a:gd name="connsiteX4" fmla="*/ 91138 w 91138"/>
+              <a:gd name="connsiteY4" fmla="*/ 45569 h 91138"/>
+            </a:gdLst>
+            <a:ahLst/>
+            <a:cxnLst>
+              <a:cxn ang="0">
+                <a:pos x="connsiteX0" y="connsiteY0"/>
+              </a:cxn>
+              <a:cxn ang="0">
+                <a:pos x="connsiteX1" y="connsiteY1"/>
+              </a:cxn>
+              <a:cxn ang="0">
+                <a:pos x="connsiteX2" y="connsiteY2"/>
+              </a:cxn>
+              <a:cxn ang="0">
+                <a:pos x="connsiteX3" y="connsiteY3"/>
+              </a:cxn>
+              <a:cxn ang="0">
+                <a:pos x="connsiteX4" y="connsiteY4"/>
+              </a:cxn>
+            </a:cxnLst>
+            <a:rect l="l" t="t" r="r" b="b"/>
+            <a:pathLst>
+              <a:path w="91138" h="91138">
+                <a:moveTo>
+                  <a:pt x="91138" y="45569"/>
+                </a:moveTo>
+                <a:cubicBezTo>
+                  <a:pt x="91138" y="70736"/>
+                  <a:pt x="70736" y="91138"/>
+                  <a:pt x="45569" y="91138"/>
+                </a:cubicBezTo>
+                <a:cubicBezTo>
+                  <a:pt x="20402" y="91138"/>
+                  <a:pt x="0" y="70736"/>
+                  <a:pt x="0" y="45569"/>
+                </a:cubicBezTo>
+                <a:cubicBezTo>
+                  <a:pt x="0" y="20402"/>
+                  <a:pt x="20402" y="0"/>
+                  <a:pt x="45569" y="0"/>
+                </a:cubicBezTo>
+                <a:cubicBezTo>
+                  <a:pt x="70736" y="0"/>
+                  <a:pt x="91138" y="20402"/>
+                  <a:pt x="91138" y="45569"/>
+                </a:cubicBezTo>
+                <a:close/>
+              </a:path>
+            </a:pathLst>
+          </a:custGeom>
+          <a:solidFill>
+            <a:schemeClr val="accent2"/>
+          </a:solidFill>
+          <a:ln w="422" cap="flat">
+            <a:noFill/>
+            <a:prstDash val="solid"/>
+            <a:miter/>
+          </a:ln>
+        </p:spPr>
+        <p:txBody>
+          <a:bodyPr rtlCol="0" anchor="ctr"/>
+          <a:lstStyle/>
+          <a:p>
+            <a:endParaRPr lang="en-US"/>
+          </a:p>
+        </p:txBody>
+      </p:sp>
+      <p:sp>
+        <p:nvSpPr>
+          <p:cNvPr id="1065" name="Graphic 16">
+            <a:extLst>
+              <a:ext uri="{FF2B5EF4-FFF2-40B4-BE49-F238E27FC236}">
+                <a16:creationId xmlns:a16="http://schemas.microsoft.com/office/drawing/2014/main" id="{F66F957D-AE64-4187-90D7-B24F1CC27F61}"/>
+              </a:ext>
+              <a:ext uri="{C183D7F6-B498-43B3-948B-1728B52AA6E4}">
+                <adec:decorative xmlns:adec="http://schemas.microsoft.com/office/drawing/2017/decorative" val="1"/>
+              </a:ext>
+            </a:extLst>
+          </p:cNvPr>
+          <p:cNvSpPr>
+            <a:spLocks noGrp="1" noRot="1" noChangeAspect="1" noMove="1" noResize="1" noEditPoints="1" noAdjustHandles="1" noChangeArrowheads="1" noChangeShapeType="1" noTextEdit="1"/>
+          </p:cNvSpPr>
+          <p:nvPr>
+            <p:extLst>
+              <p:ext uri="{386F3935-93C4-4BCD-93E2-E3B085C9AB24}">
+                <p16:designElem xmlns:p16="http://schemas.microsoft.com/office/powerpoint/2015/main" val="1"/>
+              </p:ext>
+            </p:extLst>
+          </p:nvPr>
+        </p:nvSpPr>
+        <p:spPr>
+          <a:xfrm>
+            <a:off x="6517398" y="1974124"/>
+            <a:ext cx="127714" cy="127714"/>
+          </a:xfrm>
+          <a:custGeom>
+            <a:avLst/>
+            <a:gdLst>
+              <a:gd name="connsiteX0" fmla="*/ 63857 w 127714"/>
+              <a:gd name="connsiteY0" fmla="*/ 18874 h 127714"/>
+              <a:gd name="connsiteX1" fmla="*/ 108840 w 127714"/>
+              <a:gd name="connsiteY1" fmla="*/ 63857 h 127714"/>
+              <a:gd name="connsiteX2" fmla="*/ 63857 w 127714"/>
+              <a:gd name="connsiteY2" fmla="*/ 108840 h 127714"/>
+              <a:gd name="connsiteX3" fmla="*/ 18874 w 127714"/>
+              <a:gd name="connsiteY3" fmla="*/ 63857 h 127714"/>
+              <a:gd name="connsiteX4" fmla="*/ 63857 w 127714"/>
+              <a:gd name="connsiteY4" fmla="*/ 18874 h 127714"/>
+              <a:gd name="connsiteX5" fmla="*/ 63857 w 127714"/>
+              <a:gd name="connsiteY5" fmla="*/ 0 h 127714"/>
+              <a:gd name="connsiteX6" fmla="*/ 0 w 127714"/>
+              <a:gd name="connsiteY6" fmla="*/ 63857 h 127714"/>
+              <a:gd name="connsiteX7" fmla="*/ 63857 w 127714"/>
+              <a:gd name="connsiteY7" fmla="*/ 127714 h 127714"/>
+              <a:gd name="connsiteX8" fmla="*/ 127714 w 127714"/>
+              <a:gd name="connsiteY8" fmla="*/ 63857 h 127714"/>
+              <a:gd name="connsiteX9" fmla="*/ 63857 w 127714"/>
+              <a:gd name="connsiteY9" fmla="*/ 0 h 127714"/>
+            </a:gdLst>
+            <a:ahLst/>
+            <a:cxnLst>
+              <a:cxn ang="0">
+                <a:pos x="connsiteX0" y="connsiteY0"/>
+              </a:cxn>
+              <a:cxn ang="0">
+                <a:pos x="connsiteX1" y="connsiteY1"/>
+              </a:cxn>
+              <a:cxn ang="0">
+                <a:pos x="connsiteX2" y="connsiteY2"/>
+              </a:cxn>
+              <a:cxn ang="0">
+                <a:pos x="connsiteX3" y="connsiteY3"/>
+              </a:cxn>
+              <a:cxn ang="0">
+                <a:pos x="connsiteX4" y="connsiteY4"/>
+              </a:cxn>
+              <a:cxn ang="0">
+                <a:pos x="connsiteX5" y="connsiteY5"/>
+              </a:cxn>
+              <a:cxn ang="0">
+                <a:pos x="connsiteX6" y="connsiteY6"/>
+              </a:cxn>
+              <a:cxn ang="0">
+                <a:pos x="connsiteX7" y="connsiteY7"/>
+              </a:cxn>
+              <a:cxn ang="0">
+                <a:pos x="connsiteX8" y="connsiteY8"/>
+              </a:cxn>
+              <a:cxn ang="0">
+                <a:pos x="connsiteX9" y="connsiteY9"/>
+              </a:cxn>
+            </a:cxnLst>
+            <a:rect l="l" t="t" r="r" b="b"/>
+            <a:pathLst>
+              <a:path w="127714" h="127714">
+                <a:moveTo>
+                  <a:pt x="63857" y="18874"/>
+                </a:moveTo>
+                <a:cubicBezTo>
+                  <a:pt x="88700" y="18874"/>
+                  <a:pt x="108840" y="39014"/>
+                  <a:pt x="108840" y="63857"/>
+                </a:cubicBezTo>
+                <a:cubicBezTo>
+                  <a:pt x="108840" y="88700"/>
+                  <a:pt x="88700" y="108840"/>
+                  <a:pt x="63857" y="108840"/>
+                </a:cubicBezTo>
+                <a:cubicBezTo>
+                  <a:pt x="39014" y="108840"/>
+                  <a:pt x="18874" y="88700"/>
+                  <a:pt x="18874" y="63857"/>
+                </a:cubicBezTo>
+                <a:cubicBezTo>
+                  <a:pt x="18898" y="39024"/>
+                  <a:pt x="39024" y="18898"/>
+                  <a:pt x="63857" y="18874"/>
+                </a:cubicBezTo>
+                <a:moveTo>
+                  <a:pt x="63857" y="0"/>
+                </a:moveTo>
+                <a:cubicBezTo>
+                  <a:pt x="28590" y="0"/>
+                  <a:pt x="0" y="28590"/>
+                  <a:pt x="0" y="63857"/>
+                </a:cubicBezTo>
+                <a:cubicBezTo>
+                  <a:pt x="0" y="99124"/>
+                  <a:pt x="28590" y="127714"/>
+                  <a:pt x="63857" y="127714"/>
+                </a:cubicBezTo>
+                <a:cubicBezTo>
+                  <a:pt x="99124" y="127714"/>
+                  <a:pt x="127714" y="99124"/>
+                  <a:pt x="127714" y="63857"/>
+                </a:cubicBezTo>
+                <a:cubicBezTo>
+                  <a:pt x="127714" y="28590"/>
+                  <a:pt x="99124" y="0"/>
+                  <a:pt x="63857" y="0"/>
+                </a:cubicBezTo>
+                <a:close/>
+              </a:path>
+            </a:pathLst>
+          </a:custGeom>
+          <a:solidFill>
+            <a:schemeClr val="accent2"/>
+          </a:solidFill>
+          <a:ln w="610" cap="flat">
+            <a:noFill/>
+            <a:prstDash val="solid"/>
+            <a:miter/>
+          </a:ln>
+        </p:spPr>
+        <p:txBody>
+          <a:bodyPr rtlCol="0" anchor="ctr"/>
+          <a:lstStyle/>
+          <a:p>
+            <a:endParaRPr lang="en-US"/>
+          </a:p>
+        </p:txBody>
+      </p:sp>
+      <p:sp>
+        <p:nvSpPr>
+          <p:cNvPr id="11" name="Slide Number Placeholder 10">
+            <a:extLst>
+              <a:ext uri="{FF2B5EF4-FFF2-40B4-BE49-F238E27FC236}">
+                <a16:creationId xmlns:a16="http://schemas.microsoft.com/office/drawing/2014/main" id="{56AE2454-CE9A-4A6B-AB5A-349E0D967654}"/>
+              </a:ext>
+            </a:extLst>
+          </p:cNvPr>
+          <p:cNvSpPr>
+            <a:spLocks noGrp="1"/>
+          </p:cNvSpPr>
+          <p:nvPr>
+            <p:ph type="sldNum" sz="quarter" idx="12"/>
+          </p:nvPr>
+        </p:nvSpPr>
+        <p:spPr>
+          <a:xfrm>
+            <a:off x="8610600" y="6356350"/>
+            <a:ext cx="2743200" cy="365125"/>
+          </a:xfrm>
+        </p:spPr>
+        <p:txBody>
+          <a:bodyPr vert="horz" lIns="91440" tIns="45720" rIns="91440" bIns="45720" rtlCol="0" anchor="ctr">
+            <a:normAutofit/>
+          </a:bodyPr>
+          <a:lstStyle/>
+          <a:p>
+            <a:pPr>
+              <a:spcAft>
+                <a:spcPts val="600"/>
+              </a:spcAft>
+            </a:pPr>
+            <a:fld id="{D8DA9DAA-006C-4F4B-980E-E3DF019B24E2}" type="slidenum">
+              <a:rPr lang="en-US" smtClean="0"/>
+              <a:pPr>
+                <a:spcAft>
+                  <a:spcPts val="600"/>
+                </a:spcAft>
+              </a:pPr>
+              <a:t>9</a:t>
+            </a:fld>
+            <a:endParaRPr lang="en-US"/>
+          </a:p>
+        </p:txBody>
+      </p:sp>
+      <p:cxnSp>
+        <p:nvCxnSpPr>
+          <p:cNvPr id="1067" name="Straight Connector 1066">
+            <a:extLst>
+              <a:ext uri="{FF2B5EF4-FFF2-40B4-BE49-F238E27FC236}">
+                <a16:creationId xmlns:a16="http://schemas.microsoft.com/office/drawing/2014/main" id="{C49DA8F6-BCC1-4447-B54C-57856834B94B}"/>
+              </a:ext>
+              <a:ext uri="{C183D7F6-B498-43B3-948B-1728B52AA6E4}">
+                <adec:decorative xmlns:adec="http://schemas.microsoft.com/office/drawing/2017/decorative" val="1"/>
+              </a:ext>
+            </a:extLst>
+          </p:cNvPr>
+          <p:cNvCxnSpPr>
+            <a:cxnSpLocks noGrp="1" noRot="1" noChangeAspect="1" noMove="1" noResize="1" noEditPoints="1" noAdjustHandles="1" noChangeArrowheads="1" noChangeShapeType="1"/>
+          </p:cNvCxnSpPr>
+          <p:nvPr>
+            <p:extLst>
+              <p:ext uri="{386F3935-93C4-4BCD-93E2-E3B085C9AB24}">
+                <p16:designElem xmlns:p16="http://schemas.microsoft.com/office/powerpoint/2015/main" val="1"/>
+              </p:ext>
+            </p:extLst>
+          </p:nvPr>
+        </p:nvCxnSpPr>
+        <p:spPr>
+          <a:xfrm>
+            <a:off x="11580162" y="3610394"/>
+            <a:ext cx="0" cy="3238728"/>
+          </a:xfrm>
+          <a:prstGeom prst="line">
+            <a:avLst/>
+          </a:prstGeom>
+          <a:ln w="25400" cap="sq">
+            <a:gradFill flip="none" rotWithShape="1">
+              <a:gsLst>
+                <a:gs pos="0">
+                  <a:schemeClr val="accent2"/>
+                </a:gs>
+                <a:gs pos="100000">
+                  <a:schemeClr val="accent4"/>
+                </a:gs>
+              </a:gsLst>
+              <a:lin ang="16200000" scaled="1"/>
+              <a:tileRect/>
+            </a:gradFill>
+            <a:bevel/>
+          </a:ln>
+        </p:spPr>
+        <p:style>
+          <a:lnRef idx="1">
+            <a:schemeClr val="accent1"/>
+          </a:lnRef>
+          <a:fillRef idx="0">
+            <a:schemeClr val="accent1"/>
+          </a:fillRef>
+          <a:effectRef idx="0">
+            <a:schemeClr val="accent1"/>
+          </a:effectRef>
+          <a:fontRef idx="minor">
+            <a:schemeClr val="tx1"/>
+          </a:fontRef>
+        </p:style>
+      </p:cxnSp>
+      <p:sp>
+        <p:nvSpPr>
+          <p:cNvPr id="14" name="TextBox 13">
+            <a:extLst>
+              <a:ext uri="{FF2B5EF4-FFF2-40B4-BE49-F238E27FC236}">
+                <a16:creationId xmlns:a16="http://schemas.microsoft.com/office/drawing/2014/main" id="{59520ECF-C58C-6F4A-188C-FEB0DAA27EA7}"/>
+              </a:ext>
+            </a:extLst>
+          </p:cNvPr>
+          <p:cNvSpPr txBox="1"/>
+          <p:nvPr/>
+        </p:nvSpPr>
+        <p:spPr>
+          <a:xfrm>
+            <a:off x="305919" y="1033738"/>
+            <a:ext cx="11580161" cy="2308324"/>
+          </a:xfrm>
+          <a:prstGeom prst="rect">
+            <a:avLst/>
+          </a:prstGeom>
+          <a:solidFill>
+            <a:schemeClr val="accent4">
+              <a:lumMod val="20000"/>
+              <a:lumOff val="80000"/>
+            </a:schemeClr>
+          </a:solidFill>
+        </p:spPr>
+        <p:txBody>
+          <a:bodyPr wrap="square">
+            <a:spAutoFit/>
+          </a:bodyPr>
+          <a:lstStyle/>
+          <a:p>
+            <a:pPr lvl="1"/>
+            <a:r>
+              <a:rPr lang="en-US" sz="1600" dirty="0">
+                <a:latin typeface="Courier New" panose="02070309020205020404" pitchFamily="49" charset="0"/>
+                <a:cs typeface="Courier New" panose="02070309020205020404" pitchFamily="49" charset="0"/>
+              </a:rPr>
+              <a:t>cd ~/CSB-BIOL425/</a:t>
+            </a:r>
+            <a:r>
+              <a:rPr lang="en-US" sz="1600" dirty="0" err="1">
+                <a:latin typeface="Courier New" panose="02070309020205020404" pitchFamily="49" charset="0"/>
+                <a:cs typeface="Courier New" panose="02070309020205020404" pitchFamily="49" charset="0"/>
+              </a:rPr>
+              <a:t>unix</a:t>
+            </a:r>
+            <a:r>
+              <a:rPr lang="en-US" sz="1600" dirty="0">
+                <a:latin typeface="Courier New" panose="02070309020205020404" pitchFamily="49" charset="0"/>
+                <a:cs typeface="Courier New" panose="02070309020205020404" pitchFamily="49" charset="0"/>
+              </a:rPr>
+              <a:t>/sandbox</a:t>
+            </a:r>
+          </a:p>
+          <a:p>
+            <a:pPr lvl="1"/>
+            <a:r>
+              <a:rPr lang="en-US" sz="1600" dirty="0">
+                <a:latin typeface="Courier New" panose="02070309020205020404" pitchFamily="49" charset="0"/>
+                <a:cs typeface="Courier New" panose="02070309020205020404" pitchFamily="49" charset="0"/>
+              </a:rPr>
+              <a:t>grep “</a:t>
+            </a:r>
+            <a:r>
+              <a:rPr lang="en-US" sz="1600" dirty="0" err="1">
+                <a:latin typeface="Courier New" panose="02070309020205020404" pitchFamily="49" charset="0"/>
+                <a:cs typeface="Courier New" panose="02070309020205020404" pitchFamily="49" charset="0"/>
+              </a:rPr>
+              <a:t>Vombatidae</a:t>
+            </a:r>
+            <a:r>
+              <a:rPr lang="en-US" sz="1600" dirty="0">
+                <a:latin typeface="Courier New" panose="02070309020205020404" pitchFamily="49" charset="0"/>
+                <a:cs typeface="Courier New" panose="02070309020205020404" pitchFamily="49" charset="0"/>
+              </a:rPr>
+              <a:t>” </a:t>
+            </a:r>
+            <a:r>
+              <a:rPr lang="en-US" sz="1600" dirty="0" err="1">
+                <a:latin typeface="Courier New" panose="02070309020205020404" pitchFamily="49" charset="0"/>
+                <a:cs typeface="Courier New" panose="02070309020205020404" pitchFamily="49" charset="0"/>
+              </a:rPr>
+              <a:t>BodyM.tsv</a:t>
+            </a:r>
+            <a:r>
+              <a:rPr lang="en-US" sz="1600" dirty="0">
+                <a:latin typeface="Courier New" panose="02070309020205020404" pitchFamily="49" charset="0"/>
+                <a:cs typeface="Courier New" panose="02070309020205020404" pitchFamily="49" charset="0"/>
+              </a:rPr>
+              <a:t>			# filter lines containing a term</a:t>
+            </a:r>
+          </a:p>
+          <a:p>
+            <a:pPr lvl="1"/>
+            <a:r>
+              <a:rPr lang="en-US" sz="1600" dirty="0">
+                <a:latin typeface="Courier New" panose="02070309020205020404" pitchFamily="49" charset="0"/>
+                <a:cs typeface="Courier New" panose="02070309020205020404" pitchFamily="49" charset="0"/>
+              </a:rPr>
+              <a:t>grep </a:t>
+            </a:r>
+            <a:r>
+              <a:rPr lang="en-US" sz="1600" dirty="0">
+                <a:solidFill>
+                  <a:srgbClr val="FF0000"/>
+                </a:solidFill>
+                <a:latin typeface="Courier New" panose="02070309020205020404" pitchFamily="49" charset="0"/>
+                <a:cs typeface="Courier New" panose="02070309020205020404" pitchFamily="49" charset="0"/>
+              </a:rPr>
+              <a:t>–c</a:t>
+            </a:r>
+            <a:r>
+              <a:rPr lang="en-US" sz="1600" dirty="0">
+                <a:latin typeface="Courier New" panose="02070309020205020404" pitchFamily="49" charset="0"/>
+                <a:cs typeface="Courier New" panose="02070309020205020404" pitchFamily="49" charset="0"/>
+              </a:rPr>
+              <a:t> “</a:t>
+            </a:r>
+            <a:r>
+              <a:rPr lang="en-US" sz="1600" dirty="0" err="1">
+                <a:latin typeface="Courier New" panose="02070309020205020404" pitchFamily="49" charset="0"/>
+                <a:cs typeface="Courier New" panose="02070309020205020404" pitchFamily="49" charset="0"/>
+              </a:rPr>
+              <a:t>Vombatidae</a:t>
+            </a:r>
+            <a:r>
+              <a:rPr lang="en-US" sz="1600" dirty="0">
+                <a:latin typeface="Courier New" panose="02070309020205020404" pitchFamily="49" charset="0"/>
+                <a:cs typeface="Courier New" panose="02070309020205020404" pitchFamily="49" charset="0"/>
+              </a:rPr>
+              <a:t>” </a:t>
+            </a:r>
+            <a:r>
+              <a:rPr lang="en-US" sz="1600" dirty="0" err="1">
+                <a:latin typeface="Courier New" panose="02070309020205020404" pitchFamily="49" charset="0"/>
+                <a:cs typeface="Courier New" panose="02070309020205020404" pitchFamily="49" charset="0"/>
+              </a:rPr>
+              <a:t>BodyM.tsv</a:t>
+            </a:r>
+            <a:r>
+              <a:rPr lang="en-US" sz="1600" dirty="0">
+                <a:latin typeface="Courier New" panose="02070309020205020404" pitchFamily="49" charset="0"/>
+                <a:cs typeface="Courier New" panose="02070309020205020404" pitchFamily="49" charset="0"/>
+              </a:rPr>
+              <a:t> 			# </a:t>
+            </a:r>
+            <a:r>
+              <a:rPr lang="en-US" sz="1600" dirty="0">
+                <a:solidFill>
+                  <a:schemeClr val="accent5"/>
+                </a:solidFill>
+                <a:latin typeface="Courier New" panose="02070309020205020404" pitchFamily="49" charset="0"/>
+                <a:cs typeface="Courier New" panose="02070309020205020404" pitchFamily="49" charset="0"/>
+              </a:rPr>
+              <a:t>count</a:t>
+            </a:r>
+            <a:r>
+              <a:rPr lang="en-US" sz="1600" dirty="0">
+                <a:latin typeface="Courier New" panose="02070309020205020404" pitchFamily="49" charset="0"/>
+                <a:cs typeface="Courier New" panose="02070309020205020404" pitchFamily="49" charset="0"/>
+              </a:rPr>
+              <a:t> # of lines containing term</a:t>
+            </a:r>
+          </a:p>
+          <a:p>
+            <a:pPr lvl="1"/>
+            <a:r>
+              <a:rPr lang="en-US" sz="1600" dirty="0">
+                <a:latin typeface="Courier New" panose="02070309020205020404" pitchFamily="49" charset="0"/>
+                <a:cs typeface="Courier New" panose="02070309020205020404" pitchFamily="49" charset="0"/>
+              </a:rPr>
+              <a:t>grep </a:t>
+            </a:r>
+            <a:r>
+              <a:rPr lang="en-US" sz="1600" dirty="0">
+                <a:solidFill>
+                  <a:srgbClr val="FF0000"/>
+                </a:solidFill>
+                <a:latin typeface="Courier New" panose="02070309020205020404" pitchFamily="49" charset="0"/>
+                <a:cs typeface="Courier New" panose="02070309020205020404" pitchFamily="49" charset="0"/>
+              </a:rPr>
+              <a:t>–w </a:t>
+            </a:r>
+            <a:r>
+              <a:rPr lang="en-US" sz="1600" dirty="0">
+                <a:latin typeface="Courier New" panose="02070309020205020404" pitchFamily="49" charset="0"/>
+                <a:cs typeface="Courier New" panose="02070309020205020404" pitchFamily="49" charset="0"/>
+              </a:rPr>
+              <a:t>“Bos” </a:t>
+            </a:r>
+            <a:r>
+              <a:rPr lang="en-US" sz="1600" dirty="0" err="1">
+                <a:latin typeface="Courier New" panose="02070309020205020404" pitchFamily="49" charset="0"/>
+                <a:cs typeface="Courier New" panose="02070309020205020404" pitchFamily="49" charset="0"/>
+              </a:rPr>
+              <a:t>BodyM.tsv</a:t>
+            </a:r>
+            <a:r>
+              <a:rPr lang="en-US" sz="1600" dirty="0">
+                <a:latin typeface="Courier New" panose="02070309020205020404" pitchFamily="49" charset="0"/>
+                <a:cs typeface="Courier New" panose="02070309020205020404" pitchFamily="49" charset="0"/>
+              </a:rPr>
+              <a:t>				# match only a full </a:t>
+            </a:r>
+            <a:r>
+              <a:rPr lang="en-US" sz="1600" dirty="0">
+                <a:solidFill>
+                  <a:schemeClr val="accent5"/>
+                </a:solidFill>
+                <a:latin typeface="Courier New" panose="02070309020205020404" pitchFamily="49" charset="0"/>
+                <a:cs typeface="Courier New" panose="02070309020205020404" pitchFamily="49" charset="0"/>
+              </a:rPr>
+              <a:t>word</a:t>
+            </a:r>
+          </a:p>
+          <a:p>
+            <a:pPr lvl="1"/>
+            <a:r>
+              <a:rPr lang="en-US" sz="1600" dirty="0">
+                <a:latin typeface="Courier New" panose="02070309020205020404" pitchFamily="49" charset="0"/>
+                <a:cs typeface="Courier New" panose="02070309020205020404" pitchFamily="49" charset="0"/>
+              </a:rPr>
+              <a:t>grep </a:t>
+            </a:r>
+            <a:r>
+              <a:rPr lang="en-US" sz="1600" dirty="0">
+                <a:solidFill>
+                  <a:srgbClr val="FF0000"/>
+                </a:solidFill>
+                <a:latin typeface="Courier New" panose="02070309020205020404" pitchFamily="49" charset="0"/>
+                <a:cs typeface="Courier New" panose="02070309020205020404" pitchFamily="49" charset="0"/>
+              </a:rPr>
+              <a:t>–</a:t>
+            </a:r>
+            <a:r>
+              <a:rPr lang="en-US" sz="1600" dirty="0" err="1">
+                <a:solidFill>
+                  <a:srgbClr val="FF0000"/>
+                </a:solidFill>
+                <a:latin typeface="Courier New" panose="02070309020205020404" pitchFamily="49" charset="0"/>
+                <a:cs typeface="Courier New" panose="02070309020205020404" pitchFamily="49" charset="0"/>
+              </a:rPr>
+              <a:t>i</a:t>
+            </a:r>
+            <a:r>
+              <a:rPr lang="en-US" sz="1600" dirty="0">
+                <a:solidFill>
+                  <a:srgbClr val="FF0000"/>
+                </a:solidFill>
+                <a:latin typeface="Courier New" panose="02070309020205020404" pitchFamily="49" charset="0"/>
+                <a:cs typeface="Courier New" panose="02070309020205020404" pitchFamily="49" charset="0"/>
+              </a:rPr>
+              <a:t> </a:t>
+            </a:r>
+            <a:r>
+              <a:rPr lang="en-US" sz="1600" dirty="0">
+                <a:latin typeface="Courier New" panose="02070309020205020404" pitchFamily="49" charset="0"/>
+                <a:cs typeface="Courier New" panose="02070309020205020404" pitchFamily="49" charset="0"/>
+              </a:rPr>
+              <a:t>“Bos” </a:t>
+            </a:r>
+            <a:r>
+              <a:rPr lang="en-US" sz="1600" dirty="0" err="1">
+                <a:latin typeface="Courier New" panose="02070309020205020404" pitchFamily="49" charset="0"/>
+                <a:cs typeface="Courier New" panose="02070309020205020404" pitchFamily="49" charset="0"/>
+              </a:rPr>
+              <a:t>BodyM.tsv</a:t>
+            </a:r>
+            <a:r>
+              <a:rPr lang="en-US" sz="1600" dirty="0">
+                <a:latin typeface="Courier New" panose="02070309020205020404" pitchFamily="49" charset="0"/>
+                <a:cs typeface="Courier New" panose="02070309020205020404" pitchFamily="49" charset="0"/>
+              </a:rPr>
+              <a:t> 				# case-</a:t>
+            </a:r>
+            <a:r>
+              <a:rPr lang="en-US" sz="1600" dirty="0">
+                <a:solidFill>
+                  <a:schemeClr val="accent5"/>
+                </a:solidFill>
+                <a:latin typeface="Courier New" panose="02070309020205020404" pitchFamily="49" charset="0"/>
+                <a:cs typeface="Courier New" panose="02070309020205020404" pitchFamily="49" charset="0"/>
+              </a:rPr>
+              <a:t>insensitive</a:t>
+            </a:r>
+            <a:r>
+              <a:rPr lang="en-US" sz="1600" dirty="0">
+                <a:latin typeface="Courier New" panose="02070309020205020404" pitchFamily="49" charset="0"/>
+                <a:cs typeface="Courier New" panose="02070309020205020404" pitchFamily="49" charset="0"/>
+              </a:rPr>
+              <a:t> match</a:t>
+            </a:r>
+          </a:p>
+          <a:p>
+            <a:pPr lvl="1"/>
+            <a:r>
+              <a:rPr lang="en-US" sz="1600" dirty="0">
+                <a:latin typeface="Courier New" panose="02070309020205020404" pitchFamily="49" charset="0"/>
+                <a:cs typeface="Courier New" panose="02070309020205020404" pitchFamily="49" charset="0"/>
+              </a:rPr>
+              <a:t>grep </a:t>
+            </a:r>
+            <a:r>
+              <a:rPr lang="en-US" sz="1600" dirty="0">
+                <a:solidFill>
+                  <a:srgbClr val="FF0000"/>
+                </a:solidFill>
+                <a:latin typeface="Courier New" panose="02070309020205020404" pitchFamily="49" charset="0"/>
+                <a:cs typeface="Courier New" panose="02070309020205020404" pitchFamily="49" charset="0"/>
+              </a:rPr>
+              <a:t>-B </a:t>
+            </a:r>
+            <a:r>
+              <a:rPr lang="en-US" sz="1600" dirty="0">
+                <a:latin typeface="Courier New" panose="02070309020205020404" pitchFamily="49" charset="0"/>
+                <a:cs typeface="Courier New" panose="02070309020205020404" pitchFamily="49" charset="0"/>
+              </a:rPr>
+              <a:t>2 </a:t>
+            </a:r>
+            <a:r>
+              <a:rPr lang="en-US" sz="1600" dirty="0">
+                <a:solidFill>
+                  <a:srgbClr val="FF0000"/>
+                </a:solidFill>
+                <a:latin typeface="Courier New" panose="02070309020205020404" pitchFamily="49" charset="0"/>
+                <a:cs typeface="Courier New" panose="02070309020205020404" pitchFamily="49" charset="0"/>
+              </a:rPr>
+              <a:t>-A </a:t>
+            </a:r>
+            <a:r>
+              <a:rPr lang="en-US" sz="1600" dirty="0">
+                <a:latin typeface="Courier New" panose="02070309020205020404" pitchFamily="49" charset="0"/>
+                <a:cs typeface="Courier New" panose="02070309020205020404" pitchFamily="49" charset="0"/>
+              </a:rPr>
+              <a:t>2 "Gorilla </a:t>
+            </a:r>
+            <a:r>
+              <a:rPr lang="en-US" sz="1600" dirty="0" err="1">
+                <a:latin typeface="Courier New" panose="02070309020205020404" pitchFamily="49" charset="0"/>
+                <a:cs typeface="Courier New" panose="02070309020205020404" pitchFamily="49" charset="0"/>
+              </a:rPr>
+              <a:t>gorilla</a:t>
+            </a:r>
+            <a:r>
+              <a:rPr lang="en-US" sz="1600" dirty="0">
+                <a:latin typeface="Courier New" panose="02070309020205020404" pitchFamily="49" charset="0"/>
+                <a:cs typeface="Courier New" panose="02070309020205020404" pitchFamily="49" charset="0"/>
+              </a:rPr>
+              <a:t>" </a:t>
+            </a:r>
+            <a:r>
+              <a:rPr lang="en-US" sz="1600" dirty="0" err="1">
+                <a:latin typeface="Courier New" panose="02070309020205020404" pitchFamily="49" charset="0"/>
+                <a:cs typeface="Courier New" panose="02070309020205020404" pitchFamily="49" charset="0"/>
+              </a:rPr>
+              <a:t>BodyM.tsv</a:t>
+            </a:r>
+            <a:r>
+              <a:rPr lang="en-US" sz="1600" dirty="0">
+                <a:latin typeface="Courier New" panose="02070309020205020404" pitchFamily="49" charset="0"/>
+                <a:cs typeface="Courier New" panose="02070309020205020404" pitchFamily="49" charset="0"/>
+              </a:rPr>
+              <a:t>	# include two lines </a:t>
+            </a:r>
+            <a:r>
+              <a:rPr lang="en-US" sz="1600" dirty="0">
+                <a:solidFill>
+                  <a:schemeClr val="accent5"/>
+                </a:solidFill>
+                <a:latin typeface="Courier New" panose="02070309020205020404" pitchFamily="49" charset="0"/>
+                <a:cs typeface="Courier New" panose="02070309020205020404" pitchFamily="49" charset="0"/>
+              </a:rPr>
+              <a:t>before</a:t>
+            </a:r>
+            <a:r>
+              <a:rPr lang="en-US" sz="1600" dirty="0">
+                <a:latin typeface="Courier New" panose="02070309020205020404" pitchFamily="49" charset="0"/>
+                <a:cs typeface="Courier New" panose="02070309020205020404" pitchFamily="49" charset="0"/>
+              </a:rPr>
+              <a:t> and </a:t>
+            </a:r>
+            <a:r>
+              <a:rPr lang="en-US" sz="1600" dirty="0">
+                <a:solidFill>
+                  <a:schemeClr val="accent5"/>
+                </a:solidFill>
+                <a:latin typeface="Courier New" panose="02070309020205020404" pitchFamily="49" charset="0"/>
+                <a:cs typeface="Courier New" panose="02070309020205020404" pitchFamily="49" charset="0"/>
+              </a:rPr>
+              <a:t>after</a:t>
+            </a:r>
+          </a:p>
+          <a:p>
+            <a:pPr lvl="1"/>
+            <a:r>
+              <a:rPr lang="sv-SE" sz="1600" dirty="0">
+                <a:latin typeface="Courier New" panose="02070309020205020404" pitchFamily="49" charset="0"/>
+                <a:cs typeface="Courier New" panose="02070309020205020404" pitchFamily="49" charset="0"/>
+              </a:rPr>
+              <a:t>grep </a:t>
+            </a:r>
+            <a:r>
+              <a:rPr lang="sv-SE" sz="1600" dirty="0">
+                <a:solidFill>
+                  <a:srgbClr val="FF0000"/>
+                </a:solidFill>
+                <a:latin typeface="Courier New" panose="02070309020205020404" pitchFamily="49" charset="0"/>
+                <a:cs typeface="Courier New" panose="02070309020205020404" pitchFamily="49" charset="0"/>
+              </a:rPr>
+              <a:t>-n </a:t>
+            </a:r>
+            <a:r>
+              <a:rPr lang="sv-SE" sz="1600" dirty="0">
+                <a:latin typeface="Courier New" panose="02070309020205020404" pitchFamily="49" charset="0"/>
+                <a:cs typeface="Courier New" panose="02070309020205020404" pitchFamily="49" charset="0"/>
+              </a:rPr>
+              <a:t>"Gorilla gorilla" BodyM.tsv</a:t>
+            </a:r>
+            <a:r>
+              <a:rPr lang="en-US" sz="1600" dirty="0">
+                <a:latin typeface="Courier New" panose="02070309020205020404" pitchFamily="49" charset="0"/>
+                <a:cs typeface="Courier New" panose="02070309020205020404" pitchFamily="49" charset="0"/>
+              </a:rPr>
+              <a:t>		# show line </a:t>
+            </a:r>
+            <a:r>
+              <a:rPr lang="en-US" sz="1600" dirty="0">
+                <a:solidFill>
+                  <a:schemeClr val="accent5"/>
+                </a:solidFill>
+                <a:latin typeface="Courier New" panose="02070309020205020404" pitchFamily="49" charset="0"/>
+                <a:cs typeface="Courier New" panose="02070309020205020404" pitchFamily="49" charset="0"/>
+              </a:rPr>
+              <a:t>number</a:t>
+            </a:r>
+            <a:r>
+              <a:rPr lang="en-US" sz="1600" dirty="0">
+                <a:latin typeface="Courier New" panose="02070309020205020404" pitchFamily="49" charset="0"/>
+                <a:cs typeface="Courier New" panose="02070309020205020404" pitchFamily="49" charset="0"/>
+              </a:rPr>
+              <a:t> of the match</a:t>
+            </a:r>
+          </a:p>
+          <a:p>
+            <a:pPr lvl="1"/>
+            <a:r>
+              <a:rPr lang="en-US" sz="1600" dirty="0">
+                <a:latin typeface="Courier New" panose="02070309020205020404" pitchFamily="49" charset="0"/>
+                <a:cs typeface="Courier New" panose="02070309020205020404" pitchFamily="49" charset="0"/>
+              </a:rPr>
+              <a:t>grep Gorilla </a:t>
+            </a:r>
+            <a:r>
+              <a:rPr lang="en-US" sz="1600" dirty="0" err="1">
+                <a:latin typeface="Courier New" panose="02070309020205020404" pitchFamily="49" charset="0"/>
+                <a:cs typeface="Courier New" panose="02070309020205020404" pitchFamily="49" charset="0"/>
+              </a:rPr>
+              <a:t>BodyM.tsv</a:t>
+            </a:r>
+            <a:r>
+              <a:rPr lang="en-US" sz="1600" dirty="0">
+                <a:latin typeface="Courier New" panose="02070309020205020404" pitchFamily="49" charset="0"/>
+                <a:cs typeface="Courier New" panose="02070309020205020404" pitchFamily="49" charset="0"/>
+              </a:rPr>
+              <a:t> | grep </a:t>
+            </a:r>
+            <a:r>
+              <a:rPr lang="en-US" sz="1600" dirty="0">
+                <a:solidFill>
+                  <a:srgbClr val="FF0000"/>
+                </a:solidFill>
+                <a:latin typeface="Courier New" panose="02070309020205020404" pitchFamily="49" charset="0"/>
+                <a:cs typeface="Courier New" panose="02070309020205020404" pitchFamily="49" charset="0"/>
+              </a:rPr>
+              <a:t>-v </a:t>
+            </a:r>
+            <a:r>
+              <a:rPr lang="en-US" sz="1600" dirty="0">
+                <a:latin typeface="Courier New" panose="02070309020205020404" pitchFamily="49" charset="0"/>
+                <a:cs typeface="Courier New" panose="02070309020205020404" pitchFamily="49" charset="0"/>
+              </a:rPr>
+              <a:t>gorilla		# show lines without a match (</a:t>
+            </a:r>
+            <a:r>
+              <a:rPr lang="en-US" sz="1600" dirty="0">
+                <a:solidFill>
+                  <a:schemeClr val="accent5"/>
+                </a:solidFill>
+                <a:latin typeface="Courier New" panose="02070309020205020404" pitchFamily="49" charset="0"/>
+                <a:cs typeface="Courier New" panose="02070309020205020404" pitchFamily="49" charset="0"/>
+              </a:rPr>
+              <a:t>reverse</a:t>
+            </a:r>
+            <a:r>
+              <a:rPr lang="en-US" sz="1600" dirty="0">
+                <a:latin typeface="Courier New" panose="02070309020205020404" pitchFamily="49" charset="0"/>
+                <a:cs typeface="Courier New" panose="02070309020205020404" pitchFamily="49" charset="0"/>
+              </a:rPr>
+              <a:t>)</a:t>
+            </a:r>
+          </a:p>
+          <a:p>
+            <a:pPr lvl="1"/>
+            <a:r>
+              <a:rPr lang="en-US" sz="1600" dirty="0">
+                <a:latin typeface="Courier New" panose="02070309020205020404" pitchFamily="49" charset="0"/>
+                <a:cs typeface="Courier New" panose="02070309020205020404" pitchFamily="49" charset="0"/>
+              </a:rPr>
+              <a:t>grep -w "Gorilla</a:t>
+            </a:r>
+            <a:r>
+              <a:rPr lang="en-US" sz="1600" dirty="0">
+                <a:solidFill>
+                  <a:srgbClr val="FF0000"/>
+                </a:solidFill>
+                <a:latin typeface="Courier New" panose="02070309020205020404" pitchFamily="49" charset="0"/>
+                <a:cs typeface="Courier New" panose="02070309020205020404" pitchFamily="49" charset="0"/>
+              </a:rPr>
+              <a:t>\|</a:t>
+            </a:r>
+            <a:r>
+              <a:rPr lang="en-US" sz="1600" dirty="0">
+                <a:latin typeface="Courier New" panose="02070309020205020404" pitchFamily="49" charset="0"/>
+                <a:cs typeface="Courier New" panose="02070309020205020404" pitchFamily="49" charset="0"/>
+              </a:rPr>
+              <a:t>Pan" </a:t>
+            </a:r>
+            <a:r>
+              <a:rPr lang="en-US" sz="1600" dirty="0" err="1">
+                <a:latin typeface="Courier New" panose="02070309020205020404" pitchFamily="49" charset="0"/>
+                <a:cs typeface="Courier New" panose="02070309020205020404" pitchFamily="49" charset="0"/>
+              </a:rPr>
+              <a:t>BodyM.tsv</a:t>
+            </a:r>
+            <a:r>
+              <a:rPr lang="en-US" sz="1600" dirty="0">
+                <a:latin typeface="Courier New" panose="02070309020205020404" pitchFamily="49" charset="0"/>
+                <a:cs typeface="Courier New" panose="02070309020205020404" pitchFamily="49" charset="0"/>
+              </a:rPr>
+              <a:t>			# “\|” to match any of multiple strings</a:t>
+            </a:r>
+          </a:p>
+        </p:txBody>
+      </p:sp>
+      <p:pic>
+        <p:nvPicPr>
+          <p:cNvPr id="5" name="Picture 4">
+            <a:extLst>
+              <a:ext uri="{FF2B5EF4-FFF2-40B4-BE49-F238E27FC236}">
+                <a16:creationId xmlns:a16="http://schemas.microsoft.com/office/drawing/2014/main" id="{962FF1B9-100F-5900-74AC-98E506B246F4}"/>
+              </a:ext>
+            </a:extLst>
+          </p:cNvPr>
+          <p:cNvPicPr>
+            <a:picLocks noChangeAspect="1"/>
+          </p:cNvPicPr>
+          <p:nvPr/>
+        </p:nvPicPr>
+        <p:blipFill>
+          <a:blip r:embed="rId2"/>
+          <a:stretch>
+            <a:fillRect/>
+          </a:stretch>
+        </p:blipFill>
+        <p:spPr>
+          <a:xfrm>
+            <a:off x="2458370" y="3443258"/>
+            <a:ext cx="6905145" cy="3270412"/>
+          </a:xfrm>
+          <a:prstGeom prst="rect">
+            <a:avLst/>
+          </a:prstGeom>
+        </p:spPr>
+      </p:pic>
+    </p:spTree>
+    <p:extLst>
+      <p:ext uri="{BB962C8B-B14F-4D97-AF65-F5344CB8AC3E}">
+        <p14:creationId xmlns:p14="http://schemas.microsoft.com/office/powerpoint/2010/main" val="3102923048"/>
       </p:ext>
     </p:extLst>
   </p:cSld>
@@ -15573,6 +21256,15 @@
 </file>
 
 <file path=customXml/item2.xml><?xml version="1.0" encoding="utf-8"?>
+<?mso-contentType ?>
+<FormTemplates xmlns="http://schemas.microsoft.com/sharepoint/v3/contenttype/forms">
+  <Display>DocumentLibraryForm</Display>
+  <Edit>DocumentLibraryForm</Edit>
+  <New>DocumentLibraryForm</New>
+</FormTemplates>
+</file>
+
+<file path=customXml/item3.xml><?xml version="1.0" encoding="utf-8"?>
 <ct:contentTypeSchema xmlns:ct="http://schemas.microsoft.com/office/2006/metadata/contentType" xmlns:ma="http://schemas.microsoft.com/office/2006/metadata/properties/metaAttributes" ct:_="" ma:_="" ma:contentTypeName="Document" ma:contentTypeID="0x01010079F111ED35F8CC479449609E8A0923A6" ma:contentTypeVersion="12" ma:contentTypeDescription="Create a new document." ma:contentTypeScope="" ma:versionID="426e97fa315356fffbdcd9876fe988c2">
   <xsd:schema xmlns:xsd="http://www.w3.org/2001/XMLSchema" xmlns:xs="http://www.w3.org/2001/XMLSchema" xmlns:p="http://schemas.microsoft.com/office/2006/metadata/properties" xmlns:ns2="71af3243-3dd4-4a8d-8c0d-dd76da1f02a5" xmlns:ns3="16c05727-aa75-4e4a-9b5f-8a80a1165891" targetNamespace="http://schemas.microsoft.com/office/2006/metadata/properties" ma:root="true" ma:fieldsID="14b8f0def80e6d70ce3def20c90759ae" ns2:_="" ns3:_="">
     <xsd:import namespace="71af3243-3dd4-4a8d-8c0d-dd76da1f02a5"/>
@@ -15793,15 +21485,6 @@
 </ct:contentTypeSchema>
 </file>
 
-<file path=customXml/item3.xml><?xml version="1.0" encoding="utf-8"?>
-<?mso-contentType ?>
-<FormTemplates xmlns="http://schemas.microsoft.com/sharepoint/v3/contenttype/forms">
-  <Display>DocumentLibraryForm</Display>
-  <Edit>DocumentLibraryForm</Edit>
-  <New>DocumentLibraryForm</New>
-</FormTemplates>
-</file>
-
 <file path=customXml/itemProps1.xml><?xml version="1.0" encoding="utf-8"?>
 <ds:datastoreItem xmlns:ds="http://schemas.openxmlformats.org/officeDocument/2006/customXml" ds:itemID="{99919F73-B6C2-4A43-95E2-833EC48925FE}">
   <ds:schemaRefs>
@@ -15820,6 +21503,14 @@
 </file>
 
 <file path=customXml/itemProps2.xml><?xml version="1.0" encoding="utf-8"?>
+<ds:datastoreItem xmlns:ds="http://schemas.openxmlformats.org/officeDocument/2006/customXml" ds:itemID="{3C8E00D1-8EA3-4E42-801D-0253E1EAFC21}">
+  <ds:schemaRefs>
+    <ds:schemaRef ds:uri="http://schemas.microsoft.com/sharepoint/v3/contenttype/forms"/>
+  </ds:schemaRefs>
+</ds:datastoreItem>
+</file>
+
+<file path=customXml/itemProps3.xml><?xml version="1.0" encoding="utf-8"?>
 <ds:datastoreItem xmlns:ds="http://schemas.openxmlformats.org/officeDocument/2006/customXml" ds:itemID="{ABC329F5-30EE-4BF7-AA2A-B837B51416B4}">
   <ds:schemaRefs>
     <ds:schemaRef ds:uri="http://schemas.microsoft.com/office/2006/metadata/contentType"/>
@@ -15836,12 +21527,4 @@
     <ds:schemaRef ds:uri="http://schemas.microsoft.com/internal/obd"/>
   </ds:schemaRefs>
 </ds:datastoreItem>
-</file>
-
-<file path=customXml/itemProps3.xml><?xml version="1.0" encoding="utf-8"?>
-<ds:datastoreItem xmlns:ds="http://schemas.openxmlformats.org/officeDocument/2006/customXml" ds:itemID="{3C8E00D1-8EA3-4E42-801D-0253E1EAFC21}">
-  <ds:schemaRefs>
-    <ds:schemaRef ds:uri="http://schemas.microsoft.com/sharepoint/v3/contenttype/forms"/>
-  </ds:schemaRefs>
-</ds:datastoreItem>
 </file>
--- a/lecture-slides/part-1-intro-unix.pptx
+++ b/lecture-slides/part-1-intro-unix.pptx
@@ -5,7 +5,7 @@
     <p:sldMasterId id="2147483696" r:id="rId4"/>
   </p:sldMasterIdLst>
   <p:notesMasterIdLst>
-    <p:notesMasterId r:id="rId15"/>
+    <p:notesMasterId r:id="rId17"/>
   </p:notesMasterIdLst>
   <p:sldIdLst>
     <p:sldId id="306" r:id="rId5"/>
@@ -18,6 +18,8 @@
     <p:sldId id="314" r:id="rId12"/>
     <p:sldId id="315" r:id="rId13"/>
     <p:sldId id="316" r:id="rId14"/>
+    <p:sldId id="317" r:id="rId15"/>
+    <p:sldId id="318" r:id="rId16"/>
   </p:sldIdLst>
   <p:sldSz cx="12192000" cy="6858000"/>
   <p:notesSz cx="6858000" cy="9144000"/>
@@ -12710,7 +12712,7 @@
           <a:p>
             <a:pPr marL="800100" lvl="1" indent="-342900">
               <a:buFont typeface="+mj-lt"/>
-              <a:buAutoNum type="arabicPeriod"/>
+              <a:buAutoNum type="arabicParenR"/>
             </a:pPr>
             <a:r>
               <a:rPr lang="en-US" sz="1600" dirty="0">
@@ -12768,7 +12770,7 @@
           <a:p>
             <a:pPr marL="800100" lvl="1" indent="-342900">
               <a:buFont typeface="+mj-lt"/>
-              <a:buAutoNum type="arabicPeriod"/>
+              <a:buAutoNum type="arabicParenR"/>
             </a:pPr>
             <a:r>
               <a:rPr lang="en-US" sz="1600" dirty="0">
@@ -12795,7 +12797,7 @@
           <a:p>
             <a:pPr marL="800100" lvl="1" indent="-342900">
               <a:buFont typeface="+mj-lt"/>
-              <a:buAutoNum type="arabicPeriod"/>
+              <a:buAutoNum type="arabicParenR"/>
             </a:pPr>
             <a:r>
               <a:rPr lang="en-US" sz="1600" dirty="0">
@@ -12805,7 +12807,7 @@
               <a:t>Paste the following &amp; save as “</a:t>
             </a:r>
             <a:r>
-              <a:rPr lang="en-US" sz="1600" b="1" dirty="0" err="1">
+              <a:rPr lang="en-US" sz="1600" dirty="0" err="1">
                 <a:latin typeface="Courier New" panose="02070309020205020404" pitchFamily="49" charset="0"/>
                 <a:cs typeface="Courier New" panose="02070309020205020404" pitchFamily="49" charset="0"/>
               </a:rPr>
@@ -12816,21 +12818,7 @@
                 <a:latin typeface="Courier New" panose="02070309020205020404" pitchFamily="49" charset="0"/>
                 <a:cs typeface="Courier New" panose="02070309020205020404" pitchFamily="49" charset="0"/>
               </a:rPr>
-              <a:t>”: tail -n +2 ../data/Pacifici2013_data.csv | cut -d ";“ -f 2-6 | </a:t>
-            </a:r>
-            <a:r>
-              <a:rPr lang="en-US" sz="1600">
-                <a:latin typeface="Courier New" panose="02070309020205020404" pitchFamily="49" charset="0"/>
-                <a:cs typeface="Courier New" panose="02070309020205020404" pitchFamily="49" charset="0"/>
-              </a:rPr>
-              <a:t>tr “;” “\t" </a:t>
-            </a:r>
-            <a:r>
-              <a:rPr lang="en-US" sz="1600" dirty="0">
-                <a:latin typeface="Courier New" panose="02070309020205020404" pitchFamily="49" charset="0"/>
-                <a:cs typeface="Courier New" panose="02070309020205020404" pitchFamily="49" charset="0"/>
-              </a:rPr>
-              <a:t>| sort -r -n -k 6 &gt; </a:t>
+              <a:t>”: tail -n +2 ../data/Pacifici2013_data.csv | cut -d ";“ -f 2-6 | tr “;” “\t" | sort -r -n -k 6 &gt; </a:t>
             </a:r>
             <a:r>
               <a:rPr lang="en-US" sz="1600" dirty="0" err="1">
@@ -12847,7 +12835,7 @@
           <a:p>
             <a:pPr marL="800100" lvl="1" indent="-342900">
               <a:buFont typeface="+mj-lt"/>
-              <a:buAutoNum type="arabicPeriod"/>
+              <a:buAutoNum type="arabicParenR"/>
             </a:pPr>
             <a:r>
               <a:rPr lang="en-US" sz="1600" dirty="0">
@@ -12874,20 +12862,20 @@
           <a:p>
             <a:pPr marL="800100" lvl="1" indent="-342900">
               <a:buFont typeface="+mj-lt"/>
-              <a:buAutoNum type="arabicPeriod"/>
+              <a:buAutoNum type="arabicParenR"/>
             </a:pPr>
             <a:r>
               <a:rPr lang="en-US" sz="1600" dirty="0">
                 <a:latin typeface="Courier New" panose="02070309020205020404" pitchFamily="49" charset="0"/>
                 <a:cs typeface="Courier New" panose="02070309020205020404" pitchFamily="49" charset="0"/>
               </a:rPr>
-              <a:t>Add the line bash path to the beginning &amp; save: #!/usr/bin/env bash </a:t>
+              <a:t>Add the bash path to the beginning &amp; save: #!/usr/bin/env bash </a:t>
             </a:r>
           </a:p>
           <a:p>
             <a:pPr marL="800100" lvl="1" indent="-342900">
               <a:buFont typeface="+mj-lt"/>
-              <a:buAutoNum type="arabicPeriod"/>
+              <a:buAutoNum type="arabicParenR"/>
             </a:pPr>
             <a:r>
               <a:rPr lang="en-US" sz="1600" dirty="0" err="1">
@@ -12921,7 +12909,7 @@
           <a:p>
             <a:pPr marL="800100" lvl="1" indent="-342900">
               <a:buFont typeface="+mj-lt"/>
-              <a:buAutoNum type="arabicPeriod"/>
+              <a:buAutoNum type="arabicParenR"/>
             </a:pPr>
             <a:r>
               <a:rPr lang="en-US" sz="1600" dirty="0">
@@ -12948,20 +12936,37 @@
           <a:p>
             <a:pPr marL="800100" lvl="1" indent="-342900">
               <a:buFont typeface="+mj-lt"/>
-              <a:buAutoNum type="arabicPeriod"/>
+              <a:buAutoNum type="arabicParenR"/>
             </a:pPr>
             <a:r>
               <a:rPr lang="en-US" sz="1600" dirty="0">
                 <a:latin typeface="Courier New" panose="02070309020205020404" pitchFamily="49" charset="0"/>
                 <a:cs typeface="Courier New" panose="02070309020205020404" pitchFamily="49" charset="0"/>
               </a:rPr>
-              <a:t>Make input and output filenames as arguments; Add comments</a:t>
+              <a:t>Make input and output </a:t>
+            </a:r>
+            <a:r>
+              <a:rPr lang="en-US" sz="1600" dirty="0">
+                <a:highlight>
+                  <a:srgbClr val="FFFF00"/>
+                </a:highlight>
+                <a:latin typeface="Courier New" panose="02070309020205020404" pitchFamily="49" charset="0"/>
+                <a:cs typeface="Courier New" panose="02070309020205020404" pitchFamily="49" charset="0"/>
+              </a:rPr>
+              <a:t>filenames as arguments</a:t>
+            </a:r>
+            <a:r>
+              <a:rPr lang="en-US" sz="1600" dirty="0">
+                <a:latin typeface="Courier New" panose="02070309020205020404" pitchFamily="49" charset="0"/>
+                <a:cs typeface="Courier New" panose="02070309020205020404" pitchFamily="49" charset="0"/>
+              </a:rPr>
+              <a:t>; Add comments (see next slide)</a:t>
             </a:r>
           </a:p>
           <a:p>
             <a:pPr marL="800100" lvl="1" indent="-342900">
               <a:buFont typeface="+mj-lt"/>
-              <a:buAutoNum type="arabicPeriod"/>
+              <a:buAutoNum type="arabicParenR"/>
             </a:pPr>
             <a:r>
               <a:rPr lang="en-US" sz="1600" dirty="0">
@@ -12999,7 +13004,7 @@
           <a:p>
             <a:pPr marL="800100" lvl="1" indent="-342900">
               <a:buFont typeface="+mj-lt"/>
-              <a:buAutoNum type="arabicPeriod"/>
+              <a:buAutoNum type="arabicParenR"/>
             </a:pPr>
             <a:endParaRPr lang="en-US" sz="1400" dirty="0">
               <a:latin typeface="Courier New" panose="02070309020205020404" pitchFamily="49" charset="0"/>
@@ -13021,7 +13026,7 @@
 </p:sld>
 </file>
 
-<file path=ppt/slides/slide2.xml><?xml version="1.0" encoding="utf-8"?>
+<file path=ppt/slides/slide11.xml><?xml version="1.0" encoding="utf-8"?>
 <p:sld xmlns:a="http://schemas.openxmlformats.org/drawingml/2006/main" xmlns:r="http://schemas.openxmlformats.org/officeDocument/2006/relationships" xmlns:p="http://schemas.openxmlformats.org/presentationml/2006/main">
   <p:cSld>
     <p:bg>
@@ -13170,48 +13175,6 @@
       </p:sp>
       <p:sp>
         <p:nvSpPr>
-          <p:cNvPr id="3" name="Title 2">
-            <a:extLst>
-              <a:ext uri="{FF2B5EF4-FFF2-40B4-BE49-F238E27FC236}">
-                <a16:creationId xmlns:a16="http://schemas.microsoft.com/office/drawing/2014/main" id="{0115FF41-AFA4-4D25-AB42-AB034F4B4FEC}"/>
-              </a:ext>
-            </a:extLst>
-          </p:cNvPr>
-          <p:cNvSpPr>
-            <a:spLocks noGrp="1"/>
-          </p:cNvSpPr>
-          <p:nvPr>
-            <p:ph type="title"/>
-          </p:nvPr>
-        </p:nvSpPr>
-        <p:spPr>
-          <a:xfrm>
-            <a:off x="264180" y="363828"/>
-            <a:ext cx="5831820" cy="1140721"/>
-          </a:xfrm>
-        </p:spPr>
-        <p:txBody>
-          <a:bodyPr vert="horz" lIns="91440" tIns="45720" rIns="91440" bIns="45720" rtlCol="0" anchor="b">
-            <a:normAutofit/>
-          </a:bodyPr>
-          <a:lstStyle/>
-          <a:p>
-            <a:r>
-              <a:rPr lang="en-US" sz="3600" kern="1200" dirty="0">
-                <a:solidFill>
-                  <a:schemeClr val="tx1"/>
-                </a:solidFill>
-                <a:latin typeface="+mj-lt"/>
-                <a:ea typeface="+mj-ea"/>
-                <a:cs typeface="+mj-cs"/>
-              </a:rPr>
-              <a:t>Version Control with Git (Chapter 2)</a:t>
-            </a:r>
-          </a:p>
-        </p:txBody>
-      </p:sp>
-      <p:sp>
-        <p:nvSpPr>
           <p:cNvPr id="1061" name="Graphic 15">
             <a:extLst>
               <a:ext uri="{FF2B5EF4-FFF2-40B4-BE49-F238E27FC236}">
@@ -13683,6 +13646,1441 @@
           </a:p>
         </p:txBody>
       </p:sp>
+      <p:sp>
+        <p:nvSpPr>
+          <p:cNvPr id="11" name="Slide Number Placeholder 10">
+            <a:extLst>
+              <a:ext uri="{FF2B5EF4-FFF2-40B4-BE49-F238E27FC236}">
+                <a16:creationId xmlns:a16="http://schemas.microsoft.com/office/drawing/2014/main" id="{56AE2454-CE9A-4A6B-AB5A-349E0D967654}"/>
+              </a:ext>
+            </a:extLst>
+          </p:cNvPr>
+          <p:cNvSpPr>
+            <a:spLocks noGrp="1"/>
+          </p:cNvSpPr>
+          <p:nvPr>
+            <p:ph type="sldNum" sz="quarter" idx="12"/>
+          </p:nvPr>
+        </p:nvSpPr>
+        <p:spPr>
+          <a:xfrm>
+            <a:off x="8610600" y="6356350"/>
+            <a:ext cx="2743200" cy="365125"/>
+          </a:xfrm>
+        </p:spPr>
+        <p:txBody>
+          <a:bodyPr vert="horz" lIns="91440" tIns="45720" rIns="91440" bIns="45720" rtlCol="0" anchor="ctr">
+            <a:normAutofit/>
+          </a:bodyPr>
+          <a:lstStyle/>
+          <a:p>
+            <a:pPr>
+              <a:spcAft>
+                <a:spcPts val="600"/>
+              </a:spcAft>
+            </a:pPr>
+            <a:fld id="{D8DA9DAA-006C-4F4B-980E-E3DF019B24E2}" type="slidenum">
+              <a:rPr lang="en-US" smtClean="0"/>
+              <a:pPr>
+                <a:spcAft>
+                  <a:spcPts val="600"/>
+                </a:spcAft>
+              </a:pPr>
+              <a:t>11</a:t>
+            </a:fld>
+            <a:endParaRPr lang="en-US"/>
+          </a:p>
+        </p:txBody>
+      </p:sp>
+      <p:cxnSp>
+        <p:nvCxnSpPr>
+          <p:cNvPr id="1067" name="Straight Connector 1066">
+            <a:extLst>
+              <a:ext uri="{FF2B5EF4-FFF2-40B4-BE49-F238E27FC236}">
+                <a16:creationId xmlns:a16="http://schemas.microsoft.com/office/drawing/2014/main" id="{C49DA8F6-BCC1-4447-B54C-57856834B94B}"/>
+              </a:ext>
+              <a:ext uri="{C183D7F6-B498-43B3-948B-1728B52AA6E4}">
+                <adec:decorative xmlns:adec="http://schemas.microsoft.com/office/drawing/2017/decorative" val="1"/>
+              </a:ext>
+            </a:extLst>
+          </p:cNvPr>
+          <p:cNvCxnSpPr>
+            <a:cxnSpLocks noGrp="1" noRot="1" noChangeAspect="1" noMove="1" noResize="1" noEditPoints="1" noAdjustHandles="1" noChangeArrowheads="1" noChangeShapeType="1"/>
+          </p:cNvCxnSpPr>
+          <p:nvPr>
+            <p:extLst>
+              <p:ext uri="{386F3935-93C4-4BCD-93E2-E3B085C9AB24}">
+                <p16:designElem xmlns:p16="http://schemas.microsoft.com/office/powerpoint/2015/main" val="1"/>
+              </p:ext>
+            </p:extLst>
+          </p:nvPr>
+        </p:nvCxnSpPr>
+        <p:spPr>
+          <a:xfrm>
+            <a:off x="11580162" y="3610394"/>
+            <a:ext cx="0" cy="3238728"/>
+          </a:xfrm>
+          <a:prstGeom prst="line">
+            <a:avLst/>
+          </a:prstGeom>
+          <a:ln w="25400" cap="sq">
+            <a:gradFill flip="none" rotWithShape="1">
+              <a:gsLst>
+                <a:gs pos="0">
+                  <a:schemeClr val="accent2"/>
+                </a:gs>
+                <a:gs pos="100000">
+                  <a:schemeClr val="accent4"/>
+                </a:gs>
+              </a:gsLst>
+              <a:lin ang="16200000" scaled="1"/>
+              <a:tileRect/>
+            </a:gradFill>
+            <a:bevel/>
+          </a:ln>
+        </p:spPr>
+        <p:style>
+          <a:lnRef idx="1">
+            <a:schemeClr val="accent1"/>
+          </a:lnRef>
+          <a:fillRef idx="0">
+            <a:schemeClr val="accent1"/>
+          </a:fillRef>
+          <a:effectRef idx="0">
+            <a:schemeClr val="accent1"/>
+          </a:effectRef>
+          <a:fontRef idx="minor">
+            <a:schemeClr val="tx1"/>
+          </a:fontRef>
+        </p:style>
+      </p:cxnSp>
+      <p:pic>
+        <p:nvPicPr>
+          <p:cNvPr id="6" name="Picture 5">
+            <a:extLst>
+              <a:ext uri="{FF2B5EF4-FFF2-40B4-BE49-F238E27FC236}">
+                <a16:creationId xmlns:a16="http://schemas.microsoft.com/office/drawing/2014/main" id="{C3934FA2-B56D-B200-D882-8D3BA244D4EF}"/>
+              </a:ext>
+            </a:extLst>
+          </p:cNvPr>
+          <p:cNvPicPr>
+            <a:picLocks noChangeAspect="1"/>
+          </p:cNvPicPr>
+          <p:nvPr/>
+        </p:nvPicPr>
+        <p:blipFill>
+          <a:blip r:embed="rId2"/>
+          <a:stretch>
+            <a:fillRect/>
+          </a:stretch>
+        </p:blipFill>
+        <p:spPr>
+          <a:xfrm>
+            <a:off x="989044" y="-8878"/>
+            <a:ext cx="5145548" cy="6858000"/>
+          </a:xfrm>
+          <a:prstGeom prst="rect">
+            <a:avLst/>
+          </a:prstGeom>
+        </p:spPr>
+      </p:pic>
+      <p:sp>
+        <p:nvSpPr>
+          <p:cNvPr id="9" name="TextBox 8">
+            <a:extLst>
+              <a:ext uri="{FF2B5EF4-FFF2-40B4-BE49-F238E27FC236}">
+                <a16:creationId xmlns:a16="http://schemas.microsoft.com/office/drawing/2014/main" id="{BF110CB2-4978-5918-05DB-05938D297F7A}"/>
+              </a:ext>
+            </a:extLst>
+          </p:cNvPr>
+          <p:cNvSpPr txBox="1"/>
+          <p:nvPr/>
+        </p:nvSpPr>
+        <p:spPr>
+          <a:xfrm>
+            <a:off x="7046851" y="356812"/>
+            <a:ext cx="4156105" cy="584775"/>
+          </a:xfrm>
+          <a:prstGeom prst="rect">
+            <a:avLst/>
+          </a:prstGeom>
+          <a:solidFill>
+            <a:schemeClr val="accent4">
+              <a:lumMod val="20000"/>
+              <a:lumOff val="80000"/>
+            </a:schemeClr>
+          </a:solidFill>
+        </p:spPr>
+        <p:txBody>
+          <a:bodyPr wrap="square">
+            <a:spAutoFit/>
+          </a:bodyPr>
+          <a:lstStyle/>
+          <a:p>
+            <a:pPr lvl="1"/>
+            <a:r>
+              <a:rPr lang="en-US" sz="1600" dirty="0">
+                <a:latin typeface="Courier New" panose="02070309020205020404" pitchFamily="49" charset="0"/>
+                <a:cs typeface="Courier New" panose="02070309020205020404" pitchFamily="49" charset="0"/>
+              </a:rPr>
+              <a:t>Add the bash interpreter path as the first line </a:t>
+            </a:r>
+          </a:p>
+        </p:txBody>
+      </p:sp>
+      <p:sp>
+        <p:nvSpPr>
+          <p:cNvPr id="10" name="TextBox 9">
+            <a:extLst>
+              <a:ext uri="{FF2B5EF4-FFF2-40B4-BE49-F238E27FC236}">
+                <a16:creationId xmlns:a16="http://schemas.microsoft.com/office/drawing/2014/main" id="{BBAEE6DB-4C21-0DEC-7702-5881B0B0AAF5}"/>
+              </a:ext>
+            </a:extLst>
+          </p:cNvPr>
+          <p:cNvSpPr txBox="1"/>
+          <p:nvPr/>
+        </p:nvSpPr>
+        <p:spPr>
+          <a:xfrm>
+            <a:off x="7123635" y="1667808"/>
+            <a:ext cx="4156105" cy="584775"/>
+          </a:xfrm>
+          <a:prstGeom prst="rect">
+            <a:avLst/>
+          </a:prstGeom>
+          <a:solidFill>
+            <a:schemeClr val="accent4">
+              <a:lumMod val="20000"/>
+              <a:lumOff val="80000"/>
+            </a:schemeClr>
+          </a:solidFill>
+        </p:spPr>
+        <p:txBody>
+          <a:bodyPr wrap="square">
+            <a:spAutoFit/>
+          </a:bodyPr>
+          <a:lstStyle/>
+          <a:p>
+            <a:pPr lvl="1"/>
+            <a:r>
+              <a:rPr lang="en-US" sz="1600" dirty="0">
+                <a:latin typeface="Courier New" panose="02070309020205020404" pitchFamily="49" charset="0"/>
+                <a:cs typeface="Courier New" panose="02070309020205020404" pitchFamily="49" charset="0"/>
+              </a:rPr>
+              <a:t>Add comments as documentation</a:t>
+            </a:r>
+          </a:p>
+        </p:txBody>
+      </p:sp>
+      <p:sp>
+        <p:nvSpPr>
+          <p:cNvPr id="12" name="TextBox 11">
+            <a:extLst>
+              <a:ext uri="{FF2B5EF4-FFF2-40B4-BE49-F238E27FC236}">
+                <a16:creationId xmlns:a16="http://schemas.microsoft.com/office/drawing/2014/main" id="{54A9C555-CD55-DBD9-3BB7-26CC96AB0966}"/>
+              </a:ext>
+            </a:extLst>
+          </p:cNvPr>
+          <p:cNvSpPr txBox="1"/>
+          <p:nvPr/>
+        </p:nvSpPr>
+        <p:spPr>
+          <a:xfrm>
+            <a:off x="7123636" y="2885788"/>
+            <a:ext cx="4156105" cy="830997"/>
+          </a:xfrm>
+          <a:prstGeom prst="rect">
+            <a:avLst/>
+          </a:prstGeom>
+          <a:solidFill>
+            <a:schemeClr val="accent4">
+              <a:lumMod val="20000"/>
+              <a:lumOff val="80000"/>
+            </a:schemeClr>
+          </a:solidFill>
+        </p:spPr>
+        <p:txBody>
+          <a:bodyPr wrap="square">
+            <a:spAutoFit/>
+          </a:bodyPr>
+          <a:lstStyle/>
+          <a:p>
+            <a:pPr lvl="1"/>
+            <a:r>
+              <a:rPr lang="en-US" sz="1600" dirty="0">
+                <a:latin typeface="Courier New" panose="02070309020205020404" pitchFamily="49" charset="0"/>
+                <a:cs typeface="Courier New" panose="02070309020205020404" pitchFamily="49" charset="0"/>
+              </a:rPr>
+              <a:t>Make input and output as arguments (Do </a:t>
+            </a:r>
+            <a:r>
+              <a:rPr lang="en-US" sz="1600" dirty="0">
+                <a:solidFill>
+                  <a:srgbClr val="FF0000"/>
+                </a:solidFill>
+                <a:latin typeface="Courier New" panose="02070309020205020404" pitchFamily="49" charset="0"/>
+                <a:cs typeface="Courier New" panose="02070309020205020404" pitchFamily="49" charset="0"/>
+              </a:rPr>
+              <a:t>not</a:t>
+            </a:r>
+            <a:r>
+              <a:rPr lang="en-US" sz="1600" dirty="0">
+                <a:latin typeface="Courier New" panose="02070309020205020404" pitchFamily="49" charset="0"/>
+                <a:cs typeface="Courier New" panose="02070309020205020404" pitchFamily="49" charset="0"/>
+              </a:rPr>
+              <a:t> hard-code filenames within a script)</a:t>
+            </a:r>
+          </a:p>
+        </p:txBody>
+      </p:sp>
+      <p:sp>
+        <p:nvSpPr>
+          <p:cNvPr id="13" name="TextBox 12">
+            <a:extLst>
+              <a:ext uri="{FF2B5EF4-FFF2-40B4-BE49-F238E27FC236}">
+                <a16:creationId xmlns:a16="http://schemas.microsoft.com/office/drawing/2014/main" id="{FE56FE38-FB72-60AA-8561-E327E15EF0EB}"/>
+              </a:ext>
+            </a:extLst>
+          </p:cNvPr>
+          <p:cNvSpPr txBox="1"/>
+          <p:nvPr/>
+        </p:nvSpPr>
+        <p:spPr>
+          <a:xfrm>
+            <a:off x="6263761" y="4648323"/>
+            <a:ext cx="5015979" cy="1815882"/>
+          </a:xfrm>
+          <a:prstGeom prst="rect">
+            <a:avLst/>
+          </a:prstGeom>
+          <a:solidFill>
+            <a:schemeClr val="accent4">
+              <a:lumMod val="20000"/>
+              <a:lumOff val="80000"/>
+            </a:schemeClr>
+          </a:solidFill>
+        </p:spPr>
+        <p:txBody>
+          <a:bodyPr wrap="square">
+            <a:spAutoFit/>
+          </a:bodyPr>
+          <a:lstStyle/>
+          <a:p>
+            <a:pPr lvl="1"/>
+            <a:r>
+              <a:rPr lang="en-US" sz="1600" dirty="0">
+                <a:latin typeface="Courier New" panose="02070309020205020404" pitchFamily="49" charset="0"/>
+                <a:cs typeface="Courier New" panose="02070309020205020404" pitchFamily="49" charset="0"/>
+              </a:rPr>
+              <a:t># save; make it executable</a:t>
+            </a:r>
+          </a:p>
+          <a:p>
+            <a:pPr lvl="1"/>
+            <a:r>
+              <a:rPr lang="en-US" sz="1600" dirty="0" err="1">
+                <a:latin typeface="Courier New" panose="02070309020205020404" pitchFamily="49" charset="0"/>
+                <a:cs typeface="Courier New" panose="02070309020205020404" pitchFamily="49" charset="0"/>
+              </a:rPr>
+              <a:t>chmod</a:t>
+            </a:r>
+            <a:r>
+              <a:rPr lang="en-US" sz="1600" dirty="0">
+                <a:latin typeface="Courier New" panose="02070309020205020404" pitchFamily="49" charset="0"/>
+                <a:cs typeface="Courier New" panose="02070309020205020404" pitchFamily="49" charset="0"/>
+              </a:rPr>
+              <a:t> +x </a:t>
+            </a:r>
+            <a:r>
+              <a:rPr lang="en-US" sz="1600" dirty="0" err="1">
+                <a:latin typeface="Courier New" panose="02070309020205020404" pitchFamily="49" charset="0"/>
+                <a:cs typeface="Courier New" panose="02070309020205020404" pitchFamily="49" charset="0"/>
+              </a:rPr>
+              <a:t>extract_body_mass.bash</a:t>
+            </a:r>
+            <a:endParaRPr lang="en-US" sz="1600" dirty="0">
+              <a:latin typeface="Courier New" panose="02070309020205020404" pitchFamily="49" charset="0"/>
+              <a:cs typeface="Courier New" panose="02070309020205020404" pitchFamily="49" charset="0"/>
+            </a:endParaRPr>
+          </a:p>
+          <a:p>
+            <a:pPr lvl="1"/>
+            <a:endParaRPr lang="en-US" sz="1600" dirty="0">
+              <a:latin typeface="Courier New" panose="02070309020205020404" pitchFamily="49" charset="0"/>
+              <a:cs typeface="Courier New" panose="02070309020205020404" pitchFamily="49" charset="0"/>
+            </a:endParaRPr>
+          </a:p>
+          <a:p>
+            <a:pPr lvl="1"/>
+            <a:r>
+              <a:rPr lang="en-US" sz="1600" dirty="0">
+                <a:latin typeface="Courier New" panose="02070309020205020404" pitchFamily="49" charset="0"/>
+                <a:cs typeface="Courier New" panose="02070309020205020404" pitchFamily="49" charset="0"/>
+              </a:rPr>
+              <a:t># Run with arguments:</a:t>
+            </a:r>
+          </a:p>
+          <a:p>
+            <a:pPr lvl="1"/>
+            <a:r>
+              <a:rPr lang="en-US" sz="1600" dirty="0">
+                <a:latin typeface="Courier New" panose="02070309020205020404" pitchFamily="49" charset="0"/>
+                <a:cs typeface="Courier New" panose="02070309020205020404" pitchFamily="49" charset="0"/>
+              </a:rPr>
+              <a:t>./</a:t>
+            </a:r>
+            <a:r>
+              <a:rPr lang="en-US" sz="1600" dirty="0" err="1">
+                <a:latin typeface="Courier New" panose="02070309020205020404" pitchFamily="49" charset="0"/>
+                <a:cs typeface="Courier New" panose="02070309020205020404" pitchFamily="49" charset="0"/>
+              </a:rPr>
+              <a:t>extract_body_mass.bash</a:t>
+            </a:r>
+            <a:r>
+              <a:rPr lang="en-US" sz="1600" dirty="0">
+                <a:latin typeface="Courier New" panose="02070309020205020404" pitchFamily="49" charset="0"/>
+                <a:cs typeface="Courier New" panose="02070309020205020404" pitchFamily="49" charset="0"/>
+              </a:rPr>
+              <a:t> ../data/Pacifici2013_data.csv </a:t>
+            </a:r>
+            <a:r>
+              <a:rPr lang="en-US" sz="1600" dirty="0" err="1">
+                <a:latin typeface="Courier New" panose="02070309020205020404" pitchFamily="49" charset="0"/>
+                <a:cs typeface="Courier New" panose="02070309020205020404" pitchFamily="49" charset="0"/>
+              </a:rPr>
+              <a:t>BodyM.tsv</a:t>
+            </a:r>
+            <a:endParaRPr lang="en-US" sz="1600" dirty="0">
+              <a:latin typeface="Courier New" panose="02070309020205020404" pitchFamily="49" charset="0"/>
+              <a:cs typeface="Courier New" panose="02070309020205020404" pitchFamily="49" charset="0"/>
+            </a:endParaRPr>
+          </a:p>
+        </p:txBody>
+      </p:sp>
+      <p:sp>
+        <p:nvSpPr>
+          <p:cNvPr id="15" name="Arrow: Right 14">
+            <a:extLst>
+              <a:ext uri="{FF2B5EF4-FFF2-40B4-BE49-F238E27FC236}">
+                <a16:creationId xmlns:a16="http://schemas.microsoft.com/office/drawing/2014/main" id="{BB93A7DD-259F-166D-1532-20A44E16F8E8}"/>
+              </a:ext>
+            </a:extLst>
+          </p:cNvPr>
+          <p:cNvSpPr/>
+          <p:nvPr/>
+        </p:nvSpPr>
+        <p:spPr>
+          <a:xfrm rot="10800000">
+            <a:off x="6134590" y="513128"/>
+            <a:ext cx="912260" cy="272142"/>
+          </a:xfrm>
+          <a:prstGeom prst="rightArrow">
+            <a:avLst/>
+          </a:prstGeom>
+        </p:spPr>
+        <p:style>
+          <a:lnRef idx="2">
+            <a:schemeClr val="accent5">
+              <a:shade val="50000"/>
+            </a:schemeClr>
+          </a:lnRef>
+          <a:fillRef idx="1">
+            <a:schemeClr val="accent5"/>
+          </a:fillRef>
+          <a:effectRef idx="0">
+            <a:schemeClr val="accent5"/>
+          </a:effectRef>
+          <a:fontRef idx="minor">
+            <a:schemeClr val="lt1"/>
+          </a:fontRef>
+        </p:style>
+        <p:txBody>
+          <a:bodyPr rtlCol="0" anchor="ctr"/>
+          <a:lstStyle/>
+          <a:p>
+            <a:pPr algn="ctr"/>
+            <a:endParaRPr lang="en-US"/>
+          </a:p>
+        </p:txBody>
+      </p:sp>
+      <p:sp>
+        <p:nvSpPr>
+          <p:cNvPr id="16" name="Right Brace 15">
+            <a:extLst>
+              <a:ext uri="{FF2B5EF4-FFF2-40B4-BE49-F238E27FC236}">
+                <a16:creationId xmlns:a16="http://schemas.microsoft.com/office/drawing/2014/main" id="{4BE1CB36-02BE-BBF2-66B7-D897E22ADC54}"/>
+              </a:ext>
+            </a:extLst>
+          </p:cNvPr>
+          <p:cNvSpPr/>
+          <p:nvPr/>
+        </p:nvSpPr>
+        <p:spPr>
+          <a:xfrm>
+            <a:off x="6134591" y="941585"/>
+            <a:ext cx="848266" cy="1725415"/>
+          </a:xfrm>
+          <a:prstGeom prst="rightBrace">
+            <a:avLst>
+              <a:gd name="adj1" fmla="val 8333"/>
+              <a:gd name="adj2" fmla="val 49369"/>
+            </a:avLst>
+          </a:prstGeom>
+          <a:ln w="57150"/>
+        </p:spPr>
+        <p:style>
+          <a:lnRef idx="1">
+            <a:schemeClr val="accent5"/>
+          </a:lnRef>
+          <a:fillRef idx="0">
+            <a:schemeClr val="accent5"/>
+          </a:fillRef>
+          <a:effectRef idx="0">
+            <a:schemeClr val="accent5"/>
+          </a:effectRef>
+          <a:fontRef idx="minor">
+            <a:schemeClr val="tx1"/>
+          </a:fontRef>
+        </p:style>
+        <p:txBody>
+          <a:bodyPr rtlCol="0" anchor="ctr"/>
+          <a:lstStyle/>
+          <a:p>
+            <a:pPr algn="ctr"/>
+            <a:endParaRPr lang="en-US"/>
+          </a:p>
+        </p:txBody>
+      </p:sp>
+      <p:sp>
+        <p:nvSpPr>
+          <p:cNvPr id="17" name="Right Brace 16">
+            <a:extLst>
+              <a:ext uri="{FF2B5EF4-FFF2-40B4-BE49-F238E27FC236}">
+                <a16:creationId xmlns:a16="http://schemas.microsoft.com/office/drawing/2014/main" id="{C8A92A7D-4C8A-7B6A-30B1-30DD4CDB0C07}"/>
+              </a:ext>
+            </a:extLst>
+          </p:cNvPr>
+          <p:cNvSpPr/>
+          <p:nvPr/>
+        </p:nvSpPr>
+        <p:spPr>
+          <a:xfrm>
+            <a:off x="6157122" y="2895119"/>
+            <a:ext cx="848266" cy="713283"/>
+          </a:xfrm>
+          <a:prstGeom prst="rightBrace">
+            <a:avLst>
+              <a:gd name="adj1" fmla="val 8333"/>
+              <a:gd name="adj2" fmla="val 49369"/>
+            </a:avLst>
+          </a:prstGeom>
+          <a:ln w="57150"/>
+        </p:spPr>
+        <p:style>
+          <a:lnRef idx="1">
+            <a:schemeClr val="accent5"/>
+          </a:lnRef>
+          <a:fillRef idx="0">
+            <a:schemeClr val="accent5"/>
+          </a:fillRef>
+          <a:effectRef idx="0">
+            <a:schemeClr val="accent5"/>
+          </a:effectRef>
+          <a:fontRef idx="minor">
+            <a:schemeClr val="tx1"/>
+          </a:fontRef>
+        </p:style>
+        <p:txBody>
+          <a:bodyPr rtlCol="0" anchor="ctr"/>
+          <a:lstStyle/>
+          <a:p>
+            <a:pPr algn="ctr"/>
+            <a:endParaRPr lang="en-US"/>
+          </a:p>
+        </p:txBody>
+      </p:sp>
+    </p:spTree>
+    <p:extLst>
+      <p:ext uri="{BB962C8B-B14F-4D97-AF65-F5344CB8AC3E}">
+        <p14:creationId xmlns:p14="http://schemas.microsoft.com/office/powerpoint/2010/main" val="3949615722"/>
+      </p:ext>
+    </p:extLst>
+  </p:cSld>
+  <p:clrMapOvr>
+    <a:masterClrMapping/>
+  </p:clrMapOvr>
+</p:sld>
+</file>
+
+<file path=ppt/slides/slide12.xml><?xml version="1.0" encoding="utf-8"?>
+<p:sld xmlns:a="http://schemas.openxmlformats.org/drawingml/2006/main" xmlns:r="http://schemas.openxmlformats.org/officeDocument/2006/relationships" xmlns:p="http://schemas.openxmlformats.org/presentationml/2006/main">
+  <p:cSld>
+    <p:spTree>
+      <p:nvGrpSpPr>
+        <p:cNvPr id="1" name=""/>
+        <p:cNvGrpSpPr/>
+        <p:nvPr/>
+      </p:nvGrpSpPr>
+      <p:grpSpPr>
+        <a:xfrm>
+          <a:off x="0" y="0"/>
+          <a:ext cx="0" cy="0"/>
+          <a:chOff x="0" y="0"/>
+          <a:chExt cx="0" cy="0"/>
+        </a:xfrm>
+      </p:grpSpPr>
+      <p:sp>
+        <p:nvSpPr>
+          <p:cNvPr id="2" name="Title 1">
+            <a:extLst>
+              <a:ext uri="{FF2B5EF4-FFF2-40B4-BE49-F238E27FC236}">
+                <a16:creationId xmlns:a16="http://schemas.microsoft.com/office/drawing/2014/main" id="{FFCEA44B-D6D7-2054-3E1F-B432252EC810}"/>
+              </a:ext>
+            </a:extLst>
+          </p:cNvPr>
+          <p:cNvSpPr>
+            <a:spLocks noGrp="1"/>
+          </p:cNvSpPr>
+          <p:nvPr>
+            <p:ph type="title"/>
+          </p:nvPr>
+        </p:nvSpPr>
+        <p:spPr/>
+        <p:txBody>
+          <a:bodyPr/>
+          <a:lstStyle/>
+          <a:p>
+            <a:r>
+              <a:rPr lang="en-US" dirty="0"/>
+              <a:t>summary</a:t>
+            </a:r>
+          </a:p>
+        </p:txBody>
+      </p:sp>
+      <p:sp>
+        <p:nvSpPr>
+          <p:cNvPr id="3" name="Content Placeholder 2">
+            <a:extLst>
+              <a:ext uri="{FF2B5EF4-FFF2-40B4-BE49-F238E27FC236}">
+                <a16:creationId xmlns:a16="http://schemas.microsoft.com/office/drawing/2014/main" id="{51454229-2850-31FC-C255-F3ACBC9E9307}"/>
+              </a:ext>
+            </a:extLst>
+          </p:cNvPr>
+          <p:cNvSpPr>
+            <a:spLocks noGrp="1"/>
+          </p:cNvSpPr>
+          <p:nvPr>
+            <p:ph idx="1"/>
+          </p:nvPr>
+        </p:nvSpPr>
+        <p:spPr/>
+        <p:txBody>
+          <a:bodyPr>
+            <a:normAutofit lnSpcReduction="10000"/>
+          </a:bodyPr>
+          <a:lstStyle/>
+          <a:p>
+            <a:r>
+              <a:rPr lang="en-US" dirty="0"/>
+              <a:t>Run “git pull” to get the latest files from the course repository</a:t>
+            </a:r>
+          </a:p>
+          <a:p>
+            <a:r>
+              <a:rPr lang="en-US" dirty="0"/>
+              <a:t>Unix command line interface (CLI): </a:t>
+            </a:r>
+          </a:p>
+          <a:p>
+            <a:pPr lvl="1"/>
+            <a:r>
+              <a:rPr lang="en-US" dirty="0"/>
+              <a:t>Highly efficient (faster than Python)</a:t>
+            </a:r>
+          </a:p>
+          <a:p>
+            <a:pPr lvl="1"/>
+            <a:r>
+              <a:rPr lang="en-US" dirty="0"/>
+              <a:t>Faster than graphic user interface (GUI, point-and-click)</a:t>
+            </a:r>
+          </a:p>
+          <a:p>
+            <a:pPr lvl="1"/>
+            <a:r>
+              <a:rPr lang="en-US" dirty="0"/>
+              <a:t>No need for programming for most of the text-wrangling</a:t>
+            </a:r>
+          </a:p>
+          <a:p>
+            <a:r>
+              <a:rPr lang="en-US" dirty="0"/>
+              <a:t>Next week: Quiz #1, based on the following 4 exercises</a:t>
+            </a:r>
+          </a:p>
+          <a:p>
+            <a:pPr lvl="1"/>
+            <a:r>
+              <a:rPr lang="en-US" dirty="0"/>
+              <a:t>1.10.1 Next generation sequencing data</a:t>
+            </a:r>
+          </a:p>
+          <a:p>
+            <a:pPr lvl="1"/>
+            <a:r>
+              <a:rPr lang="en-US" dirty="0"/>
+              <a:t>1.10.2 Hormone levels in Baboons</a:t>
+            </a:r>
+          </a:p>
+          <a:p>
+            <a:pPr lvl="1"/>
+            <a:r>
+              <a:rPr lang="en-US" dirty="0"/>
+              <a:t>1.10.3 Plant-pollinator networks</a:t>
+            </a:r>
+          </a:p>
+          <a:p>
+            <a:pPr lvl="1"/>
+            <a:r>
+              <a:rPr lang="en-US" dirty="0"/>
+              <a:t>1.10.4. Data explorer</a:t>
+            </a:r>
+          </a:p>
+        </p:txBody>
+      </p:sp>
+      <p:sp>
+        <p:nvSpPr>
+          <p:cNvPr id="4" name="Date Placeholder 3">
+            <a:extLst>
+              <a:ext uri="{FF2B5EF4-FFF2-40B4-BE49-F238E27FC236}">
+                <a16:creationId xmlns:a16="http://schemas.microsoft.com/office/drawing/2014/main" id="{B125476E-A31C-9E57-DC37-7A39B5CC2360}"/>
+              </a:ext>
+            </a:extLst>
+          </p:cNvPr>
+          <p:cNvSpPr>
+            <a:spLocks noGrp="1"/>
+          </p:cNvSpPr>
+          <p:nvPr>
+            <p:ph type="dt" sz="half" idx="10"/>
+          </p:nvPr>
+        </p:nvSpPr>
+        <p:spPr/>
+        <p:txBody>
+          <a:bodyPr/>
+          <a:lstStyle/>
+          <a:p>
+            <a:r>
+              <a:rPr lang="en-US" dirty="0"/>
+              <a:t>01/30/2023</a:t>
+            </a:r>
+          </a:p>
+        </p:txBody>
+      </p:sp>
+      <p:sp>
+        <p:nvSpPr>
+          <p:cNvPr id="6" name="Slide Number Placeholder 5">
+            <a:extLst>
+              <a:ext uri="{FF2B5EF4-FFF2-40B4-BE49-F238E27FC236}">
+                <a16:creationId xmlns:a16="http://schemas.microsoft.com/office/drawing/2014/main" id="{4CA4C578-7F2D-341D-B49E-E7CC749D52A9}"/>
+              </a:ext>
+            </a:extLst>
+          </p:cNvPr>
+          <p:cNvSpPr>
+            <a:spLocks noGrp="1"/>
+          </p:cNvSpPr>
+          <p:nvPr>
+            <p:ph type="sldNum" sz="quarter" idx="12"/>
+          </p:nvPr>
+        </p:nvSpPr>
+        <p:spPr/>
+        <p:txBody>
+          <a:bodyPr/>
+          <a:lstStyle/>
+          <a:p>
+            <a:fld id="{D8DA9DAA-006C-4F4B-980E-E3DF019B24E2}" type="slidenum">
+              <a:rPr lang="en-US" smtClean="0"/>
+              <a:pPr/>
+              <a:t>12</a:t>
+            </a:fld>
+            <a:endParaRPr lang="en-US" dirty="0"/>
+          </a:p>
+        </p:txBody>
+      </p:sp>
+    </p:spTree>
+    <p:extLst>
+      <p:ext uri="{BB962C8B-B14F-4D97-AF65-F5344CB8AC3E}">
+        <p14:creationId xmlns:p14="http://schemas.microsoft.com/office/powerpoint/2010/main" val="692767863"/>
+      </p:ext>
+    </p:extLst>
+  </p:cSld>
+  <p:clrMapOvr>
+    <a:masterClrMapping/>
+  </p:clrMapOvr>
+</p:sld>
+</file>
+
+<file path=ppt/slides/slide2.xml><?xml version="1.0" encoding="utf-8"?>
+<p:sld xmlns:a="http://schemas.openxmlformats.org/drawingml/2006/main" xmlns:r="http://schemas.openxmlformats.org/officeDocument/2006/relationships" xmlns:p="http://schemas.openxmlformats.org/presentationml/2006/main">
+  <p:cSld>
+    <p:bg>
+      <p:bgPr>
+        <a:solidFill>
+          <a:schemeClr val="bg1"/>
+        </a:solidFill>
+        <a:effectLst/>
+      </p:bgPr>
+    </p:bg>
+    <p:spTree>
+      <p:nvGrpSpPr>
+        <p:cNvPr id="1" name=""/>
+        <p:cNvGrpSpPr/>
+        <p:nvPr/>
+      </p:nvGrpSpPr>
+      <p:grpSpPr>
+        <a:xfrm>
+          <a:off x="0" y="0"/>
+          <a:ext cx="0" cy="0"/>
+          <a:chOff x="0" y="0"/>
+          <a:chExt cx="0" cy="0"/>
+        </a:xfrm>
+      </p:grpSpPr>
+      <p:cxnSp>
+        <p:nvCxnSpPr>
+          <p:cNvPr id="1057" name="Straight Connector 1056">
+            <a:extLst>
+              <a:ext uri="{FF2B5EF4-FFF2-40B4-BE49-F238E27FC236}">
+                <a16:creationId xmlns:a16="http://schemas.microsoft.com/office/drawing/2014/main" id="{5C05CAAB-DBA2-4548-AD5F-01BB97FBB207}"/>
+              </a:ext>
+              <a:ext uri="{C183D7F6-B498-43B3-948B-1728B52AA6E4}">
+                <adec:decorative xmlns:adec="http://schemas.microsoft.com/office/drawing/2017/decorative" val="1"/>
+              </a:ext>
+            </a:extLst>
+          </p:cNvPr>
+          <p:cNvCxnSpPr>
+            <a:cxnSpLocks noGrp="1" noRot="1" noChangeAspect="1" noMove="1" noResize="1" noEditPoints="1" noAdjustHandles="1" noChangeArrowheads="1" noChangeShapeType="1"/>
+          </p:cNvCxnSpPr>
+          <p:nvPr>
+            <p:extLst>
+              <p:ext uri="{386F3935-93C4-4BCD-93E2-E3B085C9AB24}">
+                <p16:designElem xmlns:p16="http://schemas.microsoft.com/office/powerpoint/2015/main" val="1"/>
+              </p:ext>
+            </p:extLst>
+          </p:nvPr>
+        </p:nvCxnSpPr>
+        <p:spPr>
+          <a:xfrm>
+            <a:off x="715890" y="356812"/>
+            <a:ext cx="0" cy="6492875"/>
+          </a:xfrm>
+          <a:prstGeom prst="line">
+            <a:avLst/>
+          </a:prstGeom>
+          <a:ln w="25400" cap="sq">
+            <a:gradFill flip="none" rotWithShape="1">
+              <a:gsLst>
+                <a:gs pos="0">
+                  <a:schemeClr val="accent2"/>
+                </a:gs>
+                <a:gs pos="100000">
+                  <a:schemeClr val="accent4"/>
+                </a:gs>
+              </a:gsLst>
+              <a:lin ang="16200000" scaled="1"/>
+              <a:tileRect/>
+            </a:gradFill>
+            <a:bevel/>
+          </a:ln>
+        </p:spPr>
+        <p:style>
+          <a:lnRef idx="1">
+            <a:schemeClr val="accent1"/>
+          </a:lnRef>
+          <a:fillRef idx="0">
+            <a:schemeClr val="accent1"/>
+          </a:fillRef>
+          <a:effectRef idx="0">
+            <a:schemeClr val="accent1"/>
+          </a:effectRef>
+          <a:fontRef idx="minor">
+            <a:schemeClr val="tx1"/>
+          </a:fontRef>
+        </p:style>
+      </p:cxnSp>
+      <p:sp useBgFill="1">
+        <p:nvSpPr>
+          <p:cNvPr id="1059" name="Rectangle 1058">
+            <a:extLst>
+              <a:ext uri="{FF2B5EF4-FFF2-40B4-BE49-F238E27FC236}">
+                <a16:creationId xmlns:a16="http://schemas.microsoft.com/office/drawing/2014/main" id="{330C0765-5A38-4A34-880C-9CC4C2E14FBA}"/>
+              </a:ext>
+              <a:ext uri="{C183D7F6-B498-43B3-948B-1728B52AA6E4}">
+                <adec:decorative xmlns:adec="http://schemas.microsoft.com/office/drawing/2017/decorative" val="1"/>
+              </a:ext>
+            </a:extLst>
+          </p:cNvPr>
+          <p:cNvSpPr>
+            <a:spLocks noGrp="1" noRot="1" noChangeAspect="1" noMove="1" noResize="1" noEditPoints="1" noAdjustHandles="1" noChangeArrowheads="1" noChangeShapeType="1" noTextEdit="1"/>
+          </p:cNvSpPr>
+          <p:nvPr>
+            <p:extLst>
+              <p:ext uri="{386F3935-93C4-4BCD-93E2-E3B085C9AB24}">
+                <p16:designElem xmlns:p16="http://schemas.microsoft.com/office/powerpoint/2015/main" val="1"/>
+              </p:ext>
+            </p:extLst>
+          </p:nvPr>
+        </p:nvSpPr>
+        <p:spPr>
+          <a:xfrm>
+            <a:off x="0" y="0"/>
+            <a:ext cx="12192000" cy="6858000"/>
+          </a:xfrm>
+          <a:prstGeom prst="rect">
+            <a:avLst/>
+          </a:prstGeom>
+          <a:ln>
+            <a:noFill/>
+          </a:ln>
+        </p:spPr>
+        <p:style>
+          <a:lnRef idx="2">
+            <a:schemeClr val="accent1">
+              <a:shade val="50000"/>
+            </a:schemeClr>
+          </a:lnRef>
+          <a:fillRef idx="1">
+            <a:schemeClr val="accent1"/>
+          </a:fillRef>
+          <a:effectRef idx="0">
+            <a:schemeClr val="accent1"/>
+          </a:effectRef>
+          <a:fontRef idx="minor">
+            <a:schemeClr val="lt1"/>
+          </a:fontRef>
+        </p:style>
+        <p:txBody>
+          <a:bodyPr rtlCol="0" anchor="ctr"/>
+          <a:lstStyle/>
+          <a:p>
+            <a:pPr algn="ctr"/>
+            <a:endParaRPr lang="en-US"/>
+          </a:p>
+        </p:txBody>
+      </p:sp>
+      <p:sp>
+        <p:nvSpPr>
+          <p:cNvPr id="3" name="Title 2">
+            <a:extLst>
+              <a:ext uri="{FF2B5EF4-FFF2-40B4-BE49-F238E27FC236}">
+                <a16:creationId xmlns:a16="http://schemas.microsoft.com/office/drawing/2014/main" id="{0115FF41-AFA4-4D25-AB42-AB034F4B4FEC}"/>
+              </a:ext>
+            </a:extLst>
+          </p:cNvPr>
+          <p:cNvSpPr>
+            <a:spLocks noGrp="1"/>
+          </p:cNvSpPr>
+          <p:nvPr>
+            <p:ph type="title"/>
+          </p:nvPr>
+        </p:nvSpPr>
+        <p:spPr>
+          <a:xfrm>
+            <a:off x="264180" y="363828"/>
+            <a:ext cx="5831820" cy="1140721"/>
+          </a:xfrm>
+        </p:spPr>
+        <p:txBody>
+          <a:bodyPr vert="horz" lIns="91440" tIns="45720" rIns="91440" bIns="45720" rtlCol="0" anchor="b">
+            <a:normAutofit/>
+          </a:bodyPr>
+          <a:lstStyle/>
+          <a:p>
+            <a:r>
+              <a:rPr lang="en-US" sz="3600" kern="1200" dirty="0">
+                <a:solidFill>
+                  <a:schemeClr val="tx1"/>
+                </a:solidFill>
+                <a:latin typeface="+mj-lt"/>
+                <a:ea typeface="+mj-ea"/>
+                <a:cs typeface="+mj-cs"/>
+              </a:rPr>
+              <a:t>Version Control with Git (Chapter 2)</a:t>
+            </a:r>
+          </a:p>
+        </p:txBody>
+      </p:sp>
+      <p:sp>
+        <p:nvSpPr>
+          <p:cNvPr id="1061" name="Graphic 15">
+            <a:extLst>
+              <a:ext uri="{FF2B5EF4-FFF2-40B4-BE49-F238E27FC236}">
+                <a16:creationId xmlns:a16="http://schemas.microsoft.com/office/drawing/2014/main" id="{B7DA268A-F88C-4936-8401-97C8C9861089}"/>
+              </a:ext>
+              <a:ext uri="{C183D7F6-B498-43B3-948B-1728B52AA6E4}">
+                <adec:decorative xmlns:adec="http://schemas.microsoft.com/office/drawing/2017/decorative" val="1"/>
+              </a:ext>
+            </a:extLst>
+          </p:cNvPr>
+          <p:cNvSpPr>
+            <a:spLocks noGrp="1" noRot="1" noChangeAspect="1" noMove="1" noResize="1" noEditPoints="1" noAdjustHandles="1" noChangeArrowheads="1" noChangeShapeType="1" noTextEdit="1"/>
+          </p:cNvSpPr>
+          <p:nvPr>
+            <p:extLst>
+              <p:ext uri="{386F3935-93C4-4BCD-93E2-E3B085C9AB24}">
+                <p16:designElem xmlns:p16="http://schemas.microsoft.com/office/powerpoint/2015/main" val="1"/>
+              </p:ext>
+            </p:extLst>
+          </p:nvPr>
+        </p:nvSpPr>
+        <p:spPr>
+          <a:xfrm>
+            <a:off x="6532938" y="1229685"/>
+            <a:ext cx="139039" cy="139039"/>
+          </a:xfrm>
+          <a:custGeom>
+            <a:avLst/>
+            <a:gdLst>
+              <a:gd name="connsiteX0" fmla="*/ 129602 w 139039"/>
+              <a:gd name="connsiteY0" fmla="*/ 60082 h 139039"/>
+              <a:gd name="connsiteX1" fmla="*/ 78957 w 139039"/>
+              <a:gd name="connsiteY1" fmla="*/ 60082 h 139039"/>
+              <a:gd name="connsiteX2" fmla="*/ 78957 w 139039"/>
+              <a:gd name="connsiteY2" fmla="*/ 9437 h 139039"/>
+              <a:gd name="connsiteX3" fmla="*/ 69520 w 139039"/>
+              <a:gd name="connsiteY3" fmla="*/ 0 h 139039"/>
+              <a:gd name="connsiteX4" fmla="*/ 60082 w 139039"/>
+              <a:gd name="connsiteY4" fmla="*/ 9437 h 139039"/>
+              <a:gd name="connsiteX5" fmla="*/ 60082 w 139039"/>
+              <a:gd name="connsiteY5" fmla="*/ 60082 h 139039"/>
+              <a:gd name="connsiteX6" fmla="*/ 9437 w 139039"/>
+              <a:gd name="connsiteY6" fmla="*/ 60082 h 139039"/>
+              <a:gd name="connsiteX7" fmla="*/ 0 w 139039"/>
+              <a:gd name="connsiteY7" fmla="*/ 69520 h 139039"/>
+              <a:gd name="connsiteX8" fmla="*/ 9437 w 139039"/>
+              <a:gd name="connsiteY8" fmla="*/ 78957 h 139039"/>
+              <a:gd name="connsiteX9" fmla="*/ 60082 w 139039"/>
+              <a:gd name="connsiteY9" fmla="*/ 78957 h 139039"/>
+              <a:gd name="connsiteX10" fmla="*/ 60082 w 139039"/>
+              <a:gd name="connsiteY10" fmla="*/ 129602 h 139039"/>
+              <a:gd name="connsiteX11" fmla="*/ 69520 w 139039"/>
+              <a:gd name="connsiteY11" fmla="*/ 139039 h 139039"/>
+              <a:gd name="connsiteX12" fmla="*/ 78957 w 139039"/>
+              <a:gd name="connsiteY12" fmla="*/ 129602 h 139039"/>
+              <a:gd name="connsiteX13" fmla="*/ 78957 w 139039"/>
+              <a:gd name="connsiteY13" fmla="*/ 78957 h 139039"/>
+              <a:gd name="connsiteX14" fmla="*/ 129602 w 139039"/>
+              <a:gd name="connsiteY14" fmla="*/ 78957 h 139039"/>
+              <a:gd name="connsiteX15" fmla="*/ 139039 w 139039"/>
+              <a:gd name="connsiteY15" fmla="*/ 69520 h 139039"/>
+              <a:gd name="connsiteX16" fmla="*/ 129602 w 139039"/>
+              <a:gd name="connsiteY16" fmla="*/ 60082 h 139039"/>
+            </a:gdLst>
+            <a:ahLst/>
+            <a:cxnLst>
+              <a:cxn ang="0">
+                <a:pos x="connsiteX0" y="connsiteY0"/>
+              </a:cxn>
+              <a:cxn ang="0">
+                <a:pos x="connsiteX1" y="connsiteY1"/>
+              </a:cxn>
+              <a:cxn ang="0">
+                <a:pos x="connsiteX2" y="connsiteY2"/>
+              </a:cxn>
+              <a:cxn ang="0">
+                <a:pos x="connsiteX3" y="connsiteY3"/>
+              </a:cxn>
+              <a:cxn ang="0">
+                <a:pos x="connsiteX4" y="connsiteY4"/>
+              </a:cxn>
+              <a:cxn ang="0">
+                <a:pos x="connsiteX5" y="connsiteY5"/>
+              </a:cxn>
+              <a:cxn ang="0">
+                <a:pos x="connsiteX6" y="connsiteY6"/>
+              </a:cxn>
+              <a:cxn ang="0">
+                <a:pos x="connsiteX7" y="connsiteY7"/>
+              </a:cxn>
+              <a:cxn ang="0">
+                <a:pos x="connsiteX8" y="connsiteY8"/>
+              </a:cxn>
+              <a:cxn ang="0">
+                <a:pos x="connsiteX9" y="connsiteY9"/>
+              </a:cxn>
+              <a:cxn ang="0">
+                <a:pos x="connsiteX10" y="connsiteY10"/>
+              </a:cxn>
+              <a:cxn ang="0">
+                <a:pos x="connsiteX11" y="connsiteY11"/>
+              </a:cxn>
+              <a:cxn ang="0">
+                <a:pos x="connsiteX12" y="connsiteY12"/>
+              </a:cxn>
+              <a:cxn ang="0">
+                <a:pos x="connsiteX13" y="connsiteY13"/>
+              </a:cxn>
+              <a:cxn ang="0">
+                <a:pos x="connsiteX14" y="connsiteY14"/>
+              </a:cxn>
+              <a:cxn ang="0">
+                <a:pos x="connsiteX15" y="connsiteY15"/>
+              </a:cxn>
+              <a:cxn ang="0">
+                <a:pos x="connsiteX16" y="connsiteY16"/>
+              </a:cxn>
+            </a:cxnLst>
+            <a:rect l="l" t="t" r="r" b="b"/>
+            <a:pathLst>
+              <a:path w="139039" h="139039">
+                <a:moveTo>
+                  <a:pt x="129602" y="60082"/>
+                </a:moveTo>
+                <a:lnTo>
+                  <a:pt x="78957" y="60082"/>
+                </a:lnTo>
+                <a:lnTo>
+                  <a:pt x="78957" y="9437"/>
+                </a:lnTo>
+                <a:cubicBezTo>
+                  <a:pt x="78957" y="4225"/>
+                  <a:pt x="74731" y="0"/>
+                  <a:pt x="69520" y="0"/>
+                </a:cubicBezTo>
+                <a:cubicBezTo>
+                  <a:pt x="64308" y="0"/>
+                  <a:pt x="60082" y="4225"/>
+                  <a:pt x="60082" y="9437"/>
+                </a:cubicBezTo>
+                <a:lnTo>
+                  <a:pt x="60082" y="60082"/>
+                </a:lnTo>
+                <a:lnTo>
+                  <a:pt x="9437" y="60082"/>
+                </a:lnTo>
+                <a:cubicBezTo>
+                  <a:pt x="4225" y="60082"/>
+                  <a:pt x="0" y="64308"/>
+                  <a:pt x="0" y="69520"/>
+                </a:cubicBezTo>
+                <a:cubicBezTo>
+                  <a:pt x="0" y="74731"/>
+                  <a:pt x="4225" y="78957"/>
+                  <a:pt x="9437" y="78957"/>
+                </a:cubicBezTo>
+                <a:lnTo>
+                  <a:pt x="60082" y="78957"/>
+                </a:lnTo>
+                <a:lnTo>
+                  <a:pt x="60082" y="129602"/>
+                </a:lnTo>
+                <a:cubicBezTo>
+                  <a:pt x="60082" y="134814"/>
+                  <a:pt x="64308" y="139039"/>
+                  <a:pt x="69520" y="139039"/>
+                </a:cubicBezTo>
+                <a:cubicBezTo>
+                  <a:pt x="74731" y="139039"/>
+                  <a:pt x="78957" y="134814"/>
+                  <a:pt x="78957" y="129602"/>
+                </a:cubicBezTo>
+                <a:lnTo>
+                  <a:pt x="78957" y="78957"/>
+                </a:lnTo>
+                <a:lnTo>
+                  <a:pt x="129602" y="78957"/>
+                </a:lnTo>
+                <a:cubicBezTo>
+                  <a:pt x="134814" y="78957"/>
+                  <a:pt x="139039" y="74731"/>
+                  <a:pt x="139039" y="69520"/>
+                </a:cubicBezTo>
+                <a:cubicBezTo>
+                  <a:pt x="139039" y="64308"/>
+                  <a:pt x="134814" y="60082"/>
+                  <a:pt x="129602" y="60082"/>
+                </a:cubicBezTo>
+                <a:close/>
+              </a:path>
+            </a:pathLst>
+          </a:custGeom>
+          <a:solidFill>
+            <a:schemeClr val="accent2"/>
+          </a:solidFill>
+          <a:ln w="603" cap="flat">
+            <a:noFill/>
+            <a:prstDash val="solid"/>
+            <a:miter/>
+          </a:ln>
+        </p:spPr>
+        <p:txBody>
+          <a:bodyPr rtlCol="0" anchor="ctr"/>
+          <a:lstStyle/>
+          <a:p>
+            <a:endParaRPr lang="en-US"/>
+          </a:p>
+        </p:txBody>
+      </p:sp>
+      <p:sp>
+        <p:nvSpPr>
+          <p:cNvPr id="1063" name="Graphic 14">
+            <a:extLst>
+              <a:ext uri="{FF2B5EF4-FFF2-40B4-BE49-F238E27FC236}">
+                <a16:creationId xmlns:a16="http://schemas.microsoft.com/office/drawing/2014/main" id="{2E48EAB8-CD1C-4BF5-A92C-BA11919E6EDF}"/>
+              </a:ext>
+              <a:ext uri="{C183D7F6-B498-43B3-948B-1728B52AA6E4}">
+                <adec:decorative xmlns:adec="http://schemas.microsoft.com/office/drawing/2017/decorative" val="1"/>
+              </a:ext>
+            </a:extLst>
+          </p:cNvPr>
+          <p:cNvSpPr>
+            <a:spLocks noGrp="1" noRot="1" noChangeAspect="1" noMove="1" noResize="1" noEditPoints="1" noAdjustHandles="1" noChangeArrowheads="1" noChangeShapeType="1" noTextEdit="1"/>
+          </p:cNvSpPr>
+          <p:nvPr>
+            <p:extLst>
+              <p:ext uri="{386F3935-93C4-4BCD-93E2-E3B085C9AB24}">
+                <p16:designElem xmlns:p16="http://schemas.microsoft.com/office/powerpoint/2015/main" val="1"/>
+              </p:ext>
+            </p:extLst>
+          </p:nvPr>
+        </p:nvSpPr>
+        <p:spPr>
+          <a:xfrm>
+            <a:off x="6891718" y="1458980"/>
+            <a:ext cx="91138" cy="91138"/>
+          </a:xfrm>
+          <a:custGeom>
+            <a:avLst/>
+            <a:gdLst>
+              <a:gd name="connsiteX0" fmla="*/ 91138 w 91138"/>
+              <a:gd name="connsiteY0" fmla="*/ 45569 h 91138"/>
+              <a:gd name="connsiteX1" fmla="*/ 45569 w 91138"/>
+              <a:gd name="connsiteY1" fmla="*/ 91138 h 91138"/>
+              <a:gd name="connsiteX2" fmla="*/ 0 w 91138"/>
+              <a:gd name="connsiteY2" fmla="*/ 45569 h 91138"/>
+              <a:gd name="connsiteX3" fmla="*/ 45569 w 91138"/>
+              <a:gd name="connsiteY3" fmla="*/ 0 h 91138"/>
+              <a:gd name="connsiteX4" fmla="*/ 91138 w 91138"/>
+              <a:gd name="connsiteY4" fmla="*/ 45569 h 91138"/>
+            </a:gdLst>
+            <a:ahLst/>
+            <a:cxnLst>
+              <a:cxn ang="0">
+                <a:pos x="connsiteX0" y="connsiteY0"/>
+              </a:cxn>
+              <a:cxn ang="0">
+                <a:pos x="connsiteX1" y="connsiteY1"/>
+              </a:cxn>
+              <a:cxn ang="0">
+                <a:pos x="connsiteX2" y="connsiteY2"/>
+              </a:cxn>
+              <a:cxn ang="0">
+                <a:pos x="connsiteX3" y="connsiteY3"/>
+              </a:cxn>
+              <a:cxn ang="0">
+                <a:pos x="connsiteX4" y="connsiteY4"/>
+              </a:cxn>
+            </a:cxnLst>
+            <a:rect l="l" t="t" r="r" b="b"/>
+            <a:pathLst>
+              <a:path w="91138" h="91138">
+                <a:moveTo>
+                  <a:pt x="91138" y="45569"/>
+                </a:moveTo>
+                <a:cubicBezTo>
+                  <a:pt x="91138" y="70736"/>
+                  <a:pt x="70736" y="91138"/>
+                  <a:pt x="45569" y="91138"/>
+                </a:cubicBezTo>
+                <a:cubicBezTo>
+                  <a:pt x="20402" y="91138"/>
+                  <a:pt x="0" y="70736"/>
+                  <a:pt x="0" y="45569"/>
+                </a:cubicBezTo>
+                <a:cubicBezTo>
+                  <a:pt x="0" y="20402"/>
+                  <a:pt x="20402" y="0"/>
+                  <a:pt x="45569" y="0"/>
+                </a:cubicBezTo>
+                <a:cubicBezTo>
+                  <a:pt x="70736" y="0"/>
+                  <a:pt x="91138" y="20402"/>
+                  <a:pt x="91138" y="45569"/>
+                </a:cubicBezTo>
+                <a:close/>
+              </a:path>
+            </a:pathLst>
+          </a:custGeom>
+          <a:solidFill>
+            <a:schemeClr val="accent2"/>
+          </a:solidFill>
+          <a:ln w="422" cap="flat">
+            <a:noFill/>
+            <a:prstDash val="solid"/>
+            <a:miter/>
+          </a:ln>
+        </p:spPr>
+        <p:txBody>
+          <a:bodyPr rtlCol="0" anchor="ctr"/>
+          <a:lstStyle/>
+          <a:p>
+            <a:endParaRPr lang="en-US"/>
+          </a:p>
+        </p:txBody>
+      </p:sp>
+      <p:sp>
+        <p:nvSpPr>
+          <p:cNvPr id="1065" name="Graphic 16">
+            <a:extLst>
+              <a:ext uri="{FF2B5EF4-FFF2-40B4-BE49-F238E27FC236}">
+                <a16:creationId xmlns:a16="http://schemas.microsoft.com/office/drawing/2014/main" id="{F66F957D-AE64-4187-90D7-B24F1CC27F61}"/>
+              </a:ext>
+              <a:ext uri="{C183D7F6-B498-43B3-948B-1728B52AA6E4}">
+                <adec:decorative xmlns:adec="http://schemas.microsoft.com/office/drawing/2017/decorative" val="1"/>
+              </a:ext>
+            </a:extLst>
+          </p:cNvPr>
+          <p:cNvSpPr>
+            <a:spLocks noGrp="1" noRot="1" noChangeAspect="1" noMove="1" noResize="1" noEditPoints="1" noAdjustHandles="1" noChangeArrowheads="1" noChangeShapeType="1" noTextEdit="1"/>
+          </p:cNvSpPr>
+          <p:nvPr>
+            <p:extLst>
+              <p:ext uri="{386F3935-93C4-4BCD-93E2-E3B085C9AB24}">
+                <p16:designElem xmlns:p16="http://schemas.microsoft.com/office/powerpoint/2015/main" val="1"/>
+              </p:ext>
+            </p:extLst>
+          </p:nvPr>
+        </p:nvSpPr>
+        <p:spPr>
+          <a:xfrm>
+            <a:off x="6517398" y="1974124"/>
+            <a:ext cx="127714" cy="127714"/>
+          </a:xfrm>
+          <a:custGeom>
+            <a:avLst/>
+            <a:gdLst>
+              <a:gd name="connsiteX0" fmla="*/ 63857 w 127714"/>
+              <a:gd name="connsiteY0" fmla="*/ 18874 h 127714"/>
+              <a:gd name="connsiteX1" fmla="*/ 108840 w 127714"/>
+              <a:gd name="connsiteY1" fmla="*/ 63857 h 127714"/>
+              <a:gd name="connsiteX2" fmla="*/ 63857 w 127714"/>
+              <a:gd name="connsiteY2" fmla="*/ 108840 h 127714"/>
+              <a:gd name="connsiteX3" fmla="*/ 18874 w 127714"/>
+              <a:gd name="connsiteY3" fmla="*/ 63857 h 127714"/>
+              <a:gd name="connsiteX4" fmla="*/ 63857 w 127714"/>
+              <a:gd name="connsiteY4" fmla="*/ 18874 h 127714"/>
+              <a:gd name="connsiteX5" fmla="*/ 63857 w 127714"/>
+              <a:gd name="connsiteY5" fmla="*/ 0 h 127714"/>
+              <a:gd name="connsiteX6" fmla="*/ 0 w 127714"/>
+              <a:gd name="connsiteY6" fmla="*/ 63857 h 127714"/>
+              <a:gd name="connsiteX7" fmla="*/ 63857 w 127714"/>
+              <a:gd name="connsiteY7" fmla="*/ 127714 h 127714"/>
+              <a:gd name="connsiteX8" fmla="*/ 127714 w 127714"/>
+              <a:gd name="connsiteY8" fmla="*/ 63857 h 127714"/>
+              <a:gd name="connsiteX9" fmla="*/ 63857 w 127714"/>
+              <a:gd name="connsiteY9" fmla="*/ 0 h 127714"/>
+            </a:gdLst>
+            <a:ahLst/>
+            <a:cxnLst>
+              <a:cxn ang="0">
+                <a:pos x="connsiteX0" y="connsiteY0"/>
+              </a:cxn>
+              <a:cxn ang="0">
+                <a:pos x="connsiteX1" y="connsiteY1"/>
+              </a:cxn>
+              <a:cxn ang="0">
+                <a:pos x="connsiteX2" y="connsiteY2"/>
+              </a:cxn>
+              <a:cxn ang="0">
+                <a:pos x="connsiteX3" y="connsiteY3"/>
+              </a:cxn>
+              <a:cxn ang="0">
+                <a:pos x="connsiteX4" y="connsiteY4"/>
+              </a:cxn>
+              <a:cxn ang="0">
+                <a:pos x="connsiteX5" y="connsiteY5"/>
+              </a:cxn>
+              <a:cxn ang="0">
+                <a:pos x="connsiteX6" y="connsiteY6"/>
+              </a:cxn>
+              <a:cxn ang="0">
+                <a:pos x="connsiteX7" y="connsiteY7"/>
+              </a:cxn>
+              <a:cxn ang="0">
+                <a:pos x="connsiteX8" y="connsiteY8"/>
+              </a:cxn>
+              <a:cxn ang="0">
+                <a:pos x="connsiteX9" y="connsiteY9"/>
+              </a:cxn>
+            </a:cxnLst>
+            <a:rect l="l" t="t" r="r" b="b"/>
+            <a:pathLst>
+              <a:path w="127714" h="127714">
+                <a:moveTo>
+                  <a:pt x="63857" y="18874"/>
+                </a:moveTo>
+                <a:cubicBezTo>
+                  <a:pt x="88700" y="18874"/>
+                  <a:pt x="108840" y="39014"/>
+                  <a:pt x="108840" y="63857"/>
+                </a:cubicBezTo>
+                <a:cubicBezTo>
+                  <a:pt x="108840" y="88700"/>
+                  <a:pt x="88700" y="108840"/>
+                  <a:pt x="63857" y="108840"/>
+                </a:cubicBezTo>
+                <a:cubicBezTo>
+                  <a:pt x="39014" y="108840"/>
+                  <a:pt x="18874" y="88700"/>
+                  <a:pt x="18874" y="63857"/>
+                </a:cubicBezTo>
+                <a:cubicBezTo>
+                  <a:pt x="18898" y="39024"/>
+                  <a:pt x="39024" y="18898"/>
+                  <a:pt x="63857" y="18874"/>
+                </a:cubicBezTo>
+                <a:moveTo>
+                  <a:pt x="63857" y="0"/>
+                </a:moveTo>
+                <a:cubicBezTo>
+                  <a:pt x="28590" y="0"/>
+                  <a:pt x="0" y="28590"/>
+                  <a:pt x="0" y="63857"/>
+                </a:cubicBezTo>
+                <a:cubicBezTo>
+                  <a:pt x="0" y="99124"/>
+                  <a:pt x="28590" y="127714"/>
+                  <a:pt x="63857" y="127714"/>
+                </a:cubicBezTo>
+                <a:cubicBezTo>
+                  <a:pt x="99124" y="127714"/>
+                  <a:pt x="127714" y="99124"/>
+                  <a:pt x="127714" y="63857"/>
+                </a:cubicBezTo>
+                <a:cubicBezTo>
+                  <a:pt x="127714" y="28590"/>
+                  <a:pt x="99124" y="0"/>
+                  <a:pt x="63857" y="0"/>
+                </a:cubicBezTo>
+                <a:close/>
+              </a:path>
+            </a:pathLst>
+          </a:custGeom>
+          <a:solidFill>
+            <a:schemeClr val="accent2"/>
+          </a:solidFill>
+          <a:ln w="610" cap="flat">
+            <a:noFill/>
+            <a:prstDash val="solid"/>
+            <a:miter/>
+          </a:ln>
+        </p:spPr>
+        <p:txBody>
+          <a:bodyPr rtlCol="0" anchor="ctr"/>
+          <a:lstStyle/>
+          <a:p>
+            <a:endParaRPr lang="en-US"/>
+          </a:p>
+        </p:txBody>
+      </p:sp>
       <p:pic>
         <p:nvPicPr>
           <p:cNvPr id="1028" name="Picture 4" descr="Git push pull commands - local repository to github - qavalidation">
@@ -15059,10 +16457,23 @@
                 <a:latin typeface="Courier New" panose="02070309020205020404" pitchFamily="49" charset="0"/>
                 <a:cs typeface="Courier New" panose="02070309020205020404" pitchFamily="49" charset="0"/>
               </a:rPr>
-              <a:t>ls –</a:t>
+              <a:t>ls </a:t>
+            </a:r>
+            <a:r>
+              <a:rPr lang="en-US" sz="1400" dirty="0">
+                <a:solidFill>
+                  <a:srgbClr val="FF0000"/>
+                </a:solidFill>
+                <a:latin typeface="Courier New" panose="02070309020205020404" pitchFamily="49" charset="0"/>
+                <a:cs typeface="Courier New" panose="02070309020205020404" pitchFamily="49" charset="0"/>
+              </a:rPr>
+              <a:t>–</a:t>
             </a:r>
             <a:r>
               <a:rPr lang="en-US" sz="1400" dirty="0" err="1">
+                <a:solidFill>
+                  <a:srgbClr val="FF0000"/>
+                </a:solidFill>
                 <a:latin typeface="Courier New" panose="02070309020205020404" pitchFamily="49" charset="0"/>
                 <a:cs typeface="Courier New" panose="02070309020205020404" pitchFamily="49" charset="0"/>
               </a:rPr>
@@ -15143,7 +16554,24 @@
                 <a:latin typeface="Courier New" panose="02070309020205020404" pitchFamily="49" charset="0"/>
                 <a:cs typeface="Courier New" panose="02070309020205020404" pitchFamily="49" charset="0"/>
               </a:rPr>
-              <a:t>Ctrl-a	# go to the beginning</a:t>
+              <a:t>Ctrl</a:t>
+            </a:r>
+            <a:r>
+              <a:rPr lang="en-US" sz="1600" dirty="0">
+                <a:solidFill>
+                  <a:srgbClr val="FF0000"/>
+                </a:solidFill>
+                <a:latin typeface="Courier New" panose="02070309020205020404" pitchFamily="49" charset="0"/>
+                <a:cs typeface="Courier New" panose="02070309020205020404" pitchFamily="49" charset="0"/>
+              </a:rPr>
+              <a:t>-a</a:t>
+            </a:r>
+            <a:r>
+              <a:rPr lang="en-US" sz="1600" dirty="0">
+                <a:latin typeface="Courier New" panose="02070309020205020404" pitchFamily="49" charset="0"/>
+                <a:cs typeface="Courier New" panose="02070309020205020404" pitchFamily="49" charset="0"/>
+              </a:rPr>
+              <a:t>	# go to the beginning</a:t>
             </a:r>
           </a:p>
           <a:p>
@@ -15153,7 +16581,24 @@
                 <a:latin typeface="Courier New" panose="02070309020205020404" pitchFamily="49" charset="0"/>
                 <a:cs typeface="Courier New" panose="02070309020205020404" pitchFamily="49" charset="0"/>
               </a:rPr>
-              <a:t>Ctrl-e	# go to the end</a:t>
+              <a:t>Ctrl</a:t>
+            </a:r>
+            <a:r>
+              <a:rPr lang="en-US" sz="1600" dirty="0">
+                <a:solidFill>
+                  <a:srgbClr val="FF0000"/>
+                </a:solidFill>
+                <a:latin typeface="Courier New" panose="02070309020205020404" pitchFamily="49" charset="0"/>
+                <a:cs typeface="Courier New" panose="02070309020205020404" pitchFamily="49" charset="0"/>
+              </a:rPr>
+              <a:t>-e</a:t>
+            </a:r>
+            <a:r>
+              <a:rPr lang="en-US" sz="1600" dirty="0">
+                <a:latin typeface="Courier New" panose="02070309020205020404" pitchFamily="49" charset="0"/>
+                <a:cs typeface="Courier New" panose="02070309020205020404" pitchFamily="49" charset="0"/>
+              </a:rPr>
+              <a:t>	# go to the end</a:t>
             </a:r>
           </a:p>
           <a:p>
@@ -16369,7 +17814,41 @@
                 <a:latin typeface="Courier New" panose="02070309020205020404" pitchFamily="49" charset="0"/>
                 <a:cs typeface="Courier New" panose="02070309020205020404" pitchFamily="49" charset="0"/>
               </a:rPr>
-              <a:t>cp -r ../data .								# recursive copy</a:t>
+              <a:t>cp </a:t>
+            </a:r>
+            <a:r>
+              <a:rPr lang="en-US" sz="1400" dirty="0">
+                <a:solidFill>
+                  <a:srgbClr val="FF0000"/>
+                </a:solidFill>
+                <a:latin typeface="Courier New" panose="02070309020205020404" pitchFamily="49" charset="0"/>
+                <a:cs typeface="Courier New" panose="02070309020205020404" pitchFamily="49" charset="0"/>
+              </a:rPr>
+              <a:t>-r</a:t>
+            </a:r>
+            <a:r>
+              <a:rPr lang="en-US" sz="1400" dirty="0">
+                <a:latin typeface="Courier New" panose="02070309020205020404" pitchFamily="49" charset="0"/>
+                <a:cs typeface="Courier New" panose="02070309020205020404" pitchFamily="49" charset="0"/>
+              </a:rPr>
+              <a:t> ../data .								# </a:t>
+            </a:r>
+            <a:r>
+              <a:rPr lang="en-US" sz="1400" dirty="0">
+                <a:solidFill>
+                  <a:srgbClr val="FF0000"/>
+                </a:solidFill>
+                <a:latin typeface="Courier New" panose="02070309020205020404" pitchFamily="49" charset="0"/>
+                <a:cs typeface="Courier New" panose="02070309020205020404" pitchFamily="49" charset="0"/>
+              </a:rPr>
+              <a:t>recursive</a:t>
+            </a:r>
+            <a:r>
+              <a:rPr lang="en-US" sz="1400" dirty="0">
+                <a:latin typeface="Courier New" panose="02070309020205020404" pitchFamily="49" charset="0"/>
+                <a:cs typeface="Courier New" panose="02070309020205020404" pitchFamily="49" charset="0"/>
+              </a:rPr>
+              <a:t> copy</a:t>
             </a:r>
           </a:p>
           <a:p>
@@ -16486,7 +17965,41 @@
                 <a:latin typeface="Courier New" panose="02070309020205020404" pitchFamily="49" charset="0"/>
                 <a:cs typeface="Courier New" panose="02070309020205020404" pitchFamily="49" charset="0"/>
               </a:rPr>
-              <a:t>rm –r d1			# recursively remove a directory (and its sub-directories)</a:t>
+              <a:t>rm </a:t>
+            </a:r>
+            <a:r>
+              <a:rPr lang="en-US" sz="1600" dirty="0">
+                <a:solidFill>
+                  <a:srgbClr val="FF0000"/>
+                </a:solidFill>
+                <a:latin typeface="Courier New" panose="02070309020205020404" pitchFamily="49" charset="0"/>
+                <a:cs typeface="Courier New" panose="02070309020205020404" pitchFamily="49" charset="0"/>
+              </a:rPr>
+              <a:t>–r</a:t>
+            </a:r>
+            <a:r>
+              <a:rPr lang="en-US" sz="1600" dirty="0">
+                <a:latin typeface="Courier New" panose="02070309020205020404" pitchFamily="49" charset="0"/>
+                <a:cs typeface="Courier New" panose="02070309020205020404" pitchFamily="49" charset="0"/>
+              </a:rPr>
+              <a:t> d1			# </a:t>
+            </a:r>
+            <a:r>
+              <a:rPr lang="en-US" sz="1600" dirty="0">
+                <a:solidFill>
+                  <a:srgbClr val="FF0000"/>
+                </a:solidFill>
+                <a:latin typeface="Courier New" panose="02070309020205020404" pitchFamily="49" charset="0"/>
+                <a:cs typeface="Courier New" panose="02070309020205020404" pitchFamily="49" charset="0"/>
+              </a:rPr>
+              <a:t>recursively</a:t>
+            </a:r>
+            <a:r>
+              <a:rPr lang="en-US" sz="1600" dirty="0">
+                <a:latin typeface="Courier New" panose="02070309020205020404" pitchFamily="49" charset="0"/>
+                <a:cs typeface="Courier New" panose="02070309020205020404" pitchFamily="49" charset="0"/>
+              </a:rPr>
+              <a:t> remove a directory (and its sub-directories)</a:t>
             </a:r>
           </a:p>
           <a:p>
@@ -17773,7 +19286,41 @@
                 <a:latin typeface="Courier New" panose="02070309020205020404" pitchFamily="49" charset="0"/>
                 <a:cs typeface="Courier New" panose="02070309020205020404" pitchFamily="49" charset="0"/>
               </a:rPr>
-              <a:t>head Pacifici2013_data.csv | cut -d ";" -f 1		# select 1</a:t>
+              <a:t>head Pacifici2013_data.csv | cut </a:t>
+            </a:r>
+            <a:r>
+              <a:rPr lang="en-US" sz="1400" dirty="0">
+                <a:solidFill>
+                  <a:srgbClr val="FF0000"/>
+                </a:solidFill>
+                <a:latin typeface="Courier New" panose="02070309020205020404" pitchFamily="49" charset="0"/>
+                <a:cs typeface="Courier New" panose="02070309020205020404" pitchFamily="49" charset="0"/>
+              </a:rPr>
+              <a:t>-d</a:t>
+            </a:r>
+            <a:r>
+              <a:rPr lang="en-US" sz="1400" dirty="0">
+                <a:latin typeface="Courier New" panose="02070309020205020404" pitchFamily="49" charset="0"/>
+                <a:cs typeface="Courier New" panose="02070309020205020404" pitchFamily="49" charset="0"/>
+              </a:rPr>
+              <a:t> ";" </a:t>
+            </a:r>
+            <a:r>
+              <a:rPr lang="en-US" sz="1400" dirty="0">
+                <a:solidFill>
+                  <a:srgbClr val="FF0000"/>
+                </a:solidFill>
+                <a:latin typeface="Courier New" panose="02070309020205020404" pitchFamily="49" charset="0"/>
+                <a:cs typeface="Courier New" panose="02070309020205020404" pitchFamily="49" charset="0"/>
+              </a:rPr>
+              <a:t>-f</a:t>
+            </a:r>
+            <a:r>
+              <a:rPr lang="en-US" sz="1400" dirty="0">
+                <a:latin typeface="Courier New" panose="02070309020205020404" pitchFamily="49" charset="0"/>
+                <a:cs typeface="Courier New" panose="02070309020205020404" pitchFamily="49" charset="0"/>
+              </a:rPr>
+              <a:t> 1		# select 1</a:t>
             </a:r>
             <a:r>
               <a:rPr lang="en-US" sz="1400" baseline="30000" dirty="0">
@@ -17787,7 +19334,41 @@
                 <a:latin typeface="Courier New" panose="02070309020205020404" pitchFamily="49" charset="0"/>
                 <a:cs typeface="Courier New" panose="02070309020205020404" pitchFamily="49" charset="0"/>
               </a:rPr>
-              <a:t> field, delimited by “;”</a:t>
+              <a:t> </a:t>
+            </a:r>
+            <a:r>
+              <a:rPr lang="en-US" sz="1400" dirty="0">
+                <a:solidFill>
+                  <a:srgbClr val="FF0000"/>
+                </a:solidFill>
+                <a:latin typeface="Courier New" panose="02070309020205020404" pitchFamily="49" charset="0"/>
+                <a:cs typeface="Courier New" panose="02070309020205020404" pitchFamily="49" charset="0"/>
+              </a:rPr>
+              <a:t>field</a:t>
+            </a:r>
+            <a:r>
+              <a:rPr lang="en-US" sz="1400" dirty="0">
+                <a:latin typeface="Courier New" panose="02070309020205020404" pitchFamily="49" charset="0"/>
+                <a:cs typeface="Courier New" panose="02070309020205020404" pitchFamily="49" charset="0"/>
+              </a:rPr>
+              <a:t>, </a:t>
+            </a:r>
+            <a:r>
+              <a:rPr lang="en-US" sz="1400" dirty="0">
+                <a:solidFill>
+                  <a:srgbClr val="FF0000"/>
+                </a:solidFill>
+                <a:latin typeface="Courier New" panose="02070309020205020404" pitchFamily="49" charset="0"/>
+                <a:cs typeface="Courier New" panose="02070309020205020404" pitchFamily="49" charset="0"/>
+              </a:rPr>
+              <a:t>delimited</a:t>
+            </a:r>
+            <a:r>
+              <a:rPr lang="en-US" sz="1400" dirty="0">
+                <a:latin typeface="Courier New" panose="02070309020205020404" pitchFamily="49" charset="0"/>
+                <a:cs typeface="Courier New" panose="02070309020205020404" pitchFamily="49" charset="0"/>
+              </a:rPr>
+              <a:t> by “;”</a:t>
             </a:r>
           </a:p>
           <a:p>
@@ -17797,7 +19378,41 @@
                 <a:latin typeface="Courier New" panose="02070309020205020404" pitchFamily="49" charset="0"/>
                 <a:cs typeface="Courier New" panose="02070309020205020404" pitchFamily="49" charset="0"/>
               </a:rPr>
-              <a:t>head Pacifici2013_data.csv | cut -d ";" -f 1-4		# select columns 1-4</a:t>
+              <a:t>head Pacifici2013_data.csv | cut </a:t>
+            </a:r>
+            <a:r>
+              <a:rPr lang="en-US" sz="1400" dirty="0">
+                <a:solidFill>
+                  <a:srgbClr val="FF0000"/>
+                </a:solidFill>
+                <a:latin typeface="Courier New" panose="02070309020205020404" pitchFamily="49" charset="0"/>
+                <a:cs typeface="Courier New" panose="02070309020205020404" pitchFamily="49" charset="0"/>
+              </a:rPr>
+              <a:t>-d</a:t>
+            </a:r>
+            <a:r>
+              <a:rPr lang="en-US" sz="1400" dirty="0">
+                <a:latin typeface="Courier New" panose="02070309020205020404" pitchFamily="49" charset="0"/>
+                <a:cs typeface="Courier New" panose="02070309020205020404" pitchFamily="49" charset="0"/>
+              </a:rPr>
+              <a:t> ";" </a:t>
+            </a:r>
+            <a:r>
+              <a:rPr lang="en-US" sz="1400" dirty="0">
+                <a:solidFill>
+                  <a:srgbClr val="FF0000"/>
+                </a:solidFill>
+                <a:latin typeface="Courier New" panose="02070309020205020404" pitchFamily="49" charset="0"/>
+                <a:cs typeface="Courier New" panose="02070309020205020404" pitchFamily="49" charset="0"/>
+              </a:rPr>
+              <a:t>-f</a:t>
+            </a:r>
+            <a:r>
+              <a:rPr lang="en-US" sz="1400" dirty="0">
+                <a:latin typeface="Courier New" panose="02070309020205020404" pitchFamily="49" charset="0"/>
+                <a:cs typeface="Courier New" panose="02070309020205020404" pitchFamily="49" charset="0"/>
+              </a:rPr>
+              <a:t> 1-4		# select columns 1-4</a:t>
             </a:r>
           </a:p>
           <a:p>
@@ -17807,7 +19422,41 @@
                 <a:latin typeface="Courier New" panose="02070309020205020404" pitchFamily="49" charset="0"/>
                 <a:cs typeface="Courier New" panose="02070309020205020404" pitchFamily="49" charset="0"/>
               </a:rPr>
-              <a:t>cut -d ";" -f 2 Pacifici2013_data.csv | tail –n +2	# select 2</a:t>
+              <a:t>cut </a:t>
+            </a:r>
+            <a:r>
+              <a:rPr lang="en-US" sz="1400" dirty="0">
+                <a:solidFill>
+                  <a:srgbClr val="FF0000"/>
+                </a:solidFill>
+                <a:latin typeface="Courier New" panose="02070309020205020404" pitchFamily="49" charset="0"/>
+                <a:cs typeface="Courier New" panose="02070309020205020404" pitchFamily="49" charset="0"/>
+              </a:rPr>
+              <a:t>-d</a:t>
+            </a:r>
+            <a:r>
+              <a:rPr lang="en-US" sz="1400" dirty="0">
+                <a:latin typeface="Courier New" panose="02070309020205020404" pitchFamily="49" charset="0"/>
+                <a:cs typeface="Courier New" panose="02070309020205020404" pitchFamily="49" charset="0"/>
+              </a:rPr>
+              <a:t> ";" </a:t>
+            </a:r>
+            <a:r>
+              <a:rPr lang="en-US" sz="1400" dirty="0">
+                <a:solidFill>
+                  <a:srgbClr val="FF0000"/>
+                </a:solidFill>
+                <a:latin typeface="Courier New" panose="02070309020205020404" pitchFamily="49" charset="0"/>
+                <a:cs typeface="Courier New" panose="02070309020205020404" pitchFamily="49" charset="0"/>
+              </a:rPr>
+              <a:t>-f</a:t>
+            </a:r>
+            <a:r>
+              <a:rPr lang="en-US" sz="1400" dirty="0">
+                <a:latin typeface="Courier New" panose="02070309020205020404" pitchFamily="49" charset="0"/>
+                <a:cs typeface="Courier New" panose="02070309020205020404" pitchFamily="49" charset="0"/>
+              </a:rPr>
+              <a:t> 2 Pacifici2013_data.csv | tail –n +2	# select 2</a:t>
             </a:r>
             <a:r>
               <a:rPr lang="en-US" sz="1400" baseline="30000" dirty="0">
@@ -17845,10 +19494,47 @@
                 <a:latin typeface="Courier New" panose="02070309020205020404" pitchFamily="49" charset="0"/>
                 <a:cs typeface="Courier New" panose="02070309020205020404" pitchFamily="49" charset="0"/>
               </a:rPr>
-              <a:t>cut -d ";" -f 2 Pacifici2013_data.csv | tail –n +2 | sort | </a:t>
+              <a:t>cut </a:t>
+            </a:r>
+            <a:r>
+              <a:rPr lang="en-US" sz="1400" dirty="0">
+                <a:solidFill>
+                  <a:srgbClr val="FF0000"/>
+                </a:solidFill>
+                <a:latin typeface="Courier New" panose="02070309020205020404" pitchFamily="49" charset="0"/>
+                <a:cs typeface="Courier New" panose="02070309020205020404" pitchFamily="49" charset="0"/>
+              </a:rPr>
+              <a:t>-d</a:t>
+            </a:r>
+            <a:r>
+              <a:rPr lang="en-US" sz="1400" dirty="0">
+                <a:latin typeface="Courier New" panose="02070309020205020404" pitchFamily="49" charset="0"/>
+                <a:cs typeface="Courier New" panose="02070309020205020404" pitchFamily="49" charset="0"/>
+              </a:rPr>
+              <a:t> ";" </a:t>
+            </a:r>
+            <a:r>
+              <a:rPr lang="en-US" sz="1400" dirty="0">
+                <a:solidFill>
+                  <a:srgbClr val="FF0000"/>
+                </a:solidFill>
+                <a:latin typeface="Courier New" panose="02070309020205020404" pitchFamily="49" charset="0"/>
+                <a:cs typeface="Courier New" panose="02070309020205020404" pitchFamily="49" charset="0"/>
+              </a:rPr>
+              <a:t>-f</a:t>
+            </a:r>
+            <a:r>
+              <a:rPr lang="en-US" sz="1400" dirty="0">
+                <a:latin typeface="Courier New" panose="02070309020205020404" pitchFamily="49" charset="0"/>
+                <a:cs typeface="Courier New" panose="02070309020205020404" pitchFamily="49" charset="0"/>
+              </a:rPr>
+              <a:t> 2 Pacifici2013_data.csv | tail –n +2 | sort | </a:t>
             </a:r>
             <a:r>
               <a:rPr lang="en-US" sz="1400" dirty="0" err="1">
+                <a:solidFill>
+                  <a:srgbClr val="FF0000"/>
+                </a:solidFill>
                 <a:latin typeface="Courier New" panose="02070309020205020404" pitchFamily="49" charset="0"/>
                 <a:cs typeface="Courier New" panose="02070309020205020404" pitchFamily="49" charset="0"/>
               </a:rPr>
@@ -18829,7 +20515,41 @@
                 <a:latin typeface="Courier New" panose="02070309020205020404" pitchFamily="49" charset="0"/>
                 <a:cs typeface="Courier New" panose="02070309020205020404" pitchFamily="49" charset="0"/>
               </a:rPr>
-              <a:t>” | tr –d ‘a’   		# delete all ‘a’</a:t>
+              <a:t>” | tr </a:t>
+            </a:r>
+            <a:r>
+              <a:rPr lang="en-US" sz="1600" dirty="0">
+                <a:solidFill>
+                  <a:srgbClr val="FF0000"/>
+                </a:solidFill>
+                <a:latin typeface="Courier New" panose="02070309020205020404" pitchFamily="49" charset="0"/>
+                <a:cs typeface="Courier New" panose="02070309020205020404" pitchFamily="49" charset="0"/>
+              </a:rPr>
+              <a:t>–d</a:t>
+            </a:r>
+            <a:r>
+              <a:rPr lang="en-US" sz="1600" dirty="0">
+                <a:latin typeface="Courier New" panose="02070309020205020404" pitchFamily="49" charset="0"/>
+                <a:cs typeface="Courier New" panose="02070309020205020404" pitchFamily="49" charset="0"/>
+              </a:rPr>
+              <a:t> ‘a’   		# </a:t>
+            </a:r>
+            <a:r>
+              <a:rPr lang="en-US" sz="1600" dirty="0">
+                <a:solidFill>
+                  <a:srgbClr val="FF0000"/>
+                </a:solidFill>
+                <a:latin typeface="Courier New" panose="02070309020205020404" pitchFamily="49" charset="0"/>
+                <a:cs typeface="Courier New" panose="02070309020205020404" pitchFamily="49" charset="0"/>
+              </a:rPr>
+              <a:t>delete</a:t>
+            </a:r>
+            <a:r>
+              <a:rPr lang="en-US" sz="1600" dirty="0">
+                <a:latin typeface="Courier New" panose="02070309020205020404" pitchFamily="49" charset="0"/>
+                <a:cs typeface="Courier New" panose="02070309020205020404" pitchFamily="49" charset="0"/>
+              </a:rPr>
+              <a:t> all ‘a’</a:t>
             </a:r>
           </a:p>
           <a:p>
@@ -18853,7 +20573,41 @@
                 <a:latin typeface="Courier New" panose="02070309020205020404" pitchFamily="49" charset="0"/>
                 <a:cs typeface="Courier New" panose="02070309020205020404" pitchFamily="49" charset="0"/>
               </a:rPr>
-              <a:t>” | tr –s ‘a’ 		# squeeze consecutive ‘a’</a:t>
+              <a:t>” | tr </a:t>
+            </a:r>
+            <a:r>
+              <a:rPr lang="en-US" sz="1600" dirty="0">
+                <a:solidFill>
+                  <a:srgbClr val="FF0000"/>
+                </a:solidFill>
+                <a:latin typeface="Courier New" panose="02070309020205020404" pitchFamily="49" charset="0"/>
+                <a:cs typeface="Courier New" panose="02070309020205020404" pitchFamily="49" charset="0"/>
+              </a:rPr>
+              <a:t>–s</a:t>
+            </a:r>
+            <a:r>
+              <a:rPr lang="en-US" sz="1600" dirty="0">
+                <a:latin typeface="Courier New" panose="02070309020205020404" pitchFamily="49" charset="0"/>
+                <a:cs typeface="Courier New" panose="02070309020205020404" pitchFamily="49" charset="0"/>
+              </a:rPr>
+              <a:t> ‘a’ 		# </a:t>
+            </a:r>
+            <a:r>
+              <a:rPr lang="en-US" sz="1600" dirty="0">
+                <a:solidFill>
+                  <a:srgbClr val="FF0000"/>
+                </a:solidFill>
+                <a:latin typeface="Courier New" panose="02070309020205020404" pitchFamily="49" charset="0"/>
+                <a:cs typeface="Courier New" panose="02070309020205020404" pitchFamily="49" charset="0"/>
+              </a:rPr>
+              <a:t>squeeze</a:t>
+            </a:r>
+            <a:r>
+              <a:rPr lang="en-US" sz="1600" dirty="0">
+                <a:latin typeface="Courier New" panose="02070309020205020404" pitchFamily="49" charset="0"/>
+                <a:cs typeface="Courier New" panose="02070309020205020404" pitchFamily="49" charset="0"/>
+              </a:rPr>
+              <a:t> consecutive ‘a’</a:t>
             </a:r>
           </a:p>
           <a:p>
@@ -19117,7 +20871,24 @@
                 <a:latin typeface="Courier New" panose="02070309020205020404" pitchFamily="49" charset="0"/>
                 <a:cs typeface="Courier New" panose="02070309020205020404" pitchFamily="49" charset="0"/>
               </a:rPr>
-              <a:t>“	# substitute a word</a:t>
+              <a:t>“	# </a:t>
+            </a:r>
+            <a:r>
+              <a:rPr lang="en-US" sz="1600" dirty="0">
+                <a:solidFill>
+                  <a:srgbClr val="FF0000"/>
+                </a:solidFill>
+                <a:latin typeface="Courier New" panose="02070309020205020404" pitchFamily="49" charset="0"/>
+                <a:cs typeface="Courier New" panose="02070309020205020404" pitchFamily="49" charset="0"/>
+              </a:rPr>
+              <a:t>substitute</a:t>
+            </a:r>
+            <a:r>
+              <a:rPr lang="en-US" sz="1600" dirty="0">
+                <a:latin typeface="Courier New" panose="02070309020205020404" pitchFamily="49" charset="0"/>
+                <a:cs typeface="Courier New" panose="02070309020205020404" pitchFamily="49" charset="0"/>
+              </a:rPr>
+              <a:t> a word</a:t>
             </a:r>
           </a:p>
           <a:p>
